--- a/assets/images/UNION_FIND.pptx
+++ b/assets/images/UNION_FIND.pptx
@@ -8,6 +8,13 @@
     <p:sldId id="256" r:id="rId2"/>
     <p:sldId id="258" r:id="rId3"/>
     <p:sldId id="257" r:id="rId4"/>
+    <p:sldId id="259" r:id="rId5"/>
+    <p:sldId id="260" r:id="rId6"/>
+    <p:sldId id="261" r:id="rId7"/>
+    <p:sldId id="262" r:id="rId8"/>
+    <p:sldId id="263" r:id="rId9"/>
+    <p:sldId id="264" r:id="rId10"/>
+    <p:sldId id="265" r:id="rId11"/>
   </p:sldIdLst>
   <p:sldSz cx="12192000" cy="6858000"/>
   <p:notesSz cx="6858000" cy="9144000"/>
@@ -114,6 +121,492 @@
 </p:presentation>
 </file>
 
+<file path=ppt/revisionInfo.xml><?xml version="1.0" encoding="utf-8"?>
+<p1510:revInfo xmlns:a="http://schemas.openxmlformats.org/drawingml/2006/main" xmlns:r="http://schemas.openxmlformats.org/officeDocument/2006/relationships" xmlns:p1510="http://schemas.microsoft.com/office/powerpoint/2015/10/main">
+  <p1510:revLst>
+    <p1510:client id="{EDFDAAC6-7FFE-4599-A206-F831CD19048E}" v="170" dt="2021-07-29T17:54:37.639"/>
+  </p1510:revLst>
+</p1510:revInfo>
+</file>
+
+<file path=ppt/changesInfos/changesInfo1.xml><?xml version="1.0" encoding="utf-8"?>
+<pc:chgInfo xmlns:a="http://schemas.openxmlformats.org/drawingml/2006/main" xmlns:r="http://schemas.openxmlformats.org/officeDocument/2006/relationships" xmlns:ac="http://schemas.microsoft.com/office/drawing/2013/main/command" xmlns:pc="http://schemas.microsoft.com/office/powerpoint/2013/main/command">
+  <pc:docChgLst>
+    <pc:chgData name="noh taehyun" userId="26ea3cd8016ad7de" providerId="LiveId" clId="{EDFDAAC6-7FFE-4599-A206-F831CD19048E}"/>
+    <pc:docChg chg="undo custSel addSld modSld">
+      <pc:chgData name="noh taehyun" userId="26ea3cd8016ad7de" providerId="LiveId" clId="{EDFDAAC6-7FFE-4599-A206-F831CD19048E}" dt="2021-07-29T17:54:57.788" v="2957" actId="207"/>
+      <pc:docMkLst>
+        <pc:docMk/>
+      </pc:docMkLst>
+      <pc:sldChg chg="delSp modSp mod">
+        <pc:chgData name="noh taehyun" userId="26ea3cd8016ad7de" providerId="LiveId" clId="{EDFDAAC6-7FFE-4599-A206-F831CD19048E}" dt="2021-07-29T17:09:08.016" v="366" actId="20577"/>
+        <pc:sldMkLst>
+          <pc:docMk/>
+          <pc:sldMk cId="1390913482" sldId="257"/>
+        </pc:sldMkLst>
+        <pc:spChg chg="del">
+          <ac:chgData name="noh taehyun" userId="26ea3cd8016ad7de" providerId="LiveId" clId="{EDFDAAC6-7FFE-4599-A206-F831CD19048E}" dt="2021-07-29T16:57:17.702" v="41" actId="478"/>
+          <ac:spMkLst>
+            <pc:docMk/>
+            <pc:sldMk cId="1390913482" sldId="257"/>
+            <ac:spMk id="9" creationId="{B396ED95-C602-4BC9-BD1C-812CAB3E1DD8}"/>
+          </ac:spMkLst>
+        </pc:spChg>
+        <pc:spChg chg="del">
+          <ac:chgData name="noh taehyun" userId="26ea3cd8016ad7de" providerId="LiveId" clId="{EDFDAAC6-7FFE-4599-A206-F831CD19048E}" dt="2021-07-29T16:57:42.672" v="53" actId="478"/>
+          <ac:spMkLst>
+            <pc:docMk/>
+            <pc:sldMk cId="1390913482" sldId="257"/>
+            <ac:spMk id="12" creationId="{2E22E654-4220-4291-B30B-35065D8BE262}"/>
+          </ac:spMkLst>
+        </pc:spChg>
+        <pc:spChg chg="mod">
+          <ac:chgData name="noh taehyun" userId="26ea3cd8016ad7de" providerId="LiveId" clId="{EDFDAAC6-7FFE-4599-A206-F831CD19048E}" dt="2021-07-29T17:09:08.016" v="366" actId="20577"/>
+          <ac:spMkLst>
+            <pc:docMk/>
+            <pc:sldMk cId="1390913482" sldId="257"/>
+            <ac:spMk id="14" creationId="{085D0EC4-2E3C-40D4-B8A1-334E696EA683}"/>
+          </ac:spMkLst>
+        </pc:spChg>
+        <pc:spChg chg="del">
+          <ac:chgData name="noh taehyun" userId="26ea3cd8016ad7de" providerId="LiveId" clId="{EDFDAAC6-7FFE-4599-A206-F831CD19048E}" dt="2021-07-29T17:01:18.209" v="112" actId="478"/>
+          <ac:spMkLst>
+            <pc:docMk/>
+            <pc:sldMk cId="1390913482" sldId="257"/>
+            <ac:spMk id="16" creationId="{60B8901E-2A4A-4FE1-B573-0C4FE96BF153}"/>
+          </ac:spMkLst>
+        </pc:spChg>
+        <pc:spChg chg="del">
+          <ac:chgData name="noh taehyun" userId="26ea3cd8016ad7de" providerId="LiveId" clId="{EDFDAAC6-7FFE-4599-A206-F831CD19048E}" dt="2021-07-29T17:01:18.209" v="112" actId="478"/>
+          <ac:spMkLst>
+            <pc:docMk/>
+            <pc:sldMk cId="1390913482" sldId="257"/>
+            <ac:spMk id="17" creationId="{8C5A5991-C09F-4506-B05E-18CA88A5034F}"/>
+          </ac:spMkLst>
+        </pc:spChg>
+        <pc:spChg chg="del">
+          <ac:chgData name="noh taehyun" userId="26ea3cd8016ad7de" providerId="LiveId" clId="{EDFDAAC6-7FFE-4599-A206-F831CD19048E}" dt="2021-07-29T17:01:18.209" v="112" actId="478"/>
+          <ac:spMkLst>
+            <pc:docMk/>
+            <pc:sldMk cId="1390913482" sldId="257"/>
+            <ac:spMk id="18" creationId="{204AEFFD-9B57-4BD2-9654-AD09BC2BF3A3}"/>
+          </ac:spMkLst>
+        </pc:spChg>
+        <pc:graphicFrameChg chg="mod modGraphic">
+          <ac:chgData name="noh taehyun" userId="26ea3cd8016ad7de" providerId="LiveId" clId="{EDFDAAC6-7FFE-4599-A206-F831CD19048E}" dt="2021-07-29T17:01:29.224" v="236" actId="1036"/>
+          <ac:graphicFrameMkLst>
+            <pc:docMk/>
+            <pc:sldMk cId="1390913482" sldId="257"/>
+            <ac:graphicFrameMk id="6" creationId="{25178FBE-B363-44F8-818D-CA09E361AC6A}"/>
+          </ac:graphicFrameMkLst>
+        </pc:graphicFrameChg>
+        <pc:graphicFrameChg chg="del">
+          <ac:chgData name="noh taehyun" userId="26ea3cd8016ad7de" providerId="LiveId" clId="{EDFDAAC6-7FFE-4599-A206-F831CD19048E}" dt="2021-07-29T17:01:18.209" v="112" actId="478"/>
+          <ac:graphicFrameMkLst>
+            <pc:docMk/>
+            <pc:sldMk cId="1390913482" sldId="257"/>
+            <ac:graphicFrameMk id="15" creationId="{44831AB8-9705-4702-B335-A0B65897355A}"/>
+          </ac:graphicFrameMkLst>
+        </pc:graphicFrameChg>
+      </pc:sldChg>
+      <pc:sldChg chg="delSp modSp add mod">
+        <pc:chgData name="noh taehyun" userId="26ea3cd8016ad7de" providerId="LiveId" clId="{EDFDAAC6-7FFE-4599-A206-F831CD19048E}" dt="2021-07-29T17:10:38.214" v="561" actId="20577"/>
+        <pc:sldMkLst>
+          <pc:docMk/>
+          <pc:sldMk cId="3674459388" sldId="259"/>
+        </pc:sldMkLst>
+        <pc:spChg chg="mod">
+          <ac:chgData name="noh taehyun" userId="26ea3cd8016ad7de" providerId="LiveId" clId="{EDFDAAC6-7FFE-4599-A206-F831CD19048E}" dt="2021-07-29T17:10:38.214" v="561" actId="20577"/>
+          <ac:spMkLst>
+            <pc:docMk/>
+            <pc:sldMk cId="3674459388" sldId="259"/>
+            <ac:spMk id="14" creationId="{085D0EC4-2E3C-40D4-B8A1-334E696EA683}"/>
+          </ac:spMkLst>
+        </pc:spChg>
+        <pc:spChg chg="del">
+          <ac:chgData name="noh taehyun" userId="26ea3cd8016ad7de" providerId="LiveId" clId="{EDFDAAC6-7FFE-4599-A206-F831CD19048E}" dt="2021-07-29T17:10:21.487" v="548" actId="478"/>
+          <ac:spMkLst>
+            <pc:docMk/>
+            <pc:sldMk cId="3674459388" sldId="259"/>
+            <ac:spMk id="16" creationId="{60B8901E-2A4A-4FE1-B573-0C4FE96BF153}"/>
+          </ac:spMkLst>
+        </pc:spChg>
+        <pc:spChg chg="del">
+          <ac:chgData name="noh taehyun" userId="26ea3cd8016ad7de" providerId="LiveId" clId="{EDFDAAC6-7FFE-4599-A206-F831CD19048E}" dt="2021-07-29T17:10:21.487" v="548" actId="478"/>
+          <ac:spMkLst>
+            <pc:docMk/>
+            <pc:sldMk cId="3674459388" sldId="259"/>
+            <ac:spMk id="17" creationId="{8C5A5991-C09F-4506-B05E-18CA88A5034F}"/>
+          </ac:spMkLst>
+        </pc:spChg>
+        <pc:spChg chg="del">
+          <ac:chgData name="noh taehyun" userId="26ea3cd8016ad7de" providerId="LiveId" clId="{EDFDAAC6-7FFE-4599-A206-F831CD19048E}" dt="2021-07-29T17:10:21.487" v="548" actId="478"/>
+          <ac:spMkLst>
+            <pc:docMk/>
+            <pc:sldMk cId="3674459388" sldId="259"/>
+            <ac:spMk id="18" creationId="{204AEFFD-9B57-4BD2-9654-AD09BC2BF3A3}"/>
+          </ac:spMkLst>
+        </pc:spChg>
+        <pc:graphicFrameChg chg="mod modGraphic">
+          <ac:chgData name="noh taehyun" userId="26ea3cd8016ad7de" providerId="LiveId" clId="{EDFDAAC6-7FFE-4599-A206-F831CD19048E}" dt="2021-07-29T17:10:08.906" v="546" actId="113"/>
+          <ac:graphicFrameMkLst>
+            <pc:docMk/>
+            <pc:sldMk cId="3674459388" sldId="259"/>
+            <ac:graphicFrameMk id="6" creationId="{25178FBE-B363-44F8-818D-CA09E361AC6A}"/>
+          </ac:graphicFrameMkLst>
+        </pc:graphicFrameChg>
+        <pc:graphicFrameChg chg="del">
+          <ac:chgData name="noh taehyun" userId="26ea3cd8016ad7de" providerId="LiveId" clId="{EDFDAAC6-7FFE-4599-A206-F831CD19048E}" dt="2021-07-29T17:10:21.487" v="548" actId="478"/>
+          <ac:graphicFrameMkLst>
+            <pc:docMk/>
+            <pc:sldMk cId="3674459388" sldId="259"/>
+            <ac:graphicFrameMk id="15" creationId="{44831AB8-9705-4702-B335-A0B65897355A}"/>
+          </ac:graphicFrameMkLst>
+        </pc:graphicFrameChg>
+      </pc:sldChg>
+      <pc:sldChg chg="delSp modSp add mod">
+        <pc:chgData name="noh taehyun" userId="26ea3cd8016ad7de" providerId="LiveId" clId="{EDFDAAC6-7FFE-4599-A206-F831CD19048E}" dt="2021-07-29T17:54:57.788" v="2957" actId="207"/>
+        <pc:sldMkLst>
+          <pc:docMk/>
+          <pc:sldMk cId="982193171" sldId="260"/>
+        </pc:sldMkLst>
+        <pc:spChg chg="mod">
+          <ac:chgData name="noh taehyun" userId="26ea3cd8016ad7de" providerId="LiveId" clId="{EDFDAAC6-7FFE-4599-A206-F831CD19048E}" dt="2021-07-29T17:54:39.999" v="2952" actId="20577"/>
+          <ac:spMkLst>
+            <pc:docMk/>
+            <pc:sldMk cId="982193171" sldId="260"/>
+            <ac:spMk id="14" creationId="{085D0EC4-2E3C-40D4-B8A1-334E696EA683}"/>
+          </ac:spMkLst>
+        </pc:spChg>
+        <pc:spChg chg="del">
+          <ac:chgData name="noh taehyun" userId="26ea3cd8016ad7de" providerId="LiveId" clId="{EDFDAAC6-7FFE-4599-A206-F831CD19048E}" dt="2021-07-29T17:52:00.715" v="2919" actId="478"/>
+          <ac:spMkLst>
+            <pc:docMk/>
+            <pc:sldMk cId="982193171" sldId="260"/>
+            <ac:spMk id="16" creationId="{60B8901E-2A4A-4FE1-B573-0C4FE96BF153}"/>
+          </ac:spMkLst>
+        </pc:spChg>
+        <pc:spChg chg="del">
+          <ac:chgData name="noh taehyun" userId="26ea3cd8016ad7de" providerId="LiveId" clId="{EDFDAAC6-7FFE-4599-A206-F831CD19048E}" dt="2021-07-29T17:52:00.715" v="2919" actId="478"/>
+          <ac:spMkLst>
+            <pc:docMk/>
+            <pc:sldMk cId="982193171" sldId="260"/>
+            <ac:spMk id="17" creationId="{8C5A5991-C09F-4506-B05E-18CA88A5034F}"/>
+          </ac:spMkLst>
+        </pc:spChg>
+        <pc:spChg chg="del">
+          <ac:chgData name="noh taehyun" userId="26ea3cd8016ad7de" providerId="LiveId" clId="{EDFDAAC6-7FFE-4599-A206-F831CD19048E}" dt="2021-07-29T17:52:00.715" v="2919" actId="478"/>
+          <ac:spMkLst>
+            <pc:docMk/>
+            <pc:sldMk cId="982193171" sldId="260"/>
+            <ac:spMk id="18" creationId="{204AEFFD-9B57-4BD2-9654-AD09BC2BF3A3}"/>
+          </ac:spMkLst>
+        </pc:spChg>
+        <pc:graphicFrameChg chg="modGraphic">
+          <ac:chgData name="noh taehyun" userId="26ea3cd8016ad7de" providerId="LiveId" clId="{EDFDAAC6-7FFE-4599-A206-F831CD19048E}" dt="2021-07-29T17:54:57.788" v="2957" actId="207"/>
+          <ac:graphicFrameMkLst>
+            <pc:docMk/>
+            <pc:sldMk cId="982193171" sldId="260"/>
+            <ac:graphicFrameMk id="6" creationId="{25178FBE-B363-44F8-818D-CA09E361AC6A}"/>
+          </ac:graphicFrameMkLst>
+        </pc:graphicFrameChg>
+        <pc:graphicFrameChg chg="del">
+          <ac:chgData name="noh taehyun" userId="26ea3cd8016ad7de" providerId="LiveId" clId="{EDFDAAC6-7FFE-4599-A206-F831CD19048E}" dt="2021-07-29T17:52:00.715" v="2919" actId="478"/>
+          <ac:graphicFrameMkLst>
+            <pc:docMk/>
+            <pc:sldMk cId="982193171" sldId="260"/>
+            <ac:graphicFrameMk id="15" creationId="{44831AB8-9705-4702-B335-A0B65897355A}"/>
+          </ac:graphicFrameMkLst>
+        </pc:graphicFrameChg>
+      </pc:sldChg>
+      <pc:sldChg chg="delSp add mod">
+        <pc:chgData name="noh taehyun" userId="26ea3cd8016ad7de" providerId="LiveId" clId="{EDFDAAC6-7FFE-4599-A206-F831CD19048E}" dt="2021-07-29T17:19:52.358" v="612" actId="478"/>
+        <pc:sldMkLst>
+          <pc:docMk/>
+          <pc:sldMk cId="103961986" sldId="261"/>
+        </pc:sldMkLst>
+        <pc:spChg chg="del">
+          <ac:chgData name="noh taehyun" userId="26ea3cd8016ad7de" providerId="LiveId" clId="{EDFDAAC6-7FFE-4599-A206-F831CD19048E}" dt="2021-07-29T17:19:52.358" v="612" actId="478"/>
+          <ac:spMkLst>
+            <pc:docMk/>
+            <pc:sldMk cId="103961986" sldId="261"/>
+            <ac:spMk id="16" creationId="{60B8901E-2A4A-4FE1-B573-0C4FE96BF153}"/>
+          </ac:spMkLst>
+        </pc:spChg>
+        <pc:spChg chg="del">
+          <ac:chgData name="noh taehyun" userId="26ea3cd8016ad7de" providerId="LiveId" clId="{EDFDAAC6-7FFE-4599-A206-F831CD19048E}" dt="2021-07-29T17:19:52.358" v="612" actId="478"/>
+          <ac:spMkLst>
+            <pc:docMk/>
+            <pc:sldMk cId="103961986" sldId="261"/>
+            <ac:spMk id="17" creationId="{8C5A5991-C09F-4506-B05E-18CA88A5034F}"/>
+          </ac:spMkLst>
+        </pc:spChg>
+        <pc:spChg chg="del">
+          <ac:chgData name="noh taehyun" userId="26ea3cd8016ad7de" providerId="LiveId" clId="{EDFDAAC6-7FFE-4599-A206-F831CD19048E}" dt="2021-07-29T17:19:52.358" v="612" actId="478"/>
+          <ac:spMkLst>
+            <pc:docMk/>
+            <pc:sldMk cId="103961986" sldId="261"/>
+            <ac:spMk id="18" creationId="{204AEFFD-9B57-4BD2-9654-AD09BC2BF3A3}"/>
+          </ac:spMkLst>
+        </pc:spChg>
+        <pc:graphicFrameChg chg="del">
+          <ac:chgData name="noh taehyun" userId="26ea3cd8016ad7de" providerId="LiveId" clId="{EDFDAAC6-7FFE-4599-A206-F831CD19048E}" dt="2021-07-29T17:19:52.358" v="612" actId="478"/>
+          <ac:graphicFrameMkLst>
+            <pc:docMk/>
+            <pc:sldMk cId="103961986" sldId="261"/>
+            <ac:graphicFrameMk id="15" creationId="{44831AB8-9705-4702-B335-A0B65897355A}"/>
+          </ac:graphicFrameMkLst>
+        </pc:graphicFrameChg>
+      </pc:sldChg>
+      <pc:sldChg chg="modSp add mod">
+        <pc:chgData name="noh taehyun" userId="26ea3cd8016ad7de" providerId="LiveId" clId="{EDFDAAC6-7FFE-4599-A206-F831CD19048E}" dt="2021-07-29T17:22:07.615" v="631" actId="113"/>
+        <pc:sldMkLst>
+          <pc:docMk/>
+          <pc:sldMk cId="2796644516" sldId="262"/>
+        </pc:sldMkLst>
+        <pc:spChg chg="mod">
+          <ac:chgData name="noh taehyun" userId="26ea3cd8016ad7de" providerId="LiveId" clId="{EDFDAAC6-7FFE-4599-A206-F831CD19048E}" dt="2021-07-29T17:21:54.187" v="625" actId="20577"/>
+          <ac:spMkLst>
+            <pc:docMk/>
+            <pc:sldMk cId="2796644516" sldId="262"/>
+            <ac:spMk id="14" creationId="{085D0EC4-2E3C-40D4-B8A1-334E696EA683}"/>
+          </ac:spMkLst>
+        </pc:spChg>
+        <pc:graphicFrameChg chg="modGraphic">
+          <ac:chgData name="noh taehyun" userId="26ea3cd8016ad7de" providerId="LiveId" clId="{EDFDAAC6-7FFE-4599-A206-F831CD19048E}" dt="2021-07-29T17:22:07.615" v="631" actId="113"/>
+          <ac:graphicFrameMkLst>
+            <pc:docMk/>
+            <pc:sldMk cId="2796644516" sldId="262"/>
+            <ac:graphicFrameMk id="6" creationId="{25178FBE-B363-44F8-818D-CA09E361AC6A}"/>
+          </ac:graphicFrameMkLst>
+        </pc:graphicFrameChg>
+      </pc:sldChg>
+      <pc:sldChg chg="addSp modSp add mod">
+        <pc:chgData name="noh taehyun" userId="26ea3cd8016ad7de" providerId="LiveId" clId="{EDFDAAC6-7FFE-4599-A206-F831CD19048E}" dt="2021-07-29T17:31:05.205" v="1837" actId="207"/>
+        <pc:sldMkLst>
+          <pc:docMk/>
+          <pc:sldMk cId="3000999043" sldId="263"/>
+        </pc:sldMkLst>
+        <pc:spChg chg="add mod">
+          <ac:chgData name="noh taehyun" userId="26ea3cd8016ad7de" providerId="LiveId" clId="{EDFDAAC6-7FFE-4599-A206-F831CD19048E}" dt="2021-07-29T17:26:07.360" v="846" actId="1036"/>
+          <ac:spMkLst>
+            <pc:docMk/>
+            <pc:sldMk cId="3000999043" sldId="263"/>
+            <ac:spMk id="2" creationId="{7C9322C1-7B52-496D-9816-64EA96642599}"/>
+          </ac:spMkLst>
+        </pc:spChg>
+        <pc:spChg chg="add mod">
+          <ac:chgData name="noh taehyun" userId="26ea3cd8016ad7de" providerId="LiveId" clId="{EDFDAAC6-7FFE-4599-A206-F831CD19048E}" dt="2021-07-29T17:26:19.232" v="848" actId="14100"/>
+          <ac:spMkLst>
+            <pc:docMk/>
+            <pc:sldMk cId="3000999043" sldId="263"/>
+            <ac:spMk id="5" creationId="{39756109-61C1-4EB8-B97B-7531C68F4F69}"/>
+          </ac:spMkLst>
+        </pc:spChg>
+        <pc:spChg chg="add mod">
+          <ac:chgData name="noh taehyun" userId="26ea3cd8016ad7de" providerId="LiveId" clId="{EDFDAAC6-7FFE-4599-A206-F831CD19048E}" dt="2021-07-29T17:29:09.343" v="1323" actId="1035"/>
+          <ac:spMkLst>
+            <pc:docMk/>
+            <pc:sldMk cId="3000999043" sldId="263"/>
+            <ac:spMk id="7" creationId="{36AC980D-39B5-44C2-A6C3-6EEC8B52DF1F}"/>
+          </ac:spMkLst>
+        </pc:spChg>
+        <pc:spChg chg="add mod">
+          <ac:chgData name="noh taehyun" userId="26ea3cd8016ad7de" providerId="LiveId" clId="{EDFDAAC6-7FFE-4599-A206-F831CD19048E}" dt="2021-07-29T17:29:09.343" v="1323" actId="1035"/>
+          <ac:spMkLst>
+            <pc:docMk/>
+            <pc:sldMk cId="3000999043" sldId="263"/>
+            <ac:spMk id="8" creationId="{A22568B6-A441-43AE-8693-69627E113F95}"/>
+          </ac:spMkLst>
+        </pc:spChg>
+        <pc:spChg chg="add mod">
+          <ac:chgData name="noh taehyun" userId="26ea3cd8016ad7de" providerId="LiveId" clId="{EDFDAAC6-7FFE-4599-A206-F831CD19048E}" dt="2021-07-29T17:30:14.123" v="1829" actId="1037"/>
+          <ac:spMkLst>
+            <pc:docMk/>
+            <pc:sldMk cId="3000999043" sldId="263"/>
+            <ac:spMk id="10" creationId="{0F606E01-AF20-4E65-AA78-8F5ECC2EA8F5}"/>
+          </ac:spMkLst>
+        </pc:spChg>
+        <pc:spChg chg="add mod">
+          <ac:chgData name="noh taehyun" userId="26ea3cd8016ad7de" providerId="LiveId" clId="{EDFDAAC6-7FFE-4599-A206-F831CD19048E}" dt="2021-07-29T17:30:25.393" v="1831" actId="14100"/>
+          <ac:spMkLst>
+            <pc:docMk/>
+            <pc:sldMk cId="3000999043" sldId="263"/>
+            <ac:spMk id="11" creationId="{59D23375-EF1D-43D6-9CC7-D903F1698073}"/>
+          </ac:spMkLst>
+        </pc:spChg>
+        <pc:spChg chg="mod">
+          <ac:chgData name="noh taehyun" userId="26ea3cd8016ad7de" providerId="LiveId" clId="{EDFDAAC6-7FFE-4599-A206-F831CD19048E}" dt="2021-07-29T17:24:48.390" v="645" actId="20577"/>
+          <ac:spMkLst>
+            <pc:docMk/>
+            <pc:sldMk cId="3000999043" sldId="263"/>
+            <ac:spMk id="14" creationId="{085D0EC4-2E3C-40D4-B8A1-334E696EA683}"/>
+          </ac:spMkLst>
+        </pc:spChg>
+        <pc:graphicFrameChg chg="mod modGraphic">
+          <ac:chgData name="noh taehyun" userId="26ea3cd8016ad7de" providerId="LiveId" clId="{EDFDAAC6-7FFE-4599-A206-F831CD19048E}" dt="2021-07-29T17:26:07.360" v="846" actId="1036"/>
+          <ac:graphicFrameMkLst>
+            <pc:docMk/>
+            <pc:sldMk cId="3000999043" sldId="263"/>
+            <ac:graphicFrameMk id="6" creationId="{25178FBE-B363-44F8-818D-CA09E361AC6A}"/>
+          </ac:graphicFrameMkLst>
+        </pc:graphicFrameChg>
+        <pc:graphicFrameChg chg="add mod modGraphic">
+          <ac:chgData name="noh taehyun" userId="26ea3cd8016ad7de" providerId="LiveId" clId="{EDFDAAC6-7FFE-4599-A206-F831CD19048E}" dt="2021-07-29T17:31:05.205" v="1837" actId="207"/>
+          <ac:graphicFrameMkLst>
+            <pc:docMk/>
+            <pc:sldMk cId="3000999043" sldId="263"/>
+            <ac:graphicFrameMk id="9" creationId="{DFF9AE96-1BE6-4F93-ACAF-F46180AE3BE0}"/>
+          </ac:graphicFrameMkLst>
+        </pc:graphicFrameChg>
+      </pc:sldChg>
+      <pc:sldChg chg="delSp modSp add mod">
+        <pc:chgData name="noh taehyun" userId="26ea3cd8016ad7de" providerId="LiveId" clId="{EDFDAAC6-7FFE-4599-A206-F831CD19048E}" dt="2021-07-29T17:33:08.148" v="2254" actId="20577"/>
+        <pc:sldMkLst>
+          <pc:docMk/>
+          <pc:sldMk cId="2073445343" sldId="264"/>
+        </pc:sldMkLst>
+        <pc:spChg chg="del">
+          <ac:chgData name="noh taehyun" userId="26ea3cd8016ad7de" providerId="LiveId" clId="{EDFDAAC6-7FFE-4599-A206-F831CD19048E}" dt="2021-07-29T17:30:51.349" v="1833" actId="478"/>
+          <ac:spMkLst>
+            <pc:docMk/>
+            <pc:sldMk cId="2073445343" sldId="264"/>
+            <ac:spMk id="2" creationId="{7C9322C1-7B52-496D-9816-64EA96642599}"/>
+          </ac:spMkLst>
+        </pc:spChg>
+        <pc:spChg chg="del">
+          <ac:chgData name="noh taehyun" userId="26ea3cd8016ad7de" providerId="LiveId" clId="{EDFDAAC6-7FFE-4599-A206-F831CD19048E}" dt="2021-07-29T17:30:51.349" v="1833" actId="478"/>
+          <ac:spMkLst>
+            <pc:docMk/>
+            <pc:sldMk cId="2073445343" sldId="264"/>
+            <ac:spMk id="5" creationId="{39756109-61C1-4EB8-B97B-7531C68F4F69}"/>
+          </ac:spMkLst>
+        </pc:spChg>
+        <pc:spChg chg="del">
+          <ac:chgData name="noh taehyun" userId="26ea3cd8016ad7de" providerId="LiveId" clId="{EDFDAAC6-7FFE-4599-A206-F831CD19048E}" dt="2021-07-29T17:30:51.349" v="1833" actId="478"/>
+          <ac:spMkLst>
+            <pc:docMk/>
+            <pc:sldMk cId="2073445343" sldId="264"/>
+            <ac:spMk id="7" creationId="{36AC980D-39B5-44C2-A6C3-6EEC8B52DF1F}"/>
+          </ac:spMkLst>
+        </pc:spChg>
+        <pc:spChg chg="del">
+          <ac:chgData name="noh taehyun" userId="26ea3cd8016ad7de" providerId="LiveId" clId="{EDFDAAC6-7FFE-4599-A206-F831CD19048E}" dt="2021-07-29T17:30:51.349" v="1833" actId="478"/>
+          <ac:spMkLst>
+            <pc:docMk/>
+            <pc:sldMk cId="2073445343" sldId="264"/>
+            <ac:spMk id="8" creationId="{A22568B6-A441-43AE-8693-69627E113F95}"/>
+          </ac:spMkLst>
+        </pc:spChg>
+        <pc:spChg chg="del">
+          <ac:chgData name="noh taehyun" userId="26ea3cd8016ad7de" providerId="LiveId" clId="{EDFDAAC6-7FFE-4599-A206-F831CD19048E}" dt="2021-07-29T17:31:28.045" v="1842" actId="478"/>
+          <ac:spMkLst>
+            <pc:docMk/>
+            <pc:sldMk cId="2073445343" sldId="264"/>
+            <ac:spMk id="10" creationId="{0F606E01-AF20-4E65-AA78-8F5ECC2EA8F5}"/>
+          </ac:spMkLst>
+        </pc:spChg>
+        <pc:spChg chg="del">
+          <ac:chgData name="noh taehyun" userId="26ea3cd8016ad7de" providerId="LiveId" clId="{EDFDAAC6-7FFE-4599-A206-F831CD19048E}" dt="2021-07-29T17:31:28.045" v="1842" actId="478"/>
+          <ac:spMkLst>
+            <pc:docMk/>
+            <pc:sldMk cId="2073445343" sldId="264"/>
+            <ac:spMk id="11" creationId="{59D23375-EF1D-43D6-9CC7-D903F1698073}"/>
+          </ac:spMkLst>
+        </pc:spChg>
+        <pc:spChg chg="mod">
+          <ac:chgData name="noh taehyun" userId="26ea3cd8016ad7de" providerId="LiveId" clId="{EDFDAAC6-7FFE-4599-A206-F831CD19048E}" dt="2021-07-29T17:32:53.376" v="2239" actId="14100"/>
+          <ac:spMkLst>
+            <pc:docMk/>
+            <pc:sldMk cId="2073445343" sldId="264"/>
+            <ac:spMk id="14" creationId="{085D0EC4-2E3C-40D4-B8A1-334E696EA683}"/>
+          </ac:spMkLst>
+        </pc:spChg>
+        <pc:graphicFrameChg chg="del">
+          <ac:chgData name="noh taehyun" userId="26ea3cd8016ad7de" providerId="LiveId" clId="{EDFDAAC6-7FFE-4599-A206-F831CD19048E}" dt="2021-07-29T17:30:51.349" v="1833" actId="478"/>
+          <ac:graphicFrameMkLst>
+            <pc:docMk/>
+            <pc:sldMk cId="2073445343" sldId="264"/>
+            <ac:graphicFrameMk id="6" creationId="{25178FBE-B363-44F8-818D-CA09E361AC6A}"/>
+          </ac:graphicFrameMkLst>
+        </pc:graphicFrameChg>
+        <pc:graphicFrameChg chg="mod modGraphic">
+          <ac:chgData name="noh taehyun" userId="26ea3cd8016ad7de" providerId="LiveId" clId="{EDFDAAC6-7FFE-4599-A206-F831CD19048E}" dt="2021-07-29T17:33:08.148" v="2254" actId="20577"/>
+          <ac:graphicFrameMkLst>
+            <pc:docMk/>
+            <pc:sldMk cId="2073445343" sldId="264"/>
+            <ac:graphicFrameMk id="9" creationId="{DFF9AE96-1BE6-4F93-ACAF-F46180AE3BE0}"/>
+          </ac:graphicFrameMkLst>
+        </pc:graphicFrameChg>
+      </pc:sldChg>
+      <pc:sldChg chg="addSp modSp add mod">
+        <pc:chgData name="noh taehyun" userId="26ea3cd8016ad7de" providerId="LiveId" clId="{EDFDAAC6-7FFE-4599-A206-F831CD19048E}" dt="2021-07-29T17:41:03.679" v="2918" actId="207"/>
+        <pc:sldMkLst>
+          <pc:docMk/>
+          <pc:sldMk cId="2941408081" sldId="265"/>
+        </pc:sldMkLst>
+        <pc:spChg chg="add mod">
+          <ac:chgData name="noh taehyun" userId="26ea3cd8016ad7de" providerId="LiveId" clId="{EDFDAAC6-7FFE-4599-A206-F831CD19048E}" dt="2021-07-29T17:38:13.516" v="2435" actId="20577"/>
+          <ac:spMkLst>
+            <pc:docMk/>
+            <pc:sldMk cId="2941408081" sldId="265"/>
+            <ac:spMk id="4" creationId="{6B369A69-89FC-4BFB-84B5-9EF18287CC08}"/>
+          </ac:spMkLst>
+        </pc:spChg>
+        <pc:spChg chg="add mod">
+          <ac:chgData name="noh taehyun" userId="26ea3cd8016ad7de" providerId="LiveId" clId="{EDFDAAC6-7FFE-4599-A206-F831CD19048E}" dt="2021-07-29T17:40:24.025" v="2843" actId="1035"/>
+          <ac:spMkLst>
+            <pc:docMk/>
+            <pc:sldMk cId="2941408081" sldId="265"/>
+            <ac:spMk id="5" creationId="{59FE6AB7-F736-43C9-AA57-4B2586109404}"/>
+          </ac:spMkLst>
+        </pc:spChg>
+        <pc:spChg chg="add mod">
+          <ac:chgData name="noh taehyun" userId="26ea3cd8016ad7de" providerId="LiveId" clId="{EDFDAAC6-7FFE-4599-A206-F831CD19048E}" dt="2021-07-29T17:40:38.808" v="2855" actId="1035"/>
+          <ac:spMkLst>
+            <pc:docMk/>
+            <pc:sldMk cId="2941408081" sldId="265"/>
+            <ac:spMk id="7" creationId="{50D017C5-8E5F-41B6-98DC-DAE002695AEB}"/>
+          </ac:spMkLst>
+        </pc:spChg>
+        <pc:spChg chg="mod">
+          <ac:chgData name="noh taehyun" userId="26ea3cd8016ad7de" providerId="LiveId" clId="{EDFDAAC6-7FFE-4599-A206-F831CD19048E}" dt="2021-07-29T17:37:32.414" v="2320" actId="20577"/>
+          <ac:spMkLst>
+            <pc:docMk/>
+            <pc:sldMk cId="2941408081" sldId="265"/>
+            <ac:spMk id="14" creationId="{085D0EC4-2E3C-40D4-B8A1-334E696EA683}"/>
+          </ac:spMkLst>
+        </pc:spChg>
+        <pc:graphicFrameChg chg="add mod modGraphic">
+          <ac:chgData name="noh taehyun" userId="26ea3cd8016ad7de" providerId="LiveId" clId="{EDFDAAC6-7FFE-4599-A206-F831CD19048E}" dt="2021-07-29T17:40:34.978" v="2851" actId="1035"/>
+          <ac:graphicFrameMkLst>
+            <pc:docMk/>
+            <pc:sldMk cId="2941408081" sldId="265"/>
+            <ac:graphicFrameMk id="6" creationId="{F9EDF1CF-EFB6-495E-BFCD-A4E7CA4A4BB7}"/>
+          </ac:graphicFrameMkLst>
+        </pc:graphicFrameChg>
+        <pc:graphicFrameChg chg="add mod modGraphic">
+          <ac:chgData name="noh taehyun" userId="26ea3cd8016ad7de" providerId="LiveId" clId="{EDFDAAC6-7FFE-4599-A206-F831CD19048E}" dt="2021-07-29T17:41:03.679" v="2918" actId="207"/>
+          <ac:graphicFrameMkLst>
+            <pc:docMk/>
+            <pc:sldMk cId="2941408081" sldId="265"/>
+            <ac:graphicFrameMk id="8" creationId="{2C90A15C-97C8-4971-BED4-1893353B04BF}"/>
+          </ac:graphicFrameMkLst>
+        </pc:graphicFrameChg>
+        <pc:graphicFrameChg chg="modGraphic">
+          <ac:chgData name="noh taehyun" userId="26ea3cd8016ad7de" providerId="LiveId" clId="{EDFDAAC6-7FFE-4599-A206-F831CD19048E}" dt="2021-07-29T17:38:20.586" v="2437" actId="113"/>
+          <ac:graphicFrameMkLst>
+            <pc:docMk/>
+            <pc:sldMk cId="2941408081" sldId="265"/>
+            <ac:graphicFrameMk id="9" creationId="{DFF9AE96-1BE6-4F93-ACAF-F46180AE3BE0}"/>
+          </ac:graphicFrameMkLst>
+        </pc:graphicFrameChg>
+      </pc:sldChg>
+    </pc:docChg>
+  </pc:docChgLst>
+</pc:chgInfo>
+</file>
+
 <file path=ppt/slideLayouts/slideLayout1.xml><?xml version="1.0" encoding="utf-8"?>
 <p:sldLayout xmlns:a="http://schemas.openxmlformats.org/drawingml/2006/main" xmlns:r="http://schemas.openxmlformats.org/officeDocument/2006/relationships" xmlns:p="http://schemas.openxmlformats.org/presentationml/2006/main" type="title" preserve="1">
   <p:cSld name="제목 슬라이드">
@@ -261,7 +754,7 @@
           <a:p>
             <a:fld id="{16706E4F-4DCE-433C-BE47-3B753ED43087}" type="datetimeFigureOut">
               <a:rPr lang="ko-KR" altLang="en-US" smtClean="0"/>
-              <a:t>2021-07-26</a:t>
+              <a:t>2021-07-30</a:t>
             </a:fld>
             <a:endParaRPr lang="ko-KR" altLang="en-US"/>
           </a:p>
@@ -459,7 +952,7 @@
           <a:p>
             <a:fld id="{16706E4F-4DCE-433C-BE47-3B753ED43087}" type="datetimeFigureOut">
               <a:rPr lang="ko-KR" altLang="en-US" smtClean="0"/>
-              <a:t>2021-07-26</a:t>
+              <a:t>2021-07-30</a:t>
             </a:fld>
             <a:endParaRPr lang="ko-KR" altLang="en-US"/>
           </a:p>
@@ -667,7 +1160,7 @@
           <a:p>
             <a:fld id="{16706E4F-4DCE-433C-BE47-3B753ED43087}" type="datetimeFigureOut">
               <a:rPr lang="ko-KR" altLang="en-US" smtClean="0"/>
-              <a:t>2021-07-26</a:t>
+              <a:t>2021-07-30</a:t>
             </a:fld>
             <a:endParaRPr lang="ko-KR" altLang="en-US"/>
           </a:p>
@@ -865,7 +1358,7 @@
           <a:p>
             <a:fld id="{16706E4F-4DCE-433C-BE47-3B753ED43087}" type="datetimeFigureOut">
               <a:rPr lang="ko-KR" altLang="en-US" smtClean="0"/>
-              <a:t>2021-07-26</a:t>
+              <a:t>2021-07-30</a:t>
             </a:fld>
             <a:endParaRPr lang="ko-KR" altLang="en-US"/>
           </a:p>
@@ -1140,7 +1633,7 @@
           <a:p>
             <a:fld id="{16706E4F-4DCE-433C-BE47-3B753ED43087}" type="datetimeFigureOut">
               <a:rPr lang="ko-KR" altLang="en-US" smtClean="0"/>
-              <a:t>2021-07-26</a:t>
+              <a:t>2021-07-30</a:t>
             </a:fld>
             <a:endParaRPr lang="ko-KR" altLang="en-US"/>
           </a:p>
@@ -1405,7 +1898,7 @@
           <a:p>
             <a:fld id="{16706E4F-4DCE-433C-BE47-3B753ED43087}" type="datetimeFigureOut">
               <a:rPr lang="ko-KR" altLang="en-US" smtClean="0"/>
-              <a:t>2021-07-26</a:t>
+              <a:t>2021-07-30</a:t>
             </a:fld>
             <a:endParaRPr lang="ko-KR" altLang="en-US"/>
           </a:p>
@@ -1817,7 +2310,7 @@
           <a:p>
             <a:fld id="{16706E4F-4DCE-433C-BE47-3B753ED43087}" type="datetimeFigureOut">
               <a:rPr lang="ko-KR" altLang="en-US" smtClean="0"/>
-              <a:t>2021-07-26</a:t>
+              <a:t>2021-07-30</a:t>
             </a:fld>
             <a:endParaRPr lang="ko-KR" altLang="en-US"/>
           </a:p>
@@ -1958,7 +2451,7 @@
           <a:p>
             <a:fld id="{16706E4F-4DCE-433C-BE47-3B753ED43087}" type="datetimeFigureOut">
               <a:rPr lang="ko-KR" altLang="en-US" smtClean="0"/>
-              <a:t>2021-07-26</a:t>
+              <a:t>2021-07-30</a:t>
             </a:fld>
             <a:endParaRPr lang="ko-KR" altLang="en-US"/>
           </a:p>
@@ -2071,7 +2564,7 @@
           <a:p>
             <a:fld id="{16706E4F-4DCE-433C-BE47-3B753ED43087}" type="datetimeFigureOut">
               <a:rPr lang="ko-KR" altLang="en-US" smtClean="0"/>
-              <a:t>2021-07-26</a:t>
+              <a:t>2021-07-30</a:t>
             </a:fld>
             <a:endParaRPr lang="ko-KR" altLang="en-US"/>
           </a:p>
@@ -2382,7 +2875,7 @@
           <a:p>
             <a:fld id="{16706E4F-4DCE-433C-BE47-3B753ED43087}" type="datetimeFigureOut">
               <a:rPr lang="ko-KR" altLang="en-US" smtClean="0"/>
-              <a:t>2021-07-26</a:t>
+              <a:t>2021-07-30</a:t>
             </a:fld>
             <a:endParaRPr lang="ko-KR" altLang="en-US"/>
           </a:p>
@@ -2670,7 +3163,7 @@
           <a:p>
             <a:fld id="{16706E4F-4DCE-433C-BE47-3B753ED43087}" type="datetimeFigureOut">
               <a:rPr lang="ko-KR" altLang="en-US" smtClean="0"/>
-              <a:t>2021-07-26</a:t>
+              <a:t>2021-07-30</a:t>
             </a:fld>
             <a:endParaRPr lang="ko-KR" altLang="en-US"/>
           </a:p>
@@ -2911,7 +3404,7 @@
           <a:p>
             <a:fld id="{16706E4F-4DCE-433C-BE47-3B753ED43087}" type="datetimeFigureOut">
               <a:rPr lang="ko-KR" altLang="en-US" smtClean="0"/>
-              <a:t>2021-07-26</a:t>
+              <a:t>2021-07-30</a:t>
             </a:fld>
             <a:endParaRPr lang="ko-KR" altLang="en-US"/>
           </a:p>
@@ -4129,6 +4622,2545 @@
 </p:sld>
 </file>
 
+<file path=ppt/slides/slide10.xml><?xml version="1.0" encoding="utf-8"?>
+<p:sld xmlns:a="http://schemas.openxmlformats.org/drawingml/2006/main" xmlns:r="http://schemas.openxmlformats.org/officeDocument/2006/relationships" xmlns:p="http://schemas.openxmlformats.org/presentationml/2006/main">
+  <p:cSld>
+    <p:bg>
+      <p:bgPr>
+        <a:solidFill>
+          <a:schemeClr val="tx2">
+            <a:lumMod val="50000"/>
+          </a:schemeClr>
+        </a:solidFill>
+        <a:effectLst/>
+      </p:bgPr>
+    </p:bg>
+    <p:spTree>
+      <p:nvGrpSpPr>
+        <p:cNvPr id="1" name=""/>
+        <p:cNvGrpSpPr/>
+        <p:nvPr/>
+      </p:nvGrpSpPr>
+      <p:grpSpPr>
+        <a:xfrm>
+          <a:off x="0" y="0"/>
+          <a:ext cx="0" cy="0"/>
+          <a:chOff x="0" y="0"/>
+          <a:chExt cx="0" cy="0"/>
+        </a:xfrm>
+      </p:grpSpPr>
+      <p:sp>
+        <p:nvSpPr>
+          <p:cNvPr id="14" name="TextBox 13">
+            <a:extLst>
+              <a:ext uri="{FF2B5EF4-FFF2-40B4-BE49-F238E27FC236}">
+                <a16:creationId xmlns:a16="http://schemas.microsoft.com/office/drawing/2014/main" id="{085D0EC4-2E3C-40D4-B8A1-334E696EA683}"/>
+              </a:ext>
+            </a:extLst>
+          </p:cNvPr>
+          <p:cNvSpPr txBox="1"/>
+          <p:nvPr/>
+        </p:nvSpPr>
+        <p:spPr>
+          <a:xfrm>
+            <a:off x="799330" y="517261"/>
+            <a:ext cx="9458362" cy="369332"/>
+          </a:xfrm>
+          <a:prstGeom prst="rect">
+            <a:avLst/>
+          </a:prstGeom>
+          <a:noFill/>
+        </p:spPr>
+        <p:txBody>
+          <a:bodyPr wrap="square" rtlCol="0">
+            <a:spAutoFit/>
+          </a:bodyPr>
+          <a:lstStyle/>
+          <a:p>
+            <a:r>
+              <a:rPr lang="ko-KR" altLang="en-US" dirty="0" err="1">
+                <a:solidFill>
+                  <a:schemeClr val="bg1">
+                    <a:lumMod val="95000"/>
+                  </a:schemeClr>
+                </a:solidFill>
+              </a:rPr>
+              <a:t>ㅇ</a:t>
+            </a:r>
+            <a:r>
+              <a:rPr lang="ko-KR" altLang="en-US" dirty="0">
+                <a:solidFill>
+                  <a:schemeClr val="bg1">
+                    <a:lumMod val="95000"/>
+                  </a:schemeClr>
+                </a:solidFill>
+              </a:rPr>
+              <a:t> 노드 </a:t>
+            </a:r>
+            <a:r>
+              <a:rPr lang="en-US" altLang="ko-KR" dirty="0">
+                <a:solidFill>
+                  <a:schemeClr val="bg1">
+                    <a:lumMod val="95000"/>
+                  </a:schemeClr>
+                </a:solidFill>
+              </a:rPr>
+              <a:t>1</a:t>
+            </a:r>
+            <a:r>
+              <a:rPr lang="ko-KR" altLang="en-US" dirty="0">
+                <a:solidFill>
+                  <a:schemeClr val="bg1">
+                    <a:lumMod val="95000"/>
+                  </a:schemeClr>
+                </a:solidFill>
+              </a:rPr>
+              <a:t>과 노드 </a:t>
+            </a:r>
+            <a:r>
+              <a:rPr lang="en-US" altLang="ko-KR" dirty="0">
+                <a:solidFill>
+                  <a:schemeClr val="bg1">
+                    <a:lumMod val="95000"/>
+                  </a:schemeClr>
+                </a:solidFill>
+              </a:rPr>
+              <a:t>7</a:t>
+            </a:r>
+            <a:r>
+              <a:rPr lang="ko-KR" altLang="en-US" dirty="0">
+                <a:solidFill>
+                  <a:schemeClr val="bg1">
+                    <a:lumMod val="95000"/>
+                  </a:schemeClr>
+                </a:solidFill>
+              </a:rPr>
+              <a:t>이 같은 집합인지 확인</a:t>
+            </a:r>
+            <a:r>
+              <a:rPr lang="en-US" altLang="ko-KR" dirty="0">
+                <a:solidFill>
+                  <a:schemeClr val="bg1">
+                    <a:lumMod val="95000"/>
+                  </a:schemeClr>
+                </a:solidFill>
+              </a:rPr>
+              <a:t>.</a:t>
+            </a:r>
+          </a:p>
+        </p:txBody>
+      </p:sp>
+      <p:graphicFrame>
+        <p:nvGraphicFramePr>
+          <p:cNvPr id="9" name="표 8">
+            <a:extLst>
+              <a:ext uri="{FF2B5EF4-FFF2-40B4-BE49-F238E27FC236}">
+                <a16:creationId xmlns:a16="http://schemas.microsoft.com/office/drawing/2014/main" id="{DFF9AE96-1BE6-4F93-ACAF-F46180AE3BE0}"/>
+              </a:ext>
+            </a:extLst>
+          </p:cNvPr>
+          <p:cNvGraphicFramePr>
+            <a:graphicFrameLocks noGrp="1"/>
+          </p:cNvGraphicFramePr>
+          <p:nvPr>
+            <p:extLst>
+              <p:ext uri="{D42A27DB-BD31-4B8C-83A1-F6EECF244321}">
+                <p14:modId xmlns:p14="http://schemas.microsoft.com/office/powerpoint/2010/main" val="590881946"/>
+              </p:ext>
+            </p:extLst>
+          </p:nvPr>
+        </p:nvGraphicFramePr>
+        <p:xfrm>
+          <a:off x="785450" y="1579348"/>
+          <a:ext cx="9982824" cy="646331"/>
+        </p:xfrm>
+        <a:graphic>
+          <a:graphicData uri="http://schemas.openxmlformats.org/drawingml/2006/table">
+            <a:tbl>
+              <a:tblPr/>
+              <a:tblGrid>
+                <a:gridCol w="1247853">
+                  <a:extLst>
+                    <a:ext uri="{9D8B030D-6E8A-4147-A177-3AD203B41FA5}">
+                      <a16:colId xmlns:a16="http://schemas.microsoft.com/office/drawing/2014/main" val="3221884234"/>
+                    </a:ext>
+                  </a:extLst>
+                </a:gridCol>
+                <a:gridCol w="1247853">
+                  <a:extLst>
+                    <a:ext uri="{9D8B030D-6E8A-4147-A177-3AD203B41FA5}">
+                      <a16:colId xmlns:a16="http://schemas.microsoft.com/office/drawing/2014/main" val="1378666724"/>
+                    </a:ext>
+                  </a:extLst>
+                </a:gridCol>
+                <a:gridCol w="1247853">
+                  <a:extLst>
+                    <a:ext uri="{9D8B030D-6E8A-4147-A177-3AD203B41FA5}">
+                      <a16:colId xmlns:a16="http://schemas.microsoft.com/office/drawing/2014/main" val="2981916489"/>
+                    </a:ext>
+                  </a:extLst>
+                </a:gridCol>
+                <a:gridCol w="1247853">
+                  <a:extLst>
+                    <a:ext uri="{9D8B030D-6E8A-4147-A177-3AD203B41FA5}">
+                      <a16:colId xmlns:a16="http://schemas.microsoft.com/office/drawing/2014/main" val="2446702814"/>
+                    </a:ext>
+                  </a:extLst>
+                </a:gridCol>
+                <a:gridCol w="1247853">
+                  <a:extLst>
+                    <a:ext uri="{9D8B030D-6E8A-4147-A177-3AD203B41FA5}">
+                      <a16:colId xmlns:a16="http://schemas.microsoft.com/office/drawing/2014/main" val="3232487043"/>
+                    </a:ext>
+                  </a:extLst>
+                </a:gridCol>
+                <a:gridCol w="1247853">
+                  <a:extLst>
+                    <a:ext uri="{9D8B030D-6E8A-4147-A177-3AD203B41FA5}">
+                      <a16:colId xmlns:a16="http://schemas.microsoft.com/office/drawing/2014/main" val="3564761673"/>
+                    </a:ext>
+                  </a:extLst>
+                </a:gridCol>
+                <a:gridCol w="1247853">
+                  <a:extLst>
+                    <a:ext uri="{9D8B030D-6E8A-4147-A177-3AD203B41FA5}">
+                      <a16:colId xmlns:a16="http://schemas.microsoft.com/office/drawing/2014/main" val="751366682"/>
+                    </a:ext>
+                  </a:extLst>
+                </a:gridCol>
+                <a:gridCol w="1247853">
+                  <a:extLst>
+                    <a:ext uri="{9D8B030D-6E8A-4147-A177-3AD203B41FA5}">
+                      <a16:colId xmlns:a16="http://schemas.microsoft.com/office/drawing/2014/main" val="72017382"/>
+                    </a:ext>
+                  </a:extLst>
+                </a:gridCol>
+              </a:tblGrid>
+              <a:tr h="646331">
+                <a:tc>
+                  <a:txBody>
+                    <a:bodyPr/>
+                    <a:lstStyle/>
+                    <a:p>
+                      <a:pPr algn="ctr" latinLnBrk="1"/>
+                      <a:r>
+                        <a:rPr lang="en-US" altLang="ko-KR" sz="2400" dirty="0">
+                          <a:solidFill>
+                            <a:schemeClr val="bg1">
+                              <a:lumMod val="85000"/>
+                            </a:schemeClr>
+                          </a:solidFill>
+                        </a:rPr>
+                        <a:t>0</a:t>
+                      </a:r>
+                      <a:endParaRPr lang="ko-KR" altLang="en-US" sz="2400" dirty="0">
+                        <a:solidFill>
+                          <a:schemeClr val="bg1">
+                            <a:lumMod val="85000"/>
+                          </a:schemeClr>
+                        </a:solidFill>
+                      </a:endParaRPr>
+                    </a:p>
+                  </a:txBody>
+                  <a:tcPr anchor="ctr">
+                    <a:lnL w="12700" cmpd="sng">
+                      <a:solidFill>
+                        <a:schemeClr val="bg1"/>
+                      </a:solidFill>
+                      <a:prstDash val="solid"/>
+                    </a:lnL>
+                    <a:lnR w="12700" cap="flat" cmpd="sng" algn="ctr">
+                      <a:solidFill>
+                        <a:schemeClr val="bg1"/>
+                      </a:solidFill>
+                      <a:prstDash val="solid"/>
+                      <a:round/>
+                      <a:headEnd type="none" w="med" len="med"/>
+                      <a:tailEnd type="none" w="med" len="med"/>
+                    </a:lnR>
+                    <a:lnT w="12700" cmpd="sng">
+                      <a:solidFill>
+                        <a:schemeClr val="bg1"/>
+                      </a:solidFill>
+                      <a:prstDash val="solid"/>
+                    </a:lnT>
+                    <a:lnB w="12700" cmpd="sng">
+                      <a:solidFill>
+                        <a:schemeClr val="bg1"/>
+                      </a:solidFill>
+                      <a:prstDash val="solid"/>
+                    </a:lnB>
+                  </a:tcPr>
+                </a:tc>
+                <a:tc>
+                  <a:txBody>
+                    <a:bodyPr/>
+                    <a:lstStyle/>
+                    <a:p>
+                      <a:pPr algn="ctr" latinLnBrk="1"/>
+                      <a:r>
+                        <a:rPr lang="en-US" altLang="ko-KR" sz="2400" b="1" dirty="0">
+                          <a:solidFill>
+                            <a:srgbClr val="FF0000"/>
+                          </a:solidFill>
+                        </a:rPr>
+                        <a:t>1</a:t>
+                      </a:r>
+                      <a:endParaRPr lang="ko-KR" altLang="en-US" sz="2400" b="1" dirty="0">
+                        <a:solidFill>
+                          <a:srgbClr val="FF0000"/>
+                        </a:solidFill>
+                      </a:endParaRPr>
+                    </a:p>
+                  </a:txBody>
+                  <a:tcPr anchor="ctr">
+                    <a:lnL w="12700" cap="flat" cmpd="sng" algn="ctr">
+                      <a:solidFill>
+                        <a:schemeClr val="bg1"/>
+                      </a:solidFill>
+                      <a:prstDash val="solid"/>
+                      <a:round/>
+                      <a:headEnd type="none" w="med" len="med"/>
+                      <a:tailEnd type="none" w="med" len="med"/>
+                    </a:lnL>
+                    <a:lnR w="12700" cap="flat" cmpd="sng" algn="ctr">
+                      <a:solidFill>
+                        <a:schemeClr val="bg1"/>
+                      </a:solidFill>
+                      <a:prstDash val="solid"/>
+                      <a:round/>
+                      <a:headEnd type="none" w="med" len="med"/>
+                      <a:tailEnd type="none" w="med" len="med"/>
+                    </a:lnR>
+                    <a:lnT w="12700" cap="flat" cmpd="sng" algn="ctr">
+                      <a:solidFill>
+                        <a:schemeClr val="bg1"/>
+                      </a:solidFill>
+                      <a:prstDash val="solid"/>
+                      <a:round/>
+                      <a:headEnd type="none" w="med" len="med"/>
+                      <a:tailEnd type="none" w="med" len="med"/>
+                    </a:lnT>
+                    <a:lnB w="12700" cap="flat" cmpd="sng" algn="ctr">
+                      <a:solidFill>
+                        <a:schemeClr val="bg1"/>
+                      </a:solidFill>
+                      <a:prstDash val="solid"/>
+                      <a:round/>
+                      <a:headEnd type="none" w="med" len="med"/>
+                      <a:tailEnd type="none" w="med" len="med"/>
+                    </a:lnB>
+                  </a:tcPr>
+                </a:tc>
+                <a:tc>
+                  <a:txBody>
+                    <a:bodyPr/>
+                    <a:lstStyle/>
+                    <a:p>
+                      <a:pPr algn="ctr" latinLnBrk="1"/>
+                      <a:r>
+                        <a:rPr lang="en-US" altLang="ko-KR" sz="2400" b="0" dirty="0">
+                          <a:solidFill>
+                            <a:schemeClr val="bg1">
+                              <a:lumMod val="85000"/>
+                            </a:schemeClr>
+                          </a:solidFill>
+                        </a:rPr>
+                        <a:t>1</a:t>
+                      </a:r>
+                      <a:endParaRPr lang="ko-KR" altLang="en-US" sz="2400" b="0" dirty="0">
+                        <a:solidFill>
+                          <a:schemeClr val="bg1">
+                            <a:lumMod val="85000"/>
+                          </a:schemeClr>
+                        </a:solidFill>
+                      </a:endParaRPr>
+                    </a:p>
+                  </a:txBody>
+                  <a:tcPr anchor="ctr">
+                    <a:lnL w="12700" cap="flat" cmpd="sng" algn="ctr">
+                      <a:solidFill>
+                        <a:schemeClr val="bg1"/>
+                      </a:solidFill>
+                      <a:prstDash val="solid"/>
+                      <a:round/>
+                      <a:headEnd type="none" w="med" len="med"/>
+                      <a:tailEnd type="none" w="med" len="med"/>
+                    </a:lnL>
+                    <a:lnR w="12700" cap="flat" cmpd="sng" algn="ctr">
+                      <a:solidFill>
+                        <a:schemeClr val="bg1"/>
+                      </a:solidFill>
+                      <a:prstDash val="solid"/>
+                      <a:round/>
+                      <a:headEnd type="none" w="med" len="med"/>
+                      <a:tailEnd type="none" w="med" len="med"/>
+                    </a:lnR>
+                    <a:lnT w="12700" cap="flat" cmpd="sng" algn="ctr">
+                      <a:solidFill>
+                        <a:schemeClr val="bg1"/>
+                      </a:solidFill>
+                      <a:prstDash val="solid"/>
+                      <a:round/>
+                      <a:headEnd type="none" w="med" len="med"/>
+                      <a:tailEnd type="none" w="med" len="med"/>
+                    </a:lnT>
+                    <a:lnB w="12700" cap="flat" cmpd="sng" algn="ctr">
+                      <a:solidFill>
+                        <a:schemeClr val="bg1"/>
+                      </a:solidFill>
+                      <a:prstDash val="solid"/>
+                      <a:round/>
+                      <a:headEnd type="none" w="med" len="med"/>
+                      <a:tailEnd type="none" w="med" len="med"/>
+                    </a:lnB>
+                  </a:tcPr>
+                </a:tc>
+                <a:tc>
+                  <a:txBody>
+                    <a:bodyPr/>
+                    <a:lstStyle/>
+                    <a:p>
+                      <a:pPr algn="ctr" latinLnBrk="1"/>
+                      <a:r>
+                        <a:rPr lang="en-US" altLang="ko-KR" sz="2400" b="0" dirty="0">
+                          <a:solidFill>
+                            <a:schemeClr val="bg1">
+                              <a:lumMod val="85000"/>
+                            </a:schemeClr>
+                          </a:solidFill>
+                        </a:rPr>
+                        <a:t>1</a:t>
+                      </a:r>
+                      <a:endParaRPr lang="ko-KR" altLang="en-US" sz="2400" b="0" dirty="0">
+                        <a:solidFill>
+                          <a:schemeClr val="bg1">
+                            <a:lumMod val="85000"/>
+                          </a:schemeClr>
+                        </a:solidFill>
+                      </a:endParaRPr>
+                    </a:p>
+                  </a:txBody>
+                  <a:tcPr anchor="ctr">
+                    <a:lnL w="12700" cap="flat" cmpd="sng" algn="ctr">
+                      <a:solidFill>
+                        <a:schemeClr val="bg1"/>
+                      </a:solidFill>
+                      <a:prstDash val="solid"/>
+                      <a:round/>
+                      <a:headEnd type="none" w="med" len="med"/>
+                      <a:tailEnd type="none" w="med" len="med"/>
+                    </a:lnL>
+                    <a:lnR w="12700" cap="flat" cmpd="sng" algn="ctr">
+                      <a:solidFill>
+                        <a:schemeClr val="bg1"/>
+                      </a:solidFill>
+                      <a:prstDash val="solid"/>
+                      <a:round/>
+                      <a:headEnd type="none" w="med" len="med"/>
+                      <a:tailEnd type="none" w="med" len="med"/>
+                    </a:lnR>
+                    <a:lnT w="12700" cap="flat" cmpd="sng" algn="ctr">
+                      <a:solidFill>
+                        <a:schemeClr val="bg1"/>
+                      </a:solidFill>
+                      <a:prstDash val="solid"/>
+                      <a:round/>
+                      <a:headEnd type="none" w="med" len="med"/>
+                      <a:tailEnd type="none" w="med" len="med"/>
+                    </a:lnT>
+                    <a:lnB w="12700" cap="flat" cmpd="sng" algn="ctr">
+                      <a:solidFill>
+                        <a:schemeClr val="bg1"/>
+                      </a:solidFill>
+                      <a:prstDash val="solid"/>
+                      <a:round/>
+                      <a:headEnd type="none" w="med" len="med"/>
+                      <a:tailEnd type="none" w="med" len="med"/>
+                    </a:lnB>
+                  </a:tcPr>
+                </a:tc>
+                <a:tc>
+                  <a:txBody>
+                    <a:bodyPr/>
+                    <a:lstStyle/>
+                    <a:p>
+                      <a:pPr algn="ctr" latinLnBrk="1"/>
+                      <a:r>
+                        <a:rPr lang="en-US" altLang="ko-KR" sz="2400" b="0" dirty="0">
+                          <a:solidFill>
+                            <a:schemeClr val="bg1">
+                              <a:lumMod val="85000"/>
+                            </a:schemeClr>
+                          </a:solidFill>
+                        </a:rPr>
+                        <a:t>4</a:t>
+                      </a:r>
+                      <a:endParaRPr lang="ko-KR" altLang="en-US" sz="2400" b="0" dirty="0">
+                        <a:solidFill>
+                          <a:schemeClr val="bg1">
+                            <a:lumMod val="85000"/>
+                          </a:schemeClr>
+                        </a:solidFill>
+                      </a:endParaRPr>
+                    </a:p>
+                  </a:txBody>
+                  <a:tcPr anchor="ctr">
+                    <a:lnL w="12700" cap="flat" cmpd="sng" algn="ctr">
+                      <a:solidFill>
+                        <a:schemeClr val="bg1"/>
+                      </a:solidFill>
+                      <a:prstDash val="solid"/>
+                      <a:round/>
+                      <a:headEnd type="none" w="med" len="med"/>
+                      <a:tailEnd type="none" w="med" len="med"/>
+                    </a:lnL>
+                    <a:lnR w="12700" cap="flat" cmpd="sng" algn="ctr">
+                      <a:solidFill>
+                        <a:schemeClr val="bg1"/>
+                      </a:solidFill>
+                      <a:prstDash val="solid"/>
+                      <a:round/>
+                      <a:headEnd type="none" w="med" len="med"/>
+                      <a:tailEnd type="none" w="med" len="med"/>
+                    </a:lnR>
+                    <a:lnT w="12700" cap="flat" cmpd="sng" algn="ctr">
+                      <a:solidFill>
+                        <a:schemeClr val="bg1"/>
+                      </a:solidFill>
+                      <a:prstDash val="solid"/>
+                      <a:round/>
+                      <a:headEnd type="none" w="med" len="med"/>
+                      <a:tailEnd type="none" w="med" len="med"/>
+                    </a:lnT>
+                    <a:lnB w="12700" cap="flat" cmpd="sng" algn="ctr">
+                      <a:solidFill>
+                        <a:schemeClr val="bg1"/>
+                      </a:solidFill>
+                      <a:prstDash val="solid"/>
+                      <a:round/>
+                      <a:headEnd type="none" w="med" len="med"/>
+                      <a:tailEnd type="none" w="med" len="med"/>
+                    </a:lnB>
+                  </a:tcPr>
+                </a:tc>
+                <a:tc>
+                  <a:txBody>
+                    <a:bodyPr/>
+                    <a:lstStyle/>
+                    <a:p>
+                      <a:pPr algn="ctr" latinLnBrk="1"/>
+                      <a:r>
+                        <a:rPr lang="en-US" altLang="ko-KR" sz="2400" b="0" dirty="0">
+                          <a:solidFill>
+                            <a:schemeClr val="bg1">
+                              <a:lumMod val="85000"/>
+                            </a:schemeClr>
+                          </a:solidFill>
+                        </a:rPr>
+                        <a:t>4</a:t>
+                      </a:r>
+                      <a:endParaRPr lang="ko-KR" altLang="en-US" sz="2400" b="0" dirty="0">
+                        <a:solidFill>
+                          <a:schemeClr val="bg1">
+                            <a:lumMod val="85000"/>
+                          </a:schemeClr>
+                        </a:solidFill>
+                      </a:endParaRPr>
+                    </a:p>
+                  </a:txBody>
+                  <a:tcPr anchor="ctr">
+                    <a:lnL w="12700" cap="flat" cmpd="sng" algn="ctr">
+                      <a:solidFill>
+                        <a:schemeClr val="bg1"/>
+                      </a:solidFill>
+                      <a:prstDash val="solid"/>
+                      <a:round/>
+                      <a:headEnd type="none" w="med" len="med"/>
+                      <a:tailEnd type="none" w="med" len="med"/>
+                    </a:lnL>
+                    <a:lnR w="12700" cap="flat" cmpd="sng" algn="ctr">
+                      <a:solidFill>
+                        <a:schemeClr val="bg1"/>
+                      </a:solidFill>
+                      <a:prstDash val="solid"/>
+                      <a:round/>
+                      <a:headEnd type="none" w="med" len="med"/>
+                      <a:tailEnd type="none" w="med" len="med"/>
+                    </a:lnR>
+                    <a:lnT w="12700" cap="flat" cmpd="sng" algn="ctr">
+                      <a:solidFill>
+                        <a:schemeClr val="bg1"/>
+                      </a:solidFill>
+                      <a:prstDash val="solid"/>
+                      <a:round/>
+                      <a:headEnd type="none" w="med" len="med"/>
+                      <a:tailEnd type="none" w="med" len="med"/>
+                    </a:lnT>
+                    <a:lnB w="12700" cap="flat" cmpd="sng" algn="ctr">
+                      <a:solidFill>
+                        <a:schemeClr val="bg1"/>
+                      </a:solidFill>
+                      <a:prstDash val="solid"/>
+                      <a:round/>
+                      <a:headEnd type="none" w="med" len="med"/>
+                      <a:tailEnd type="none" w="med" len="med"/>
+                    </a:lnB>
+                  </a:tcPr>
+                </a:tc>
+                <a:tc>
+                  <a:txBody>
+                    <a:bodyPr/>
+                    <a:lstStyle/>
+                    <a:p>
+                      <a:pPr algn="ctr" latinLnBrk="1"/>
+                      <a:r>
+                        <a:rPr lang="en-US" altLang="ko-KR" sz="2400" b="0" dirty="0">
+                          <a:solidFill>
+                            <a:schemeClr val="bg1">
+                              <a:lumMod val="85000"/>
+                            </a:schemeClr>
+                          </a:solidFill>
+                        </a:rPr>
+                        <a:t>5</a:t>
+                      </a:r>
+                      <a:endParaRPr lang="ko-KR" altLang="en-US" sz="2400" b="0" dirty="0">
+                        <a:solidFill>
+                          <a:schemeClr val="bg1">
+                            <a:lumMod val="85000"/>
+                          </a:schemeClr>
+                        </a:solidFill>
+                      </a:endParaRPr>
+                    </a:p>
+                  </a:txBody>
+                  <a:tcPr anchor="ctr">
+                    <a:lnL w="12700" cap="flat" cmpd="sng" algn="ctr">
+                      <a:solidFill>
+                        <a:schemeClr val="bg1"/>
+                      </a:solidFill>
+                      <a:prstDash val="solid"/>
+                      <a:round/>
+                      <a:headEnd type="none" w="med" len="med"/>
+                      <a:tailEnd type="none" w="med" len="med"/>
+                    </a:lnL>
+                    <a:lnR w="12700" cap="flat" cmpd="sng" algn="ctr">
+                      <a:solidFill>
+                        <a:schemeClr val="bg1"/>
+                      </a:solidFill>
+                      <a:prstDash val="solid"/>
+                      <a:round/>
+                      <a:headEnd type="none" w="med" len="med"/>
+                      <a:tailEnd type="none" w="med" len="med"/>
+                    </a:lnR>
+                    <a:lnT w="12700" cap="flat" cmpd="sng" algn="ctr">
+                      <a:solidFill>
+                        <a:schemeClr val="bg1"/>
+                      </a:solidFill>
+                      <a:prstDash val="solid"/>
+                      <a:round/>
+                      <a:headEnd type="none" w="med" len="med"/>
+                      <a:tailEnd type="none" w="med" len="med"/>
+                    </a:lnT>
+                    <a:lnB w="12700" cap="flat" cmpd="sng" algn="ctr">
+                      <a:solidFill>
+                        <a:schemeClr val="bg1"/>
+                      </a:solidFill>
+                      <a:prstDash val="solid"/>
+                      <a:round/>
+                      <a:headEnd type="none" w="med" len="med"/>
+                      <a:tailEnd type="none" w="med" len="med"/>
+                    </a:lnB>
+                  </a:tcPr>
+                </a:tc>
+                <a:tc>
+                  <a:txBody>
+                    <a:bodyPr/>
+                    <a:lstStyle/>
+                    <a:p>
+                      <a:pPr algn="ctr" latinLnBrk="1"/>
+                      <a:r>
+                        <a:rPr lang="en-US" altLang="ko-KR" sz="2400" b="0" dirty="0">
+                          <a:solidFill>
+                            <a:schemeClr val="bg1">
+                              <a:lumMod val="85000"/>
+                            </a:schemeClr>
+                          </a:solidFill>
+                        </a:rPr>
+                        <a:t>4</a:t>
+                      </a:r>
+                      <a:endParaRPr lang="ko-KR" altLang="en-US" sz="2400" b="0" dirty="0">
+                        <a:solidFill>
+                          <a:schemeClr val="bg1">
+                            <a:lumMod val="85000"/>
+                          </a:schemeClr>
+                        </a:solidFill>
+                      </a:endParaRPr>
+                    </a:p>
+                  </a:txBody>
+                  <a:tcPr anchor="ctr">
+                    <a:lnL w="12700" cap="flat" cmpd="sng" algn="ctr">
+                      <a:solidFill>
+                        <a:schemeClr val="bg1"/>
+                      </a:solidFill>
+                      <a:prstDash val="solid"/>
+                      <a:round/>
+                      <a:headEnd type="none" w="med" len="med"/>
+                      <a:tailEnd type="none" w="med" len="med"/>
+                    </a:lnL>
+                    <a:lnR w="12700" cmpd="sng">
+                      <a:solidFill>
+                        <a:schemeClr val="bg1"/>
+                      </a:solidFill>
+                      <a:prstDash val="solid"/>
+                    </a:lnR>
+                    <a:lnT w="12700" cap="flat" cmpd="sng" algn="ctr">
+                      <a:solidFill>
+                        <a:schemeClr val="bg1"/>
+                      </a:solidFill>
+                      <a:prstDash val="solid"/>
+                      <a:round/>
+                      <a:headEnd type="none" w="med" len="med"/>
+                      <a:tailEnd type="none" w="med" len="med"/>
+                    </a:lnT>
+                    <a:lnB w="12700" cap="flat" cmpd="sng" algn="ctr">
+                      <a:solidFill>
+                        <a:schemeClr val="bg1"/>
+                      </a:solidFill>
+                      <a:prstDash val="solid"/>
+                      <a:round/>
+                      <a:headEnd type="none" w="med" len="med"/>
+                      <a:tailEnd type="none" w="med" len="med"/>
+                    </a:lnB>
+                  </a:tcPr>
+                </a:tc>
+                <a:extLst>
+                  <a:ext uri="{0D108BD9-81ED-4DB2-BD59-A6C34878D82A}">
+                    <a16:rowId xmlns:a16="http://schemas.microsoft.com/office/drawing/2014/main" val="1169592317"/>
+                  </a:ext>
+                </a:extLst>
+              </a:tr>
+            </a:tbl>
+          </a:graphicData>
+        </a:graphic>
+      </p:graphicFrame>
+      <p:sp>
+        <p:nvSpPr>
+          <p:cNvPr id="4" name="TextBox 3">
+            <a:extLst>
+              <a:ext uri="{FF2B5EF4-FFF2-40B4-BE49-F238E27FC236}">
+                <a16:creationId xmlns:a16="http://schemas.microsoft.com/office/drawing/2014/main" id="{6B369A69-89FC-4BFB-84B5-9EF18287CC08}"/>
+              </a:ext>
+            </a:extLst>
+          </p:cNvPr>
+          <p:cNvSpPr txBox="1"/>
+          <p:nvPr/>
+        </p:nvSpPr>
+        <p:spPr>
+          <a:xfrm>
+            <a:off x="951730" y="974459"/>
+            <a:ext cx="9458362" cy="369332"/>
+          </a:xfrm>
+          <a:prstGeom prst="rect">
+            <a:avLst/>
+          </a:prstGeom>
+          <a:noFill/>
+        </p:spPr>
+        <p:txBody>
+          <a:bodyPr wrap="square" rtlCol="0">
+            <a:spAutoFit/>
+          </a:bodyPr>
+          <a:lstStyle/>
+          <a:p>
+            <a:r>
+              <a:rPr lang="ko-KR" altLang="en-US" dirty="0" err="1">
+                <a:solidFill>
+                  <a:schemeClr val="bg1">
+                    <a:lumMod val="95000"/>
+                  </a:schemeClr>
+                </a:solidFill>
+              </a:rPr>
+              <a:t>ㅇ</a:t>
+            </a:r>
+            <a:r>
+              <a:rPr lang="ko-KR" altLang="en-US" dirty="0">
+                <a:solidFill>
+                  <a:schemeClr val="bg1">
+                    <a:lumMod val="95000"/>
+                  </a:schemeClr>
+                </a:solidFill>
+              </a:rPr>
+              <a:t> 노드 </a:t>
+            </a:r>
+            <a:r>
+              <a:rPr lang="en-US" altLang="ko-KR" dirty="0">
+                <a:solidFill>
+                  <a:schemeClr val="bg1">
+                    <a:lumMod val="95000"/>
+                  </a:schemeClr>
+                </a:solidFill>
+              </a:rPr>
+              <a:t>1</a:t>
+            </a:r>
+            <a:r>
+              <a:rPr lang="ko-KR" altLang="en-US" dirty="0">
+                <a:solidFill>
+                  <a:schemeClr val="bg1">
+                    <a:lumMod val="95000"/>
+                  </a:schemeClr>
+                </a:solidFill>
+              </a:rPr>
+              <a:t>의 집합 </a:t>
+            </a:r>
+            <a:r>
+              <a:rPr lang="en-US" altLang="ko-KR" dirty="0">
+                <a:solidFill>
+                  <a:schemeClr val="bg1">
+                    <a:lumMod val="95000"/>
+                  </a:schemeClr>
+                </a:solidFill>
+              </a:rPr>
+              <a:t>= </a:t>
+            </a:r>
+            <a:r>
+              <a:rPr lang="ko-KR" altLang="en-US" dirty="0">
+                <a:solidFill>
+                  <a:schemeClr val="bg1">
+                    <a:lumMod val="95000"/>
+                  </a:schemeClr>
+                </a:solidFill>
+              </a:rPr>
+              <a:t>배열</a:t>
+            </a:r>
+            <a:r>
+              <a:rPr lang="en-US" altLang="ko-KR" dirty="0">
+                <a:solidFill>
+                  <a:schemeClr val="bg1">
+                    <a:lumMod val="95000"/>
+                  </a:schemeClr>
+                </a:solidFill>
+              </a:rPr>
+              <a:t>[1] = 1 </a:t>
+            </a:r>
+            <a:r>
+              <a:rPr lang="ko-KR" altLang="en-US" dirty="0">
+                <a:solidFill>
+                  <a:schemeClr val="bg1">
+                    <a:lumMod val="95000"/>
+                  </a:schemeClr>
+                </a:solidFill>
+              </a:rPr>
+              <a:t>이므로 노드 </a:t>
+            </a:r>
+            <a:r>
+              <a:rPr lang="en-US" altLang="ko-KR" dirty="0">
+                <a:solidFill>
+                  <a:schemeClr val="bg1">
+                    <a:lumMod val="95000"/>
+                  </a:schemeClr>
+                </a:solidFill>
+              </a:rPr>
+              <a:t>1</a:t>
+            </a:r>
+            <a:r>
+              <a:rPr lang="ko-KR" altLang="en-US" dirty="0">
+                <a:solidFill>
+                  <a:schemeClr val="bg1">
+                    <a:lumMod val="95000"/>
+                  </a:schemeClr>
+                </a:solidFill>
+              </a:rPr>
+              <a:t>의 집합 </a:t>
+            </a:r>
+            <a:r>
+              <a:rPr lang="ko-KR" altLang="en-US" dirty="0" err="1">
+                <a:solidFill>
+                  <a:schemeClr val="bg1">
+                    <a:lumMod val="95000"/>
+                  </a:schemeClr>
+                </a:solidFill>
+              </a:rPr>
+              <a:t>대표값은</a:t>
+            </a:r>
+            <a:r>
+              <a:rPr lang="ko-KR" altLang="en-US" dirty="0">
+                <a:solidFill>
+                  <a:schemeClr val="bg1">
+                    <a:lumMod val="95000"/>
+                  </a:schemeClr>
+                </a:solidFill>
+              </a:rPr>
+              <a:t> 노드 </a:t>
+            </a:r>
+            <a:r>
+              <a:rPr lang="en-US" altLang="ko-KR" dirty="0">
+                <a:solidFill>
+                  <a:schemeClr val="bg1">
+                    <a:lumMod val="95000"/>
+                  </a:schemeClr>
+                </a:solidFill>
+              </a:rPr>
+              <a:t>1</a:t>
+            </a:r>
+          </a:p>
+        </p:txBody>
+      </p:sp>
+      <p:sp>
+        <p:nvSpPr>
+          <p:cNvPr id="5" name="TextBox 4">
+            <a:extLst>
+              <a:ext uri="{FF2B5EF4-FFF2-40B4-BE49-F238E27FC236}">
+                <a16:creationId xmlns:a16="http://schemas.microsoft.com/office/drawing/2014/main" id="{59FE6AB7-F736-43C9-AA57-4B2586109404}"/>
+              </a:ext>
+            </a:extLst>
+          </p:cNvPr>
+          <p:cNvSpPr txBox="1"/>
+          <p:nvPr/>
+        </p:nvSpPr>
+        <p:spPr>
+          <a:xfrm>
+            <a:off x="951731" y="2721199"/>
+            <a:ext cx="9458362" cy="646331"/>
+          </a:xfrm>
+          <a:prstGeom prst="rect">
+            <a:avLst/>
+          </a:prstGeom>
+          <a:noFill/>
+        </p:spPr>
+        <p:txBody>
+          <a:bodyPr wrap="square" rtlCol="0">
+            <a:spAutoFit/>
+          </a:bodyPr>
+          <a:lstStyle/>
+          <a:p>
+            <a:r>
+              <a:rPr lang="ko-KR" altLang="en-US" dirty="0" err="1">
+                <a:solidFill>
+                  <a:schemeClr val="bg1">
+                    <a:lumMod val="95000"/>
+                  </a:schemeClr>
+                </a:solidFill>
+              </a:rPr>
+              <a:t>ㅇ</a:t>
+            </a:r>
+            <a:r>
+              <a:rPr lang="ko-KR" altLang="en-US" dirty="0">
+                <a:solidFill>
+                  <a:schemeClr val="bg1">
+                    <a:lumMod val="95000"/>
+                  </a:schemeClr>
+                </a:solidFill>
+              </a:rPr>
+              <a:t> 노드 </a:t>
+            </a:r>
+            <a:r>
+              <a:rPr lang="en-US" altLang="ko-KR" dirty="0">
+                <a:solidFill>
+                  <a:schemeClr val="bg1">
+                    <a:lumMod val="95000"/>
+                  </a:schemeClr>
+                </a:solidFill>
+              </a:rPr>
+              <a:t>7</a:t>
+            </a:r>
+            <a:r>
+              <a:rPr lang="ko-KR" altLang="en-US" dirty="0">
+                <a:solidFill>
+                  <a:schemeClr val="bg1">
+                    <a:lumMod val="95000"/>
+                  </a:schemeClr>
+                </a:solidFill>
+              </a:rPr>
+              <a:t>의 집합 </a:t>
+            </a:r>
+            <a:r>
+              <a:rPr lang="en-US" altLang="ko-KR" dirty="0">
+                <a:solidFill>
+                  <a:schemeClr val="bg1">
+                    <a:lumMod val="95000"/>
+                  </a:schemeClr>
+                </a:solidFill>
+              </a:rPr>
+              <a:t>= </a:t>
+            </a:r>
+            <a:r>
+              <a:rPr lang="ko-KR" altLang="en-US" dirty="0">
+                <a:solidFill>
+                  <a:schemeClr val="bg1">
+                    <a:lumMod val="95000"/>
+                  </a:schemeClr>
+                </a:solidFill>
+              </a:rPr>
+              <a:t>배열</a:t>
+            </a:r>
+            <a:r>
+              <a:rPr lang="en-US" altLang="ko-KR" dirty="0">
+                <a:solidFill>
+                  <a:schemeClr val="bg1">
+                    <a:lumMod val="95000"/>
+                  </a:schemeClr>
+                </a:solidFill>
+              </a:rPr>
+              <a:t>[7] = 4 </a:t>
+            </a:r>
+            <a:r>
+              <a:rPr lang="ko-KR" altLang="en-US" dirty="0">
+                <a:solidFill>
+                  <a:schemeClr val="bg1">
+                    <a:lumMod val="95000"/>
+                  </a:schemeClr>
+                </a:solidFill>
+              </a:rPr>
+              <a:t>이므로 노드 </a:t>
+            </a:r>
+            <a:r>
+              <a:rPr lang="en-US" altLang="ko-KR" dirty="0">
+                <a:solidFill>
+                  <a:schemeClr val="bg1">
+                    <a:lumMod val="95000"/>
+                  </a:schemeClr>
+                </a:solidFill>
+              </a:rPr>
+              <a:t>7</a:t>
+            </a:r>
+            <a:r>
+              <a:rPr lang="ko-KR" altLang="en-US" dirty="0">
+                <a:solidFill>
+                  <a:schemeClr val="bg1">
+                    <a:lumMod val="95000"/>
+                  </a:schemeClr>
+                </a:solidFill>
+              </a:rPr>
+              <a:t>은 노드 </a:t>
+            </a:r>
+            <a:r>
+              <a:rPr lang="en-US" altLang="ko-KR" dirty="0">
+                <a:solidFill>
+                  <a:schemeClr val="bg1">
+                    <a:lumMod val="95000"/>
+                  </a:schemeClr>
+                </a:solidFill>
+              </a:rPr>
+              <a:t>4</a:t>
+            </a:r>
+            <a:r>
+              <a:rPr lang="ko-KR" altLang="en-US" dirty="0">
+                <a:solidFill>
+                  <a:schemeClr val="bg1">
+                    <a:lumMod val="95000"/>
+                  </a:schemeClr>
+                </a:solidFill>
+              </a:rPr>
+              <a:t>와 같은 집합이며</a:t>
+            </a:r>
+            <a:r>
+              <a:rPr lang="en-US" altLang="ko-KR" dirty="0">
+                <a:solidFill>
+                  <a:schemeClr val="bg1">
+                    <a:lumMod val="95000"/>
+                  </a:schemeClr>
+                </a:solidFill>
+              </a:rPr>
+              <a:t>, </a:t>
+            </a:r>
+            <a:r>
+              <a:rPr lang="ko-KR" altLang="en-US" dirty="0">
+                <a:solidFill>
+                  <a:schemeClr val="bg1">
+                    <a:lumMod val="95000"/>
+                  </a:schemeClr>
+                </a:solidFill>
+              </a:rPr>
+              <a:t>아직 </a:t>
+            </a:r>
+            <a:r>
+              <a:rPr lang="ko-KR" altLang="en-US" dirty="0" err="1">
+                <a:solidFill>
+                  <a:schemeClr val="bg1">
+                    <a:lumMod val="95000"/>
+                  </a:schemeClr>
+                </a:solidFill>
+              </a:rPr>
+              <a:t>대표값은</a:t>
+            </a:r>
+            <a:r>
+              <a:rPr lang="ko-KR" altLang="en-US" dirty="0">
+                <a:solidFill>
+                  <a:schemeClr val="bg1">
+                    <a:lumMod val="95000"/>
+                  </a:schemeClr>
+                </a:solidFill>
+              </a:rPr>
+              <a:t> 알 수 없음</a:t>
+            </a:r>
+            <a:r>
+              <a:rPr lang="en-US" altLang="ko-KR" dirty="0">
+                <a:solidFill>
+                  <a:schemeClr val="bg1">
+                    <a:lumMod val="95000"/>
+                  </a:schemeClr>
+                </a:solidFill>
+              </a:rPr>
+              <a:t>.</a:t>
+            </a:r>
+          </a:p>
+        </p:txBody>
+      </p:sp>
+      <p:graphicFrame>
+        <p:nvGraphicFramePr>
+          <p:cNvPr id="6" name="표 5">
+            <a:extLst>
+              <a:ext uri="{FF2B5EF4-FFF2-40B4-BE49-F238E27FC236}">
+                <a16:creationId xmlns:a16="http://schemas.microsoft.com/office/drawing/2014/main" id="{F9EDF1CF-EFB6-495E-BFCD-A4E7CA4A4BB7}"/>
+              </a:ext>
+            </a:extLst>
+          </p:cNvPr>
+          <p:cNvGraphicFramePr>
+            <a:graphicFrameLocks noGrp="1"/>
+          </p:cNvGraphicFramePr>
+          <p:nvPr>
+            <p:extLst>
+              <p:ext uri="{D42A27DB-BD31-4B8C-83A1-F6EECF244321}">
+                <p14:modId xmlns:p14="http://schemas.microsoft.com/office/powerpoint/2010/main" val="3303594665"/>
+              </p:ext>
+            </p:extLst>
+          </p:nvPr>
+        </p:nvGraphicFramePr>
+        <p:xfrm>
+          <a:off x="785451" y="3806733"/>
+          <a:ext cx="9982824" cy="646331"/>
+        </p:xfrm>
+        <a:graphic>
+          <a:graphicData uri="http://schemas.openxmlformats.org/drawingml/2006/table">
+            <a:tbl>
+              <a:tblPr/>
+              <a:tblGrid>
+                <a:gridCol w="1247853">
+                  <a:extLst>
+                    <a:ext uri="{9D8B030D-6E8A-4147-A177-3AD203B41FA5}">
+                      <a16:colId xmlns:a16="http://schemas.microsoft.com/office/drawing/2014/main" val="3221884234"/>
+                    </a:ext>
+                  </a:extLst>
+                </a:gridCol>
+                <a:gridCol w="1247853">
+                  <a:extLst>
+                    <a:ext uri="{9D8B030D-6E8A-4147-A177-3AD203B41FA5}">
+                      <a16:colId xmlns:a16="http://schemas.microsoft.com/office/drawing/2014/main" val="1378666724"/>
+                    </a:ext>
+                  </a:extLst>
+                </a:gridCol>
+                <a:gridCol w="1247853">
+                  <a:extLst>
+                    <a:ext uri="{9D8B030D-6E8A-4147-A177-3AD203B41FA5}">
+                      <a16:colId xmlns:a16="http://schemas.microsoft.com/office/drawing/2014/main" val="2981916489"/>
+                    </a:ext>
+                  </a:extLst>
+                </a:gridCol>
+                <a:gridCol w="1247853">
+                  <a:extLst>
+                    <a:ext uri="{9D8B030D-6E8A-4147-A177-3AD203B41FA5}">
+                      <a16:colId xmlns:a16="http://schemas.microsoft.com/office/drawing/2014/main" val="2446702814"/>
+                    </a:ext>
+                  </a:extLst>
+                </a:gridCol>
+                <a:gridCol w="1247853">
+                  <a:extLst>
+                    <a:ext uri="{9D8B030D-6E8A-4147-A177-3AD203B41FA5}">
+                      <a16:colId xmlns:a16="http://schemas.microsoft.com/office/drawing/2014/main" val="3232487043"/>
+                    </a:ext>
+                  </a:extLst>
+                </a:gridCol>
+                <a:gridCol w="1247853">
+                  <a:extLst>
+                    <a:ext uri="{9D8B030D-6E8A-4147-A177-3AD203B41FA5}">
+                      <a16:colId xmlns:a16="http://schemas.microsoft.com/office/drawing/2014/main" val="3564761673"/>
+                    </a:ext>
+                  </a:extLst>
+                </a:gridCol>
+                <a:gridCol w="1247853">
+                  <a:extLst>
+                    <a:ext uri="{9D8B030D-6E8A-4147-A177-3AD203B41FA5}">
+                      <a16:colId xmlns:a16="http://schemas.microsoft.com/office/drawing/2014/main" val="751366682"/>
+                    </a:ext>
+                  </a:extLst>
+                </a:gridCol>
+                <a:gridCol w="1247853">
+                  <a:extLst>
+                    <a:ext uri="{9D8B030D-6E8A-4147-A177-3AD203B41FA5}">
+                      <a16:colId xmlns:a16="http://schemas.microsoft.com/office/drawing/2014/main" val="72017382"/>
+                    </a:ext>
+                  </a:extLst>
+                </a:gridCol>
+              </a:tblGrid>
+              <a:tr h="646331">
+                <a:tc>
+                  <a:txBody>
+                    <a:bodyPr/>
+                    <a:lstStyle/>
+                    <a:p>
+                      <a:pPr algn="ctr" latinLnBrk="1"/>
+                      <a:r>
+                        <a:rPr lang="en-US" altLang="ko-KR" sz="2400" dirty="0">
+                          <a:solidFill>
+                            <a:schemeClr val="bg1">
+                              <a:lumMod val="85000"/>
+                            </a:schemeClr>
+                          </a:solidFill>
+                        </a:rPr>
+                        <a:t>0</a:t>
+                      </a:r>
+                      <a:endParaRPr lang="ko-KR" altLang="en-US" sz="2400" dirty="0">
+                        <a:solidFill>
+                          <a:schemeClr val="bg1">
+                            <a:lumMod val="85000"/>
+                          </a:schemeClr>
+                        </a:solidFill>
+                      </a:endParaRPr>
+                    </a:p>
+                  </a:txBody>
+                  <a:tcPr anchor="ctr">
+                    <a:lnL w="12700" cmpd="sng">
+                      <a:solidFill>
+                        <a:schemeClr val="bg1"/>
+                      </a:solidFill>
+                      <a:prstDash val="solid"/>
+                    </a:lnL>
+                    <a:lnR w="12700" cap="flat" cmpd="sng" algn="ctr">
+                      <a:solidFill>
+                        <a:schemeClr val="bg1"/>
+                      </a:solidFill>
+                      <a:prstDash val="solid"/>
+                      <a:round/>
+                      <a:headEnd type="none" w="med" len="med"/>
+                      <a:tailEnd type="none" w="med" len="med"/>
+                    </a:lnR>
+                    <a:lnT w="12700" cmpd="sng">
+                      <a:solidFill>
+                        <a:schemeClr val="bg1"/>
+                      </a:solidFill>
+                      <a:prstDash val="solid"/>
+                    </a:lnT>
+                    <a:lnB w="12700" cmpd="sng">
+                      <a:solidFill>
+                        <a:schemeClr val="bg1"/>
+                      </a:solidFill>
+                      <a:prstDash val="solid"/>
+                    </a:lnB>
+                  </a:tcPr>
+                </a:tc>
+                <a:tc>
+                  <a:txBody>
+                    <a:bodyPr/>
+                    <a:lstStyle/>
+                    <a:p>
+                      <a:pPr algn="ctr" latinLnBrk="1"/>
+                      <a:r>
+                        <a:rPr lang="en-US" altLang="ko-KR" sz="2400" b="0" dirty="0">
+                          <a:solidFill>
+                            <a:schemeClr val="bg1">
+                              <a:lumMod val="85000"/>
+                            </a:schemeClr>
+                          </a:solidFill>
+                        </a:rPr>
+                        <a:t>1</a:t>
+                      </a:r>
+                      <a:endParaRPr lang="ko-KR" altLang="en-US" sz="2400" b="0" dirty="0">
+                        <a:solidFill>
+                          <a:schemeClr val="bg1">
+                            <a:lumMod val="85000"/>
+                          </a:schemeClr>
+                        </a:solidFill>
+                      </a:endParaRPr>
+                    </a:p>
+                  </a:txBody>
+                  <a:tcPr anchor="ctr">
+                    <a:lnL w="12700" cap="flat" cmpd="sng" algn="ctr">
+                      <a:solidFill>
+                        <a:schemeClr val="bg1"/>
+                      </a:solidFill>
+                      <a:prstDash val="solid"/>
+                      <a:round/>
+                      <a:headEnd type="none" w="med" len="med"/>
+                      <a:tailEnd type="none" w="med" len="med"/>
+                    </a:lnL>
+                    <a:lnR w="12700" cap="flat" cmpd="sng" algn="ctr">
+                      <a:solidFill>
+                        <a:schemeClr val="bg1"/>
+                      </a:solidFill>
+                      <a:prstDash val="solid"/>
+                      <a:round/>
+                      <a:headEnd type="none" w="med" len="med"/>
+                      <a:tailEnd type="none" w="med" len="med"/>
+                    </a:lnR>
+                    <a:lnT w="12700" cap="flat" cmpd="sng" algn="ctr">
+                      <a:solidFill>
+                        <a:schemeClr val="bg1"/>
+                      </a:solidFill>
+                      <a:prstDash val="solid"/>
+                      <a:round/>
+                      <a:headEnd type="none" w="med" len="med"/>
+                      <a:tailEnd type="none" w="med" len="med"/>
+                    </a:lnT>
+                    <a:lnB w="12700" cap="flat" cmpd="sng" algn="ctr">
+                      <a:solidFill>
+                        <a:schemeClr val="bg1"/>
+                      </a:solidFill>
+                      <a:prstDash val="solid"/>
+                      <a:round/>
+                      <a:headEnd type="none" w="med" len="med"/>
+                      <a:tailEnd type="none" w="med" len="med"/>
+                    </a:lnB>
+                  </a:tcPr>
+                </a:tc>
+                <a:tc>
+                  <a:txBody>
+                    <a:bodyPr/>
+                    <a:lstStyle/>
+                    <a:p>
+                      <a:pPr algn="ctr" latinLnBrk="1"/>
+                      <a:r>
+                        <a:rPr lang="en-US" altLang="ko-KR" sz="2400" b="0" dirty="0">
+                          <a:solidFill>
+                            <a:schemeClr val="bg1">
+                              <a:lumMod val="85000"/>
+                            </a:schemeClr>
+                          </a:solidFill>
+                        </a:rPr>
+                        <a:t>1</a:t>
+                      </a:r>
+                      <a:endParaRPr lang="ko-KR" altLang="en-US" sz="2400" b="0" dirty="0">
+                        <a:solidFill>
+                          <a:schemeClr val="bg1">
+                            <a:lumMod val="85000"/>
+                          </a:schemeClr>
+                        </a:solidFill>
+                      </a:endParaRPr>
+                    </a:p>
+                  </a:txBody>
+                  <a:tcPr anchor="ctr">
+                    <a:lnL w="12700" cap="flat" cmpd="sng" algn="ctr">
+                      <a:solidFill>
+                        <a:schemeClr val="bg1"/>
+                      </a:solidFill>
+                      <a:prstDash val="solid"/>
+                      <a:round/>
+                      <a:headEnd type="none" w="med" len="med"/>
+                      <a:tailEnd type="none" w="med" len="med"/>
+                    </a:lnL>
+                    <a:lnR w="12700" cap="flat" cmpd="sng" algn="ctr">
+                      <a:solidFill>
+                        <a:schemeClr val="bg1"/>
+                      </a:solidFill>
+                      <a:prstDash val="solid"/>
+                      <a:round/>
+                      <a:headEnd type="none" w="med" len="med"/>
+                      <a:tailEnd type="none" w="med" len="med"/>
+                    </a:lnR>
+                    <a:lnT w="12700" cap="flat" cmpd="sng" algn="ctr">
+                      <a:solidFill>
+                        <a:schemeClr val="bg1"/>
+                      </a:solidFill>
+                      <a:prstDash val="solid"/>
+                      <a:round/>
+                      <a:headEnd type="none" w="med" len="med"/>
+                      <a:tailEnd type="none" w="med" len="med"/>
+                    </a:lnT>
+                    <a:lnB w="12700" cap="flat" cmpd="sng" algn="ctr">
+                      <a:solidFill>
+                        <a:schemeClr val="bg1"/>
+                      </a:solidFill>
+                      <a:prstDash val="solid"/>
+                      <a:round/>
+                      <a:headEnd type="none" w="med" len="med"/>
+                      <a:tailEnd type="none" w="med" len="med"/>
+                    </a:lnB>
+                  </a:tcPr>
+                </a:tc>
+                <a:tc>
+                  <a:txBody>
+                    <a:bodyPr/>
+                    <a:lstStyle/>
+                    <a:p>
+                      <a:pPr algn="ctr" latinLnBrk="1"/>
+                      <a:r>
+                        <a:rPr lang="en-US" altLang="ko-KR" sz="2400" b="0" dirty="0">
+                          <a:solidFill>
+                            <a:schemeClr val="bg1">
+                              <a:lumMod val="85000"/>
+                            </a:schemeClr>
+                          </a:solidFill>
+                        </a:rPr>
+                        <a:t>1</a:t>
+                      </a:r>
+                      <a:endParaRPr lang="ko-KR" altLang="en-US" sz="2400" b="0" dirty="0">
+                        <a:solidFill>
+                          <a:schemeClr val="bg1">
+                            <a:lumMod val="85000"/>
+                          </a:schemeClr>
+                        </a:solidFill>
+                      </a:endParaRPr>
+                    </a:p>
+                  </a:txBody>
+                  <a:tcPr anchor="ctr">
+                    <a:lnL w="12700" cap="flat" cmpd="sng" algn="ctr">
+                      <a:solidFill>
+                        <a:schemeClr val="bg1"/>
+                      </a:solidFill>
+                      <a:prstDash val="solid"/>
+                      <a:round/>
+                      <a:headEnd type="none" w="med" len="med"/>
+                      <a:tailEnd type="none" w="med" len="med"/>
+                    </a:lnL>
+                    <a:lnR w="12700" cap="flat" cmpd="sng" algn="ctr">
+                      <a:solidFill>
+                        <a:schemeClr val="bg1"/>
+                      </a:solidFill>
+                      <a:prstDash val="solid"/>
+                      <a:round/>
+                      <a:headEnd type="none" w="med" len="med"/>
+                      <a:tailEnd type="none" w="med" len="med"/>
+                    </a:lnR>
+                    <a:lnT w="12700" cap="flat" cmpd="sng" algn="ctr">
+                      <a:solidFill>
+                        <a:schemeClr val="bg1"/>
+                      </a:solidFill>
+                      <a:prstDash val="solid"/>
+                      <a:round/>
+                      <a:headEnd type="none" w="med" len="med"/>
+                      <a:tailEnd type="none" w="med" len="med"/>
+                    </a:lnT>
+                    <a:lnB w="12700" cap="flat" cmpd="sng" algn="ctr">
+                      <a:solidFill>
+                        <a:schemeClr val="bg1"/>
+                      </a:solidFill>
+                      <a:prstDash val="solid"/>
+                      <a:round/>
+                      <a:headEnd type="none" w="med" len="med"/>
+                      <a:tailEnd type="none" w="med" len="med"/>
+                    </a:lnB>
+                  </a:tcPr>
+                </a:tc>
+                <a:tc>
+                  <a:txBody>
+                    <a:bodyPr/>
+                    <a:lstStyle/>
+                    <a:p>
+                      <a:pPr algn="ctr" latinLnBrk="1"/>
+                      <a:r>
+                        <a:rPr lang="en-US" altLang="ko-KR" sz="2400" b="0" dirty="0">
+                          <a:solidFill>
+                            <a:schemeClr val="bg1">
+                              <a:lumMod val="85000"/>
+                            </a:schemeClr>
+                          </a:solidFill>
+                        </a:rPr>
+                        <a:t>4</a:t>
+                      </a:r>
+                      <a:endParaRPr lang="ko-KR" altLang="en-US" sz="2400" b="0" dirty="0">
+                        <a:solidFill>
+                          <a:schemeClr val="bg1">
+                            <a:lumMod val="85000"/>
+                          </a:schemeClr>
+                        </a:solidFill>
+                      </a:endParaRPr>
+                    </a:p>
+                  </a:txBody>
+                  <a:tcPr anchor="ctr">
+                    <a:lnL w="12700" cap="flat" cmpd="sng" algn="ctr">
+                      <a:solidFill>
+                        <a:schemeClr val="bg1"/>
+                      </a:solidFill>
+                      <a:prstDash val="solid"/>
+                      <a:round/>
+                      <a:headEnd type="none" w="med" len="med"/>
+                      <a:tailEnd type="none" w="med" len="med"/>
+                    </a:lnL>
+                    <a:lnR w="12700" cap="flat" cmpd="sng" algn="ctr">
+                      <a:solidFill>
+                        <a:schemeClr val="bg1"/>
+                      </a:solidFill>
+                      <a:prstDash val="solid"/>
+                      <a:round/>
+                      <a:headEnd type="none" w="med" len="med"/>
+                      <a:tailEnd type="none" w="med" len="med"/>
+                    </a:lnR>
+                    <a:lnT w="12700" cap="flat" cmpd="sng" algn="ctr">
+                      <a:solidFill>
+                        <a:schemeClr val="bg1"/>
+                      </a:solidFill>
+                      <a:prstDash val="solid"/>
+                      <a:round/>
+                      <a:headEnd type="none" w="med" len="med"/>
+                      <a:tailEnd type="none" w="med" len="med"/>
+                    </a:lnT>
+                    <a:lnB w="12700" cap="flat" cmpd="sng" algn="ctr">
+                      <a:solidFill>
+                        <a:schemeClr val="bg1"/>
+                      </a:solidFill>
+                      <a:prstDash val="solid"/>
+                      <a:round/>
+                      <a:headEnd type="none" w="med" len="med"/>
+                      <a:tailEnd type="none" w="med" len="med"/>
+                    </a:lnB>
+                  </a:tcPr>
+                </a:tc>
+                <a:tc>
+                  <a:txBody>
+                    <a:bodyPr/>
+                    <a:lstStyle/>
+                    <a:p>
+                      <a:pPr algn="ctr" latinLnBrk="1"/>
+                      <a:r>
+                        <a:rPr lang="en-US" altLang="ko-KR" sz="2400" b="0" dirty="0">
+                          <a:solidFill>
+                            <a:schemeClr val="bg1">
+                              <a:lumMod val="85000"/>
+                            </a:schemeClr>
+                          </a:solidFill>
+                        </a:rPr>
+                        <a:t>4</a:t>
+                      </a:r>
+                      <a:endParaRPr lang="ko-KR" altLang="en-US" sz="2400" b="0" dirty="0">
+                        <a:solidFill>
+                          <a:schemeClr val="bg1">
+                            <a:lumMod val="85000"/>
+                          </a:schemeClr>
+                        </a:solidFill>
+                      </a:endParaRPr>
+                    </a:p>
+                  </a:txBody>
+                  <a:tcPr anchor="ctr">
+                    <a:lnL w="12700" cap="flat" cmpd="sng" algn="ctr">
+                      <a:solidFill>
+                        <a:schemeClr val="bg1"/>
+                      </a:solidFill>
+                      <a:prstDash val="solid"/>
+                      <a:round/>
+                      <a:headEnd type="none" w="med" len="med"/>
+                      <a:tailEnd type="none" w="med" len="med"/>
+                    </a:lnL>
+                    <a:lnR w="12700" cap="flat" cmpd="sng" algn="ctr">
+                      <a:solidFill>
+                        <a:schemeClr val="bg1"/>
+                      </a:solidFill>
+                      <a:prstDash val="solid"/>
+                      <a:round/>
+                      <a:headEnd type="none" w="med" len="med"/>
+                      <a:tailEnd type="none" w="med" len="med"/>
+                    </a:lnR>
+                    <a:lnT w="12700" cap="flat" cmpd="sng" algn="ctr">
+                      <a:solidFill>
+                        <a:schemeClr val="bg1"/>
+                      </a:solidFill>
+                      <a:prstDash val="solid"/>
+                      <a:round/>
+                      <a:headEnd type="none" w="med" len="med"/>
+                      <a:tailEnd type="none" w="med" len="med"/>
+                    </a:lnT>
+                    <a:lnB w="12700" cap="flat" cmpd="sng" algn="ctr">
+                      <a:solidFill>
+                        <a:schemeClr val="bg1"/>
+                      </a:solidFill>
+                      <a:prstDash val="solid"/>
+                      <a:round/>
+                      <a:headEnd type="none" w="med" len="med"/>
+                      <a:tailEnd type="none" w="med" len="med"/>
+                    </a:lnB>
+                  </a:tcPr>
+                </a:tc>
+                <a:tc>
+                  <a:txBody>
+                    <a:bodyPr/>
+                    <a:lstStyle/>
+                    <a:p>
+                      <a:pPr algn="ctr" latinLnBrk="1"/>
+                      <a:r>
+                        <a:rPr lang="en-US" altLang="ko-KR" sz="2400" b="0" dirty="0">
+                          <a:solidFill>
+                            <a:schemeClr val="bg1">
+                              <a:lumMod val="85000"/>
+                            </a:schemeClr>
+                          </a:solidFill>
+                        </a:rPr>
+                        <a:t>5</a:t>
+                      </a:r>
+                      <a:endParaRPr lang="ko-KR" altLang="en-US" sz="2400" b="0" dirty="0">
+                        <a:solidFill>
+                          <a:schemeClr val="bg1">
+                            <a:lumMod val="85000"/>
+                          </a:schemeClr>
+                        </a:solidFill>
+                      </a:endParaRPr>
+                    </a:p>
+                  </a:txBody>
+                  <a:tcPr anchor="ctr">
+                    <a:lnL w="12700" cap="flat" cmpd="sng" algn="ctr">
+                      <a:solidFill>
+                        <a:schemeClr val="bg1"/>
+                      </a:solidFill>
+                      <a:prstDash val="solid"/>
+                      <a:round/>
+                      <a:headEnd type="none" w="med" len="med"/>
+                      <a:tailEnd type="none" w="med" len="med"/>
+                    </a:lnL>
+                    <a:lnR w="12700" cap="flat" cmpd="sng" algn="ctr">
+                      <a:solidFill>
+                        <a:schemeClr val="bg1"/>
+                      </a:solidFill>
+                      <a:prstDash val="solid"/>
+                      <a:round/>
+                      <a:headEnd type="none" w="med" len="med"/>
+                      <a:tailEnd type="none" w="med" len="med"/>
+                    </a:lnR>
+                    <a:lnT w="12700" cap="flat" cmpd="sng" algn="ctr">
+                      <a:solidFill>
+                        <a:schemeClr val="bg1"/>
+                      </a:solidFill>
+                      <a:prstDash val="solid"/>
+                      <a:round/>
+                      <a:headEnd type="none" w="med" len="med"/>
+                      <a:tailEnd type="none" w="med" len="med"/>
+                    </a:lnT>
+                    <a:lnB w="12700" cap="flat" cmpd="sng" algn="ctr">
+                      <a:solidFill>
+                        <a:schemeClr val="bg1"/>
+                      </a:solidFill>
+                      <a:prstDash val="solid"/>
+                      <a:round/>
+                      <a:headEnd type="none" w="med" len="med"/>
+                      <a:tailEnd type="none" w="med" len="med"/>
+                    </a:lnB>
+                  </a:tcPr>
+                </a:tc>
+                <a:tc>
+                  <a:txBody>
+                    <a:bodyPr/>
+                    <a:lstStyle/>
+                    <a:p>
+                      <a:pPr algn="ctr" latinLnBrk="1"/>
+                      <a:r>
+                        <a:rPr lang="en-US" altLang="ko-KR" sz="2400" b="1" dirty="0">
+                          <a:solidFill>
+                            <a:srgbClr val="FF0000"/>
+                          </a:solidFill>
+                        </a:rPr>
+                        <a:t>4</a:t>
+                      </a:r>
+                      <a:endParaRPr lang="ko-KR" altLang="en-US" sz="2400" b="1" dirty="0">
+                        <a:solidFill>
+                          <a:srgbClr val="FF0000"/>
+                        </a:solidFill>
+                      </a:endParaRPr>
+                    </a:p>
+                  </a:txBody>
+                  <a:tcPr anchor="ctr">
+                    <a:lnL w="12700" cap="flat" cmpd="sng" algn="ctr">
+                      <a:solidFill>
+                        <a:schemeClr val="bg1"/>
+                      </a:solidFill>
+                      <a:prstDash val="solid"/>
+                      <a:round/>
+                      <a:headEnd type="none" w="med" len="med"/>
+                      <a:tailEnd type="none" w="med" len="med"/>
+                    </a:lnL>
+                    <a:lnR w="12700" cmpd="sng">
+                      <a:solidFill>
+                        <a:schemeClr val="bg1"/>
+                      </a:solidFill>
+                      <a:prstDash val="solid"/>
+                    </a:lnR>
+                    <a:lnT w="12700" cap="flat" cmpd="sng" algn="ctr">
+                      <a:solidFill>
+                        <a:schemeClr val="bg1"/>
+                      </a:solidFill>
+                      <a:prstDash val="solid"/>
+                      <a:round/>
+                      <a:headEnd type="none" w="med" len="med"/>
+                      <a:tailEnd type="none" w="med" len="med"/>
+                    </a:lnT>
+                    <a:lnB w="12700" cap="flat" cmpd="sng" algn="ctr">
+                      <a:solidFill>
+                        <a:schemeClr val="bg1"/>
+                      </a:solidFill>
+                      <a:prstDash val="solid"/>
+                      <a:round/>
+                      <a:headEnd type="none" w="med" len="med"/>
+                      <a:tailEnd type="none" w="med" len="med"/>
+                    </a:lnB>
+                  </a:tcPr>
+                </a:tc>
+                <a:extLst>
+                  <a:ext uri="{0D108BD9-81ED-4DB2-BD59-A6C34878D82A}">
+                    <a16:rowId xmlns:a16="http://schemas.microsoft.com/office/drawing/2014/main" val="1169592317"/>
+                  </a:ext>
+                </a:extLst>
+              </a:tr>
+            </a:tbl>
+          </a:graphicData>
+        </a:graphic>
+      </p:graphicFrame>
+      <p:sp>
+        <p:nvSpPr>
+          <p:cNvPr id="7" name="TextBox 6">
+            <a:extLst>
+              <a:ext uri="{FF2B5EF4-FFF2-40B4-BE49-F238E27FC236}">
+                <a16:creationId xmlns:a16="http://schemas.microsoft.com/office/drawing/2014/main" id="{50D017C5-8E5F-41B6-98DC-DAE002695AEB}"/>
+              </a:ext>
+            </a:extLst>
+          </p:cNvPr>
+          <p:cNvSpPr txBox="1"/>
+          <p:nvPr/>
+        </p:nvSpPr>
+        <p:spPr>
+          <a:xfrm>
+            <a:off x="951732" y="4819627"/>
+            <a:ext cx="9458362" cy="646331"/>
+          </a:xfrm>
+          <a:prstGeom prst="rect">
+            <a:avLst/>
+          </a:prstGeom>
+          <a:noFill/>
+        </p:spPr>
+        <p:txBody>
+          <a:bodyPr wrap="square" rtlCol="0">
+            <a:spAutoFit/>
+          </a:bodyPr>
+          <a:lstStyle/>
+          <a:p>
+            <a:r>
+              <a:rPr lang="ko-KR" altLang="en-US" dirty="0" err="1">
+                <a:solidFill>
+                  <a:schemeClr val="bg1">
+                    <a:lumMod val="95000"/>
+                  </a:schemeClr>
+                </a:solidFill>
+              </a:rPr>
+              <a:t>ㅇ</a:t>
+            </a:r>
+            <a:r>
+              <a:rPr lang="ko-KR" altLang="en-US" dirty="0">
+                <a:solidFill>
+                  <a:schemeClr val="bg1">
+                    <a:lumMod val="95000"/>
+                  </a:schemeClr>
+                </a:solidFill>
+              </a:rPr>
+              <a:t> 노드 </a:t>
+            </a:r>
+            <a:r>
+              <a:rPr lang="en-US" altLang="ko-KR" dirty="0">
+                <a:solidFill>
+                  <a:schemeClr val="bg1">
+                    <a:lumMod val="95000"/>
+                  </a:schemeClr>
+                </a:solidFill>
+              </a:rPr>
+              <a:t>4</a:t>
+            </a:r>
+            <a:r>
+              <a:rPr lang="ko-KR" altLang="en-US" dirty="0">
+                <a:solidFill>
+                  <a:schemeClr val="bg1">
+                    <a:lumMod val="95000"/>
+                  </a:schemeClr>
+                </a:solidFill>
+              </a:rPr>
+              <a:t>의 집합 </a:t>
+            </a:r>
+            <a:r>
+              <a:rPr lang="en-US" altLang="ko-KR" dirty="0">
+                <a:solidFill>
+                  <a:schemeClr val="bg1">
+                    <a:lumMod val="95000"/>
+                  </a:schemeClr>
+                </a:solidFill>
+              </a:rPr>
+              <a:t>= </a:t>
+            </a:r>
+            <a:r>
+              <a:rPr lang="ko-KR" altLang="en-US" dirty="0">
+                <a:solidFill>
+                  <a:schemeClr val="bg1">
+                    <a:lumMod val="95000"/>
+                  </a:schemeClr>
+                </a:solidFill>
+              </a:rPr>
+              <a:t>배열</a:t>
+            </a:r>
+            <a:r>
+              <a:rPr lang="en-US" altLang="ko-KR" dirty="0">
+                <a:solidFill>
+                  <a:schemeClr val="bg1">
+                    <a:lumMod val="95000"/>
+                  </a:schemeClr>
+                </a:solidFill>
+              </a:rPr>
+              <a:t>[4] = 4 </a:t>
+            </a:r>
+            <a:r>
+              <a:rPr lang="ko-KR" altLang="en-US" dirty="0">
+                <a:solidFill>
+                  <a:schemeClr val="bg1">
+                    <a:lumMod val="95000"/>
+                  </a:schemeClr>
+                </a:solidFill>
+              </a:rPr>
+              <a:t>이므로 노드 </a:t>
+            </a:r>
+            <a:r>
+              <a:rPr lang="en-US" altLang="ko-KR" dirty="0">
+                <a:solidFill>
+                  <a:schemeClr val="bg1">
+                    <a:lumMod val="95000"/>
+                  </a:schemeClr>
+                </a:solidFill>
+              </a:rPr>
+              <a:t>4</a:t>
+            </a:r>
+            <a:r>
+              <a:rPr lang="ko-KR" altLang="en-US" dirty="0">
+                <a:solidFill>
+                  <a:schemeClr val="bg1">
+                    <a:lumMod val="95000"/>
+                  </a:schemeClr>
+                </a:solidFill>
+              </a:rPr>
+              <a:t>의 집합의 </a:t>
+            </a:r>
+            <a:r>
+              <a:rPr lang="ko-KR" altLang="en-US" dirty="0" err="1">
+                <a:solidFill>
+                  <a:schemeClr val="bg1">
+                    <a:lumMod val="95000"/>
+                  </a:schemeClr>
+                </a:solidFill>
+              </a:rPr>
+              <a:t>대표값은</a:t>
+            </a:r>
+            <a:r>
+              <a:rPr lang="ko-KR" altLang="en-US" dirty="0">
+                <a:solidFill>
+                  <a:schemeClr val="bg1">
+                    <a:lumMod val="95000"/>
+                  </a:schemeClr>
+                </a:solidFill>
+              </a:rPr>
+              <a:t> 노드 </a:t>
+            </a:r>
+            <a:r>
+              <a:rPr lang="en-US" altLang="ko-KR" dirty="0">
+                <a:solidFill>
+                  <a:schemeClr val="bg1">
+                    <a:lumMod val="95000"/>
+                  </a:schemeClr>
+                </a:solidFill>
+              </a:rPr>
+              <a:t>4</a:t>
+            </a:r>
+            <a:r>
+              <a:rPr lang="ko-KR" altLang="en-US" dirty="0">
+                <a:solidFill>
+                  <a:schemeClr val="bg1">
+                    <a:lumMod val="95000"/>
+                  </a:schemeClr>
+                </a:solidFill>
+              </a:rPr>
+              <a:t>이며</a:t>
+            </a:r>
+            <a:r>
+              <a:rPr lang="en-US" altLang="ko-KR" dirty="0">
+                <a:solidFill>
+                  <a:schemeClr val="bg1">
+                    <a:lumMod val="95000"/>
+                  </a:schemeClr>
+                </a:solidFill>
+              </a:rPr>
+              <a:t>, </a:t>
+            </a:r>
+            <a:r>
+              <a:rPr lang="ko-KR" altLang="en-US" dirty="0">
+                <a:solidFill>
+                  <a:schemeClr val="bg1">
+                    <a:lumMod val="95000"/>
+                  </a:schemeClr>
+                </a:solidFill>
+              </a:rPr>
+              <a:t>이를 통해 노드 </a:t>
+            </a:r>
+            <a:r>
+              <a:rPr lang="en-US" altLang="ko-KR" dirty="0">
+                <a:solidFill>
+                  <a:schemeClr val="bg1">
+                    <a:lumMod val="95000"/>
+                  </a:schemeClr>
+                </a:solidFill>
+              </a:rPr>
+              <a:t>7</a:t>
+            </a:r>
+            <a:r>
+              <a:rPr lang="ko-KR" altLang="en-US" dirty="0">
+                <a:solidFill>
+                  <a:schemeClr val="bg1">
+                    <a:lumMod val="95000"/>
+                  </a:schemeClr>
+                </a:solidFill>
+              </a:rPr>
+              <a:t>의 </a:t>
+            </a:r>
+            <a:r>
+              <a:rPr lang="ko-KR" altLang="en-US" dirty="0" err="1">
+                <a:solidFill>
+                  <a:schemeClr val="bg1">
+                    <a:lumMod val="95000"/>
+                  </a:schemeClr>
+                </a:solidFill>
+              </a:rPr>
+              <a:t>대표값도</a:t>
+            </a:r>
+            <a:r>
+              <a:rPr lang="ko-KR" altLang="en-US" dirty="0">
+                <a:solidFill>
+                  <a:schemeClr val="bg1">
+                    <a:lumMod val="95000"/>
+                  </a:schemeClr>
+                </a:solidFill>
+              </a:rPr>
+              <a:t> </a:t>
+            </a:r>
+            <a:r>
+              <a:rPr lang="en-US" altLang="ko-KR" dirty="0">
+                <a:solidFill>
+                  <a:schemeClr val="bg1">
+                    <a:lumMod val="95000"/>
+                  </a:schemeClr>
+                </a:solidFill>
+              </a:rPr>
+              <a:t>4</a:t>
+            </a:r>
+            <a:r>
+              <a:rPr lang="ko-KR" altLang="en-US" dirty="0">
+                <a:solidFill>
+                  <a:schemeClr val="bg1">
+                    <a:lumMod val="95000"/>
+                  </a:schemeClr>
+                </a:solidFill>
+              </a:rPr>
+              <a:t>라는 사실을 알 수 있음</a:t>
+            </a:r>
+            <a:r>
+              <a:rPr lang="en-US" altLang="ko-KR" dirty="0">
+                <a:solidFill>
+                  <a:schemeClr val="bg1">
+                    <a:lumMod val="95000"/>
+                  </a:schemeClr>
+                </a:solidFill>
+              </a:rPr>
+              <a:t>.</a:t>
+            </a:r>
+          </a:p>
+        </p:txBody>
+      </p:sp>
+      <p:graphicFrame>
+        <p:nvGraphicFramePr>
+          <p:cNvPr id="8" name="표 7">
+            <a:extLst>
+              <a:ext uri="{FF2B5EF4-FFF2-40B4-BE49-F238E27FC236}">
+                <a16:creationId xmlns:a16="http://schemas.microsoft.com/office/drawing/2014/main" id="{2C90A15C-97C8-4971-BED4-1893353B04BF}"/>
+              </a:ext>
+            </a:extLst>
+          </p:cNvPr>
+          <p:cNvGraphicFramePr>
+            <a:graphicFrameLocks noGrp="1"/>
+          </p:cNvGraphicFramePr>
+          <p:nvPr>
+            <p:extLst>
+              <p:ext uri="{D42A27DB-BD31-4B8C-83A1-F6EECF244321}">
+                <p14:modId xmlns:p14="http://schemas.microsoft.com/office/powerpoint/2010/main" val="2590439963"/>
+              </p:ext>
+            </p:extLst>
+          </p:nvPr>
+        </p:nvGraphicFramePr>
+        <p:xfrm>
+          <a:off x="785451" y="5729308"/>
+          <a:ext cx="9982824" cy="646331"/>
+        </p:xfrm>
+        <a:graphic>
+          <a:graphicData uri="http://schemas.openxmlformats.org/drawingml/2006/table">
+            <a:tbl>
+              <a:tblPr/>
+              <a:tblGrid>
+                <a:gridCol w="1247853">
+                  <a:extLst>
+                    <a:ext uri="{9D8B030D-6E8A-4147-A177-3AD203B41FA5}">
+                      <a16:colId xmlns:a16="http://schemas.microsoft.com/office/drawing/2014/main" val="3221884234"/>
+                    </a:ext>
+                  </a:extLst>
+                </a:gridCol>
+                <a:gridCol w="1247853">
+                  <a:extLst>
+                    <a:ext uri="{9D8B030D-6E8A-4147-A177-3AD203B41FA5}">
+                      <a16:colId xmlns:a16="http://schemas.microsoft.com/office/drawing/2014/main" val="1378666724"/>
+                    </a:ext>
+                  </a:extLst>
+                </a:gridCol>
+                <a:gridCol w="1247853">
+                  <a:extLst>
+                    <a:ext uri="{9D8B030D-6E8A-4147-A177-3AD203B41FA5}">
+                      <a16:colId xmlns:a16="http://schemas.microsoft.com/office/drawing/2014/main" val="2981916489"/>
+                    </a:ext>
+                  </a:extLst>
+                </a:gridCol>
+                <a:gridCol w="1247853">
+                  <a:extLst>
+                    <a:ext uri="{9D8B030D-6E8A-4147-A177-3AD203B41FA5}">
+                      <a16:colId xmlns:a16="http://schemas.microsoft.com/office/drawing/2014/main" val="2446702814"/>
+                    </a:ext>
+                  </a:extLst>
+                </a:gridCol>
+                <a:gridCol w="1247853">
+                  <a:extLst>
+                    <a:ext uri="{9D8B030D-6E8A-4147-A177-3AD203B41FA5}">
+                      <a16:colId xmlns:a16="http://schemas.microsoft.com/office/drawing/2014/main" val="3232487043"/>
+                    </a:ext>
+                  </a:extLst>
+                </a:gridCol>
+                <a:gridCol w="1247853">
+                  <a:extLst>
+                    <a:ext uri="{9D8B030D-6E8A-4147-A177-3AD203B41FA5}">
+                      <a16:colId xmlns:a16="http://schemas.microsoft.com/office/drawing/2014/main" val="3564761673"/>
+                    </a:ext>
+                  </a:extLst>
+                </a:gridCol>
+                <a:gridCol w="1247853">
+                  <a:extLst>
+                    <a:ext uri="{9D8B030D-6E8A-4147-A177-3AD203B41FA5}">
+                      <a16:colId xmlns:a16="http://schemas.microsoft.com/office/drawing/2014/main" val="751366682"/>
+                    </a:ext>
+                  </a:extLst>
+                </a:gridCol>
+                <a:gridCol w="1247853">
+                  <a:extLst>
+                    <a:ext uri="{9D8B030D-6E8A-4147-A177-3AD203B41FA5}">
+                      <a16:colId xmlns:a16="http://schemas.microsoft.com/office/drawing/2014/main" val="72017382"/>
+                    </a:ext>
+                  </a:extLst>
+                </a:gridCol>
+              </a:tblGrid>
+              <a:tr h="646331">
+                <a:tc>
+                  <a:txBody>
+                    <a:bodyPr/>
+                    <a:lstStyle/>
+                    <a:p>
+                      <a:pPr algn="ctr" latinLnBrk="1"/>
+                      <a:r>
+                        <a:rPr lang="en-US" altLang="ko-KR" sz="2400" dirty="0">
+                          <a:solidFill>
+                            <a:schemeClr val="bg1">
+                              <a:lumMod val="85000"/>
+                            </a:schemeClr>
+                          </a:solidFill>
+                        </a:rPr>
+                        <a:t>0</a:t>
+                      </a:r>
+                      <a:endParaRPr lang="ko-KR" altLang="en-US" sz="2400" dirty="0">
+                        <a:solidFill>
+                          <a:schemeClr val="bg1">
+                            <a:lumMod val="85000"/>
+                          </a:schemeClr>
+                        </a:solidFill>
+                      </a:endParaRPr>
+                    </a:p>
+                  </a:txBody>
+                  <a:tcPr anchor="ctr">
+                    <a:lnL w="12700" cmpd="sng">
+                      <a:solidFill>
+                        <a:schemeClr val="bg1"/>
+                      </a:solidFill>
+                      <a:prstDash val="solid"/>
+                    </a:lnL>
+                    <a:lnR w="12700" cap="flat" cmpd="sng" algn="ctr">
+                      <a:solidFill>
+                        <a:schemeClr val="bg1"/>
+                      </a:solidFill>
+                      <a:prstDash val="solid"/>
+                      <a:round/>
+                      <a:headEnd type="none" w="med" len="med"/>
+                      <a:tailEnd type="none" w="med" len="med"/>
+                    </a:lnR>
+                    <a:lnT w="12700" cmpd="sng">
+                      <a:solidFill>
+                        <a:schemeClr val="bg1"/>
+                      </a:solidFill>
+                      <a:prstDash val="solid"/>
+                    </a:lnT>
+                    <a:lnB w="12700" cmpd="sng">
+                      <a:solidFill>
+                        <a:schemeClr val="bg1"/>
+                      </a:solidFill>
+                      <a:prstDash val="solid"/>
+                    </a:lnB>
+                  </a:tcPr>
+                </a:tc>
+                <a:tc>
+                  <a:txBody>
+                    <a:bodyPr/>
+                    <a:lstStyle/>
+                    <a:p>
+                      <a:pPr algn="ctr" latinLnBrk="1"/>
+                      <a:r>
+                        <a:rPr lang="en-US" altLang="ko-KR" sz="2400" b="0" dirty="0">
+                          <a:solidFill>
+                            <a:schemeClr val="bg1">
+                              <a:lumMod val="85000"/>
+                            </a:schemeClr>
+                          </a:solidFill>
+                        </a:rPr>
+                        <a:t>1</a:t>
+                      </a:r>
+                      <a:endParaRPr lang="ko-KR" altLang="en-US" sz="2400" b="0" dirty="0">
+                        <a:solidFill>
+                          <a:schemeClr val="bg1">
+                            <a:lumMod val="85000"/>
+                          </a:schemeClr>
+                        </a:solidFill>
+                      </a:endParaRPr>
+                    </a:p>
+                  </a:txBody>
+                  <a:tcPr anchor="ctr">
+                    <a:lnL w="12700" cap="flat" cmpd="sng" algn="ctr">
+                      <a:solidFill>
+                        <a:schemeClr val="bg1"/>
+                      </a:solidFill>
+                      <a:prstDash val="solid"/>
+                      <a:round/>
+                      <a:headEnd type="none" w="med" len="med"/>
+                      <a:tailEnd type="none" w="med" len="med"/>
+                    </a:lnL>
+                    <a:lnR w="12700" cap="flat" cmpd="sng" algn="ctr">
+                      <a:solidFill>
+                        <a:schemeClr val="bg1"/>
+                      </a:solidFill>
+                      <a:prstDash val="solid"/>
+                      <a:round/>
+                      <a:headEnd type="none" w="med" len="med"/>
+                      <a:tailEnd type="none" w="med" len="med"/>
+                    </a:lnR>
+                    <a:lnT w="12700" cap="flat" cmpd="sng" algn="ctr">
+                      <a:solidFill>
+                        <a:schemeClr val="bg1"/>
+                      </a:solidFill>
+                      <a:prstDash val="solid"/>
+                      <a:round/>
+                      <a:headEnd type="none" w="med" len="med"/>
+                      <a:tailEnd type="none" w="med" len="med"/>
+                    </a:lnT>
+                    <a:lnB w="12700" cap="flat" cmpd="sng" algn="ctr">
+                      <a:solidFill>
+                        <a:schemeClr val="bg1"/>
+                      </a:solidFill>
+                      <a:prstDash val="solid"/>
+                      <a:round/>
+                      <a:headEnd type="none" w="med" len="med"/>
+                      <a:tailEnd type="none" w="med" len="med"/>
+                    </a:lnB>
+                  </a:tcPr>
+                </a:tc>
+                <a:tc>
+                  <a:txBody>
+                    <a:bodyPr/>
+                    <a:lstStyle/>
+                    <a:p>
+                      <a:pPr algn="ctr" latinLnBrk="1"/>
+                      <a:r>
+                        <a:rPr lang="en-US" altLang="ko-KR" sz="2400" b="0" dirty="0">
+                          <a:solidFill>
+                            <a:schemeClr val="bg1">
+                              <a:lumMod val="85000"/>
+                            </a:schemeClr>
+                          </a:solidFill>
+                        </a:rPr>
+                        <a:t>1</a:t>
+                      </a:r>
+                      <a:endParaRPr lang="ko-KR" altLang="en-US" sz="2400" b="0" dirty="0">
+                        <a:solidFill>
+                          <a:schemeClr val="bg1">
+                            <a:lumMod val="85000"/>
+                          </a:schemeClr>
+                        </a:solidFill>
+                      </a:endParaRPr>
+                    </a:p>
+                  </a:txBody>
+                  <a:tcPr anchor="ctr">
+                    <a:lnL w="12700" cap="flat" cmpd="sng" algn="ctr">
+                      <a:solidFill>
+                        <a:schemeClr val="bg1"/>
+                      </a:solidFill>
+                      <a:prstDash val="solid"/>
+                      <a:round/>
+                      <a:headEnd type="none" w="med" len="med"/>
+                      <a:tailEnd type="none" w="med" len="med"/>
+                    </a:lnL>
+                    <a:lnR w="12700" cap="flat" cmpd="sng" algn="ctr">
+                      <a:solidFill>
+                        <a:schemeClr val="bg1"/>
+                      </a:solidFill>
+                      <a:prstDash val="solid"/>
+                      <a:round/>
+                      <a:headEnd type="none" w="med" len="med"/>
+                      <a:tailEnd type="none" w="med" len="med"/>
+                    </a:lnR>
+                    <a:lnT w="12700" cap="flat" cmpd="sng" algn="ctr">
+                      <a:solidFill>
+                        <a:schemeClr val="bg1"/>
+                      </a:solidFill>
+                      <a:prstDash val="solid"/>
+                      <a:round/>
+                      <a:headEnd type="none" w="med" len="med"/>
+                      <a:tailEnd type="none" w="med" len="med"/>
+                    </a:lnT>
+                    <a:lnB w="12700" cap="flat" cmpd="sng" algn="ctr">
+                      <a:solidFill>
+                        <a:schemeClr val="bg1"/>
+                      </a:solidFill>
+                      <a:prstDash val="solid"/>
+                      <a:round/>
+                      <a:headEnd type="none" w="med" len="med"/>
+                      <a:tailEnd type="none" w="med" len="med"/>
+                    </a:lnB>
+                  </a:tcPr>
+                </a:tc>
+                <a:tc>
+                  <a:txBody>
+                    <a:bodyPr/>
+                    <a:lstStyle/>
+                    <a:p>
+                      <a:pPr algn="ctr" latinLnBrk="1"/>
+                      <a:r>
+                        <a:rPr lang="en-US" altLang="ko-KR" sz="2400" b="0" dirty="0">
+                          <a:solidFill>
+                            <a:schemeClr val="bg1">
+                              <a:lumMod val="85000"/>
+                            </a:schemeClr>
+                          </a:solidFill>
+                        </a:rPr>
+                        <a:t>1</a:t>
+                      </a:r>
+                      <a:endParaRPr lang="ko-KR" altLang="en-US" sz="2400" b="0" dirty="0">
+                        <a:solidFill>
+                          <a:schemeClr val="bg1">
+                            <a:lumMod val="85000"/>
+                          </a:schemeClr>
+                        </a:solidFill>
+                      </a:endParaRPr>
+                    </a:p>
+                  </a:txBody>
+                  <a:tcPr anchor="ctr">
+                    <a:lnL w="12700" cap="flat" cmpd="sng" algn="ctr">
+                      <a:solidFill>
+                        <a:schemeClr val="bg1"/>
+                      </a:solidFill>
+                      <a:prstDash val="solid"/>
+                      <a:round/>
+                      <a:headEnd type="none" w="med" len="med"/>
+                      <a:tailEnd type="none" w="med" len="med"/>
+                    </a:lnL>
+                    <a:lnR w="12700" cap="flat" cmpd="sng" algn="ctr">
+                      <a:solidFill>
+                        <a:schemeClr val="bg1"/>
+                      </a:solidFill>
+                      <a:prstDash val="solid"/>
+                      <a:round/>
+                      <a:headEnd type="none" w="med" len="med"/>
+                      <a:tailEnd type="none" w="med" len="med"/>
+                    </a:lnR>
+                    <a:lnT w="12700" cap="flat" cmpd="sng" algn="ctr">
+                      <a:solidFill>
+                        <a:schemeClr val="bg1"/>
+                      </a:solidFill>
+                      <a:prstDash val="solid"/>
+                      <a:round/>
+                      <a:headEnd type="none" w="med" len="med"/>
+                      <a:tailEnd type="none" w="med" len="med"/>
+                    </a:lnT>
+                    <a:lnB w="12700" cap="flat" cmpd="sng" algn="ctr">
+                      <a:solidFill>
+                        <a:schemeClr val="bg1"/>
+                      </a:solidFill>
+                      <a:prstDash val="solid"/>
+                      <a:round/>
+                      <a:headEnd type="none" w="med" len="med"/>
+                      <a:tailEnd type="none" w="med" len="med"/>
+                    </a:lnB>
+                  </a:tcPr>
+                </a:tc>
+                <a:tc>
+                  <a:txBody>
+                    <a:bodyPr/>
+                    <a:lstStyle/>
+                    <a:p>
+                      <a:pPr algn="ctr" latinLnBrk="1"/>
+                      <a:r>
+                        <a:rPr lang="en-US" altLang="ko-KR" sz="2400" b="1" dirty="0">
+                          <a:solidFill>
+                            <a:srgbClr val="FF0000"/>
+                          </a:solidFill>
+                        </a:rPr>
+                        <a:t>4</a:t>
+                      </a:r>
+                      <a:endParaRPr lang="ko-KR" altLang="en-US" sz="2400" b="1" dirty="0">
+                        <a:solidFill>
+                          <a:srgbClr val="FF0000"/>
+                        </a:solidFill>
+                      </a:endParaRPr>
+                    </a:p>
+                  </a:txBody>
+                  <a:tcPr anchor="ctr">
+                    <a:lnL w="12700" cap="flat" cmpd="sng" algn="ctr">
+                      <a:solidFill>
+                        <a:schemeClr val="bg1"/>
+                      </a:solidFill>
+                      <a:prstDash val="solid"/>
+                      <a:round/>
+                      <a:headEnd type="none" w="med" len="med"/>
+                      <a:tailEnd type="none" w="med" len="med"/>
+                    </a:lnL>
+                    <a:lnR w="12700" cap="flat" cmpd="sng" algn="ctr">
+                      <a:solidFill>
+                        <a:schemeClr val="bg1"/>
+                      </a:solidFill>
+                      <a:prstDash val="solid"/>
+                      <a:round/>
+                      <a:headEnd type="none" w="med" len="med"/>
+                      <a:tailEnd type="none" w="med" len="med"/>
+                    </a:lnR>
+                    <a:lnT w="12700" cap="flat" cmpd="sng" algn="ctr">
+                      <a:solidFill>
+                        <a:schemeClr val="bg1"/>
+                      </a:solidFill>
+                      <a:prstDash val="solid"/>
+                      <a:round/>
+                      <a:headEnd type="none" w="med" len="med"/>
+                      <a:tailEnd type="none" w="med" len="med"/>
+                    </a:lnT>
+                    <a:lnB w="12700" cap="flat" cmpd="sng" algn="ctr">
+                      <a:solidFill>
+                        <a:schemeClr val="bg1"/>
+                      </a:solidFill>
+                      <a:prstDash val="solid"/>
+                      <a:round/>
+                      <a:headEnd type="none" w="med" len="med"/>
+                      <a:tailEnd type="none" w="med" len="med"/>
+                    </a:lnB>
+                  </a:tcPr>
+                </a:tc>
+                <a:tc>
+                  <a:txBody>
+                    <a:bodyPr/>
+                    <a:lstStyle/>
+                    <a:p>
+                      <a:pPr algn="ctr" latinLnBrk="1"/>
+                      <a:r>
+                        <a:rPr lang="en-US" altLang="ko-KR" sz="2400" b="0" dirty="0">
+                          <a:solidFill>
+                            <a:schemeClr val="bg1">
+                              <a:lumMod val="85000"/>
+                            </a:schemeClr>
+                          </a:solidFill>
+                        </a:rPr>
+                        <a:t>4</a:t>
+                      </a:r>
+                      <a:endParaRPr lang="ko-KR" altLang="en-US" sz="2400" b="0" dirty="0">
+                        <a:solidFill>
+                          <a:schemeClr val="bg1">
+                            <a:lumMod val="85000"/>
+                          </a:schemeClr>
+                        </a:solidFill>
+                      </a:endParaRPr>
+                    </a:p>
+                  </a:txBody>
+                  <a:tcPr anchor="ctr">
+                    <a:lnL w="12700" cap="flat" cmpd="sng" algn="ctr">
+                      <a:solidFill>
+                        <a:schemeClr val="bg1"/>
+                      </a:solidFill>
+                      <a:prstDash val="solid"/>
+                      <a:round/>
+                      <a:headEnd type="none" w="med" len="med"/>
+                      <a:tailEnd type="none" w="med" len="med"/>
+                    </a:lnL>
+                    <a:lnR w="12700" cap="flat" cmpd="sng" algn="ctr">
+                      <a:solidFill>
+                        <a:schemeClr val="bg1"/>
+                      </a:solidFill>
+                      <a:prstDash val="solid"/>
+                      <a:round/>
+                      <a:headEnd type="none" w="med" len="med"/>
+                      <a:tailEnd type="none" w="med" len="med"/>
+                    </a:lnR>
+                    <a:lnT w="12700" cap="flat" cmpd="sng" algn="ctr">
+                      <a:solidFill>
+                        <a:schemeClr val="bg1"/>
+                      </a:solidFill>
+                      <a:prstDash val="solid"/>
+                      <a:round/>
+                      <a:headEnd type="none" w="med" len="med"/>
+                      <a:tailEnd type="none" w="med" len="med"/>
+                    </a:lnT>
+                    <a:lnB w="12700" cap="flat" cmpd="sng" algn="ctr">
+                      <a:solidFill>
+                        <a:schemeClr val="bg1"/>
+                      </a:solidFill>
+                      <a:prstDash val="solid"/>
+                      <a:round/>
+                      <a:headEnd type="none" w="med" len="med"/>
+                      <a:tailEnd type="none" w="med" len="med"/>
+                    </a:lnB>
+                  </a:tcPr>
+                </a:tc>
+                <a:tc>
+                  <a:txBody>
+                    <a:bodyPr/>
+                    <a:lstStyle/>
+                    <a:p>
+                      <a:pPr algn="ctr" latinLnBrk="1"/>
+                      <a:r>
+                        <a:rPr lang="en-US" altLang="ko-KR" sz="2400" b="0" dirty="0">
+                          <a:solidFill>
+                            <a:schemeClr val="bg1">
+                              <a:lumMod val="85000"/>
+                            </a:schemeClr>
+                          </a:solidFill>
+                        </a:rPr>
+                        <a:t>5</a:t>
+                      </a:r>
+                      <a:endParaRPr lang="ko-KR" altLang="en-US" sz="2400" b="0" dirty="0">
+                        <a:solidFill>
+                          <a:schemeClr val="bg1">
+                            <a:lumMod val="85000"/>
+                          </a:schemeClr>
+                        </a:solidFill>
+                      </a:endParaRPr>
+                    </a:p>
+                  </a:txBody>
+                  <a:tcPr anchor="ctr">
+                    <a:lnL w="12700" cap="flat" cmpd="sng" algn="ctr">
+                      <a:solidFill>
+                        <a:schemeClr val="bg1"/>
+                      </a:solidFill>
+                      <a:prstDash val="solid"/>
+                      <a:round/>
+                      <a:headEnd type="none" w="med" len="med"/>
+                      <a:tailEnd type="none" w="med" len="med"/>
+                    </a:lnL>
+                    <a:lnR w="12700" cap="flat" cmpd="sng" algn="ctr">
+                      <a:solidFill>
+                        <a:schemeClr val="bg1"/>
+                      </a:solidFill>
+                      <a:prstDash val="solid"/>
+                      <a:round/>
+                      <a:headEnd type="none" w="med" len="med"/>
+                      <a:tailEnd type="none" w="med" len="med"/>
+                    </a:lnR>
+                    <a:lnT w="12700" cap="flat" cmpd="sng" algn="ctr">
+                      <a:solidFill>
+                        <a:schemeClr val="bg1"/>
+                      </a:solidFill>
+                      <a:prstDash val="solid"/>
+                      <a:round/>
+                      <a:headEnd type="none" w="med" len="med"/>
+                      <a:tailEnd type="none" w="med" len="med"/>
+                    </a:lnT>
+                    <a:lnB w="12700" cap="flat" cmpd="sng" algn="ctr">
+                      <a:solidFill>
+                        <a:schemeClr val="bg1"/>
+                      </a:solidFill>
+                      <a:prstDash val="solid"/>
+                      <a:round/>
+                      <a:headEnd type="none" w="med" len="med"/>
+                      <a:tailEnd type="none" w="med" len="med"/>
+                    </a:lnB>
+                  </a:tcPr>
+                </a:tc>
+                <a:tc>
+                  <a:txBody>
+                    <a:bodyPr/>
+                    <a:lstStyle/>
+                    <a:p>
+                      <a:pPr algn="ctr" latinLnBrk="1"/>
+                      <a:r>
+                        <a:rPr lang="en-US" altLang="ko-KR" sz="2400" b="1" dirty="0">
+                          <a:solidFill>
+                            <a:srgbClr val="FF0000"/>
+                          </a:solidFill>
+                        </a:rPr>
+                        <a:t>4</a:t>
+                      </a:r>
+                      <a:endParaRPr lang="ko-KR" altLang="en-US" sz="2400" b="1" dirty="0">
+                        <a:solidFill>
+                          <a:srgbClr val="FF0000"/>
+                        </a:solidFill>
+                      </a:endParaRPr>
+                    </a:p>
+                  </a:txBody>
+                  <a:tcPr anchor="ctr">
+                    <a:lnL w="12700" cap="flat" cmpd="sng" algn="ctr">
+                      <a:solidFill>
+                        <a:schemeClr val="bg1"/>
+                      </a:solidFill>
+                      <a:prstDash val="solid"/>
+                      <a:round/>
+                      <a:headEnd type="none" w="med" len="med"/>
+                      <a:tailEnd type="none" w="med" len="med"/>
+                    </a:lnL>
+                    <a:lnR w="12700" cmpd="sng">
+                      <a:solidFill>
+                        <a:schemeClr val="bg1"/>
+                      </a:solidFill>
+                      <a:prstDash val="solid"/>
+                    </a:lnR>
+                    <a:lnT w="12700" cap="flat" cmpd="sng" algn="ctr">
+                      <a:solidFill>
+                        <a:schemeClr val="bg1"/>
+                      </a:solidFill>
+                      <a:prstDash val="solid"/>
+                      <a:round/>
+                      <a:headEnd type="none" w="med" len="med"/>
+                      <a:tailEnd type="none" w="med" len="med"/>
+                    </a:lnT>
+                    <a:lnB w="12700" cap="flat" cmpd="sng" algn="ctr">
+                      <a:solidFill>
+                        <a:schemeClr val="bg1"/>
+                      </a:solidFill>
+                      <a:prstDash val="solid"/>
+                      <a:round/>
+                      <a:headEnd type="none" w="med" len="med"/>
+                      <a:tailEnd type="none" w="med" len="med"/>
+                    </a:lnB>
+                  </a:tcPr>
+                </a:tc>
+                <a:extLst>
+                  <a:ext uri="{0D108BD9-81ED-4DB2-BD59-A6C34878D82A}">
+                    <a16:rowId xmlns:a16="http://schemas.microsoft.com/office/drawing/2014/main" val="1169592317"/>
+                  </a:ext>
+                </a:extLst>
+              </a:tr>
+            </a:tbl>
+          </a:graphicData>
+        </a:graphic>
+      </p:graphicFrame>
+    </p:spTree>
+    <p:extLst>
+      <p:ext uri="{BB962C8B-B14F-4D97-AF65-F5344CB8AC3E}">
+        <p14:creationId xmlns:p14="http://schemas.microsoft.com/office/powerpoint/2010/main" val="2941408081"/>
+      </p:ext>
+    </p:extLst>
+  </p:cSld>
+  <p:clrMapOvr>
+    <a:masterClrMapping/>
+  </p:clrMapOvr>
+</p:sld>
+</file>
+
 <file path=ppt/slides/slide2.xml><?xml version="1.0" encoding="utf-8"?>
 <p:sld xmlns:a="http://schemas.openxmlformats.org/drawingml/2006/main" xmlns:r="http://schemas.openxmlformats.org/officeDocument/2006/relationships" xmlns:p="http://schemas.openxmlformats.org/presentationml/2006/main">
   <p:cSld>
@@ -4980,13 +8012,13 @@
           <p:nvPr>
             <p:extLst>
               <p:ext uri="{D42A27DB-BD31-4B8C-83A1-F6EECF244321}">
-                <p14:modId xmlns:p14="http://schemas.microsoft.com/office/powerpoint/2010/main" val="3179755598"/>
+                <p14:modId xmlns:p14="http://schemas.microsoft.com/office/powerpoint/2010/main" val="3102089987"/>
               </p:ext>
             </p:extLst>
           </p:nvPr>
         </p:nvGraphicFramePr>
         <p:xfrm>
-          <a:off x="844065" y="1309731"/>
+          <a:off x="844065" y="1333184"/>
           <a:ext cx="9982824" cy="646331"/>
         </p:xfrm>
         <a:graphic>
@@ -5185,7 +8217,7 @@
                             </a:schemeClr>
                           </a:solidFill>
                         </a:rPr>
-                        <a:t>1</a:t>
+                        <a:t>2</a:t>
                       </a:r>
                       <a:endParaRPr lang="ko-KR" altLang="en-US" sz="2400" dirty="0">
                         <a:solidFill>
@@ -5249,7 +8281,7 @@
                             </a:schemeClr>
                           </a:solidFill>
                         </a:rPr>
-                        <a:t>2</a:t>
+                        <a:t>3</a:t>
                       </a:r>
                       <a:endParaRPr lang="ko-KR" altLang="en-US" sz="2400" dirty="0">
                         <a:solidFill>
@@ -5305,6 +8337,16 @@
                     <a:lstStyle/>
                     <a:p>
                       <a:pPr algn="ctr" latinLnBrk="1"/>
+                      <a:r>
+                        <a:rPr lang="en-US" altLang="ko-KR" sz="2400" dirty="0">
+                          <a:solidFill>
+                            <a:schemeClr val="bg1">
+                              <a:lumMod val="85000"/>
+                            </a:schemeClr>
+                          </a:solidFill>
+                        </a:rPr>
+                        <a:t>4</a:t>
+                      </a:r>
                       <a:endParaRPr lang="ko-KR" altLang="en-US" sz="2400" dirty="0">
                         <a:solidFill>
                           <a:schemeClr val="bg1">
@@ -5359,6 +8401,16 @@
                     <a:lstStyle/>
                     <a:p>
                       <a:pPr algn="ctr" latinLnBrk="1"/>
+                      <a:r>
+                        <a:rPr lang="en-US" altLang="ko-KR" sz="2400" dirty="0">
+                          <a:solidFill>
+                            <a:schemeClr val="bg1">
+                              <a:lumMod val="85000"/>
+                            </a:schemeClr>
+                          </a:solidFill>
+                        </a:rPr>
+                        <a:t>5</a:t>
+                      </a:r>
                       <a:endParaRPr lang="ko-KR" altLang="en-US" sz="2400" dirty="0">
                         <a:solidFill>
                           <a:schemeClr val="bg1">
@@ -5413,6 +8465,16 @@
                     <a:lstStyle/>
                     <a:p>
                       <a:pPr algn="ctr" latinLnBrk="1"/>
+                      <a:r>
+                        <a:rPr lang="en-US" altLang="ko-KR" sz="2400" dirty="0">
+                          <a:solidFill>
+                            <a:schemeClr val="bg1">
+                              <a:lumMod val="85000"/>
+                            </a:schemeClr>
+                          </a:solidFill>
+                        </a:rPr>
+                        <a:t>6</a:t>
+                      </a:r>
                       <a:endParaRPr lang="ko-KR" altLang="en-US" sz="2400" dirty="0">
                         <a:solidFill>
                           <a:schemeClr val="bg1">
@@ -5467,6 +8529,16 @@
                     <a:lstStyle/>
                     <a:p>
                       <a:pPr algn="ctr" latinLnBrk="1"/>
+                      <a:r>
+                        <a:rPr lang="en-US" altLang="ko-KR" sz="2400" dirty="0">
+                          <a:solidFill>
+                            <a:schemeClr val="bg1">
+                              <a:lumMod val="85000"/>
+                            </a:schemeClr>
+                          </a:solidFill>
+                        </a:rPr>
+                        <a:t>7</a:t>
+                      </a:r>
                       <a:endParaRPr lang="ko-KR" altLang="en-US" sz="2400" dirty="0">
                         <a:solidFill>
                           <a:schemeClr val="bg1">
@@ -5524,10 +8596,10 @@
       </p:graphicFrame>
       <p:sp>
         <p:nvSpPr>
-          <p:cNvPr id="9" name="TextBox 8">
+          <p:cNvPr id="14" name="TextBox 13">
             <a:extLst>
               <a:ext uri="{FF2B5EF4-FFF2-40B4-BE49-F238E27FC236}">
-                <a16:creationId xmlns:a16="http://schemas.microsoft.com/office/drawing/2014/main" id="{B396ED95-C602-4BC9-BD1C-812CAB3E1DD8}"/>
+                <a16:creationId xmlns:a16="http://schemas.microsoft.com/office/drawing/2014/main" id="{085D0EC4-2E3C-40D4-B8A1-334E696EA683}"/>
               </a:ext>
             </a:extLst>
           </p:cNvPr>
@@ -5536,8 +8608,8 @@
         </p:nvSpPr>
         <p:spPr>
           <a:xfrm>
-            <a:off x="5180035" y="860975"/>
-            <a:ext cx="1463954" cy="369332"/>
+            <a:off x="799330" y="435207"/>
+            <a:ext cx="3643716" cy="369332"/>
           </a:xfrm>
           <a:prstGeom prst="rect">
             <a:avLst/>
@@ -5551,6 +8623,16 @@
           <a:lstStyle/>
           <a:p>
             <a:r>
+              <a:rPr lang="ko-KR" altLang="en-US" dirty="0" err="1">
+                <a:solidFill>
+                  <a:schemeClr val="bg1">
+                    <a:lumMod val="95000"/>
+                  </a:schemeClr>
+                </a:solidFill>
+              </a:rPr>
+              <a:t>ㅇ</a:t>
+            </a:r>
+            <a:r>
               <a:rPr lang="ko-KR" altLang="en-US" dirty="0">
                 <a:solidFill>
                   <a:schemeClr val="bg1">
@@ -5558,68 +8640,94 @@
                   </a:schemeClr>
                 </a:solidFill>
               </a:rPr>
-              <a:t>수열 테이블</a:t>
-            </a:r>
+              <a:t> 그래프 저장 구조 </a:t>
+            </a:r>
+            <a:r>
+              <a:rPr lang="en-US" altLang="ko-KR" dirty="0">
+                <a:solidFill>
+                  <a:schemeClr val="bg1">
+                    <a:lumMod val="95000"/>
+                  </a:schemeClr>
+                </a:solidFill>
+              </a:rPr>
+              <a:t>(</a:t>
+            </a:r>
+            <a:r>
+              <a:rPr lang="ko-KR" altLang="en-US" dirty="0">
+                <a:solidFill>
+                  <a:schemeClr val="bg1">
+                    <a:lumMod val="95000"/>
+                  </a:schemeClr>
+                </a:solidFill>
+              </a:rPr>
+              <a:t>초기값</a:t>
+            </a:r>
+            <a:r>
+              <a:rPr lang="en-US" altLang="ko-KR" dirty="0">
+                <a:solidFill>
+                  <a:schemeClr val="bg1">
+                    <a:lumMod val="95000"/>
+                  </a:schemeClr>
+                </a:solidFill>
+              </a:rPr>
+              <a:t>)</a:t>
+            </a:r>
+            <a:endParaRPr lang="ko-KR" altLang="en-US" dirty="0">
+              <a:solidFill>
+                <a:schemeClr val="bg1">
+                  <a:lumMod val="95000"/>
+                </a:schemeClr>
+              </a:solidFill>
+            </a:endParaRPr>
           </a:p>
         </p:txBody>
       </p:sp>
-      <p:sp>
-        <p:nvSpPr>
-          <p:cNvPr id="14" name="TextBox 13">
+    </p:spTree>
+    <p:extLst>
+      <p:ext uri="{BB962C8B-B14F-4D97-AF65-F5344CB8AC3E}">
+        <p14:creationId xmlns:p14="http://schemas.microsoft.com/office/powerpoint/2010/main" val="1390913482"/>
+      </p:ext>
+    </p:extLst>
+  </p:cSld>
+  <p:clrMapOvr>
+    <a:masterClrMapping/>
+  </p:clrMapOvr>
+</p:sld>
+</file>
+
+<file path=ppt/slides/slide4.xml><?xml version="1.0" encoding="utf-8"?>
+<p:sld xmlns:a="http://schemas.openxmlformats.org/drawingml/2006/main" xmlns:r="http://schemas.openxmlformats.org/officeDocument/2006/relationships" xmlns:p="http://schemas.openxmlformats.org/presentationml/2006/main">
+  <p:cSld>
+    <p:bg>
+      <p:bgPr>
+        <a:solidFill>
+          <a:schemeClr val="tx2">
+            <a:lumMod val="50000"/>
+          </a:schemeClr>
+        </a:solidFill>
+        <a:effectLst/>
+      </p:bgPr>
+    </p:bg>
+    <p:spTree>
+      <p:nvGrpSpPr>
+        <p:cNvPr id="1" name=""/>
+        <p:cNvGrpSpPr/>
+        <p:nvPr/>
+      </p:nvGrpSpPr>
+      <p:grpSpPr>
+        <a:xfrm>
+          <a:off x="0" y="0"/>
+          <a:ext cx="0" cy="0"/>
+          <a:chOff x="0" y="0"/>
+          <a:chExt cx="0" cy="0"/>
+        </a:xfrm>
+      </p:grpSpPr>
+      <p:graphicFrame>
+        <p:nvGraphicFramePr>
+          <p:cNvPr id="6" name="표 5">
             <a:extLst>
               <a:ext uri="{FF2B5EF4-FFF2-40B4-BE49-F238E27FC236}">
-                <a16:creationId xmlns:a16="http://schemas.microsoft.com/office/drawing/2014/main" id="{085D0EC4-2E3C-40D4-B8A1-334E696EA683}"/>
-              </a:ext>
-            </a:extLst>
-          </p:cNvPr>
-          <p:cNvSpPr txBox="1"/>
-          <p:nvPr/>
-        </p:nvSpPr>
-        <p:spPr>
-          <a:xfrm>
-            <a:off x="799330" y="517261"/>
-            <a:ext cx="1593673" cy="369332"/>
-          </a:xfrm>
-          <a:prstGeom prst="rect">
-            <a:avLst/>
-          </a:prstGeom>
-          <a:noFill/>
-        </p:spPr>
-        <p:txBody>
-          <a:bodyPr wrap="square" rtlCol="0">
-            <a:spAutoFit/>
-          </a:bodyPr>
-          <a:lstStyle/>
-          <a:p>
-            <a:r>
-              <a:rPr lang="en-US" altLang="ko-KR" dirty="0">
-                <a:solidFill>
-                  <a:schemeClr val="bg1">
-                    <a:lumMod val="95000"/>
-                  </a:schemeClr>
-                </a:solidFill>
-              </a:rPr>
-              <a:t>N = 3</a:t>
-            </a:r>
-            <a:r>
-              <a:rPr lang="ko-KR" altLang="en-US" dirty="0">
-                <a:solidFill>
-                  <a:schemeClr val="bg1">
-                    <a:lumMod val="95000"/>
-                  </a:schemeClr>
-                </a:solidFill>
-              </a:rPr>
-              <a:t>일 때</a:t>
-            </a:r>
-          </a:p>
-        </p:txBody>
-      </p:sp>
-      <p:graphicFrame>
-        <p:nvGraphicFramePr>
-          <p:cNvPr id="15" name="표 14">
-            <a:extLst>
-              <a:ext uri="{FF2B5EF4-FFF2-40B4-BE49-F238E27FC236}">
-                <a16:creationId xmlns:a16="http://schemas.microsoft.com/office/drawing/2014/main" id="{44831AB8-9705-4702-B335-A0B65897355A}"/>
+                <a16:creationId xmlns:a16="http://schemas.microsoft.com/office/drawing/2014/main" id="{25178FBE-B363-44F8-818D-CA09E361AC6A}"/>
               </a:ext>
             </a:extLst>
           </p:cNvPr>
@@ -5629,13 +8737,13 @@
           <p:nvPr>
             <p:extLst>
               <p:ext uri="{D42A27DB-BD31-4B8C-83A1-F6EECF244321}">
-                <p14:modId xmlns:p14="http://schemas.microsoft.com/office/powerpoint/2010/main" val="2486444532"/>
+                <p14:modId xmlns:p14="http://schemas.microsoft.com/office/powerpoint/2010/main" val="1099630460"/>
               </p:ext>
             </p:extLst>
           </p:nvPr>
         </p:nvGraphicFramePr>
         <p:xfrm>
-          <a:off x="831095" y="3952418"/>
+          <a:off x="844065" y="1813820"/>
           <a:ext cx="9982824" cy="646331"/>
         </p:xfrm>
         <a:graphic>
@@ -5827,84 +8935,16 @@
                     <a:p>
                       <a:pPr algn="ctr" latinLnBrk="1"/>
                       <a:r>
-                        <a:rPr lang="en-US" altLang="ko-KR" sz="2400" dirty="0">
+                        <a:rPr lang="en-US" altLang="ko-KR" sz="2400" b="1" dirty="0">
                           <a:solidFill>
-                            <a:schemeClr val="bg1">
-                              <a:lumMod val="85000"/>
-                            </a:schemeClr>
+                            <a:srgbClr val="FF0000"/>
                           </a:solidFill>
                         </a:rPr>
                         <a:t>1</a:t>
                       </a:r>
-                      <a:endParaRPr lang="ko-KR" altLang="en-US" sz="2400" dirty="0">
+                      <a:endParaRPr lang="ko-KR" altLang="en-US" sz="2400" b="1" dirty="0">
                         <a:solidFill>
-                          <a:schemeClr val="bg1">
-                            <a:lumMod val="85000"/>
-                          </a:schemeClr>
-                        </a:solidFill>
-                      </a:endParaRPr>
-                    </a:p>
-                  </a:txBody>
-                  <a:tcPr anchor="ctr">
-                    <a:lnL w="12700" cap="flat" cmpd="sng" algn="ctr">
-                      <a:solidFill>
-                        <a:schemeClr val="bg1"/>
-                      </a:solidFill>
-                      <a:prstDash val="solid"/>
-                      <a:round/>
-                      <a:headEnd type="none" w="med" len="med"/>
-                      <a:tailEnd type="none" w="med" len="med"/>
-                    </a:lnL>
-                    <a:lnR w="12700" cap="flat" cmpd="sng" algn="ctr">
-                      <a:solidFill>
-                        <a:schemeClr val="bg1"/>
-                      </a:solidFill>
-                      <a:prstDash val="solid"/>
-                      <a:round/>
-                      <a:headEnd type="none" w="med" len="med"/>
-                      <a:tailEnd type="none" w="med" len="med"/>
-                    </a:lnR>
-                    <a:lnT w="12700" cap="flat" cmpd="sng" algn="ctr">
-                      <a:solidFill>
-                        <a:schemeClr val="bg1"/>
-                      </a:solidFill>
-                      <a:prstDash val="solid"/>
-                      <a:round/>
-                      <a:headEnd type="none" w="med" len="med"/>
-                      <a:tailEnd type="none" w="med" len="med"/>
-                    </a:lnT>
-                    <a:lnB w="12700" cap="flat" cmpd="sng" algn="ctr">
-                      <a:solidFill>
-                        <a:schemeClr val="bg1"/>
-                      </a:solidFill>
-                      <a:prstDash val="solid"/>
-                      <a:round/>
-                      <a:headEnd type="none" w="med" len="med"/>
-                      <a:tailEnd type="none" w="med" len="med"/>
-                    </a:lnB>
-                  </a:tcPr>
-                </a:tc>
-                <a:tc>
-                  <a:txBody>
-                    <a:bodyPr/>
-                    <a:lstStyle/>
-                    <a:p>
-                      <a:pPr algn="ctr" latinLnBrk="1"/>
-                      <a:r>
-                        <a:rPr lang="en-US" altLang="ko-KR" sz="2400" dirty="0">
-                          <a:solidFill>
-                            <a:schemeClr val="bg1">
-                              <a:lumMod val="85000"/>
-                            </a:schemeClr>
-                          </a:solidFill>
-                        </a:rPr>
-                        <a:t>2</a:t>
-                      </a:r>
-                      <a:endParaRPr lang="ko-KR" altLang="en-US" sz="2400" dirty="0">
-                        <a:solidFill>
-                          <a:schemeClr val="bg1">
-                            <a:lumMod val="85000"/>
-                          </a:schemeClr>
+                          <a:srgbClr val="FF0000"/>
                         </a:solidFill>
                       </a:endParaRPr>
                     </a:p>
@@ -6018,6 +9058,16 @@
                     <a:lstStyle/>
                     <a:p>
                       <a:pPr algn="ctr" latinLnBrk="1"/>
+                      <a:r>
+                        <a:rPr lang="en-US" altLang="ko-KR" sz="2400" dirty="0">
+                          <a:solidFill>
+                            <a:schemeClr val="bg1">
+                              <a:lumMod val="85000"/>
+                            </a:schemeClr>
+                          </a:solidFill>
+                        </a:rPr>
+                        <a:t>4</a:t>
+                      </a:r>
                       <a:endParaRPr lang="ko-KR" altLang="en-US" sz="2400" dirty="0">
                         <a:solidFill>
                           <a:schemeClr val="bg1">
@@ -6072,6 +9122,16 @@
                     <a:lstStyle/>
                     <a:p>
                       <a:pPr algn="ctr" latinLnBrk="1"/>
+                      <a:r>
+                        <a:rPr lang="en-US" altLang="ko-KR" sz="2400" dirty="0">
+                          <a:solidFill>
+                            <a:schemeClr val="bg1">
+                              <a:lumMod val="85000"/>
+                            </a:schemeClr>
+                          </a:solidFill>
+                        </a:rPr>
+                        <a:t>5</a:t>
+                      </a:r>
                       <a:endParaRPr lang="ko-KR" altLang="en-US" sz="2400" dirty="0">
                         <a:solidFill>
                           <a:schemeClr val="bg1">
@@ -6126,6 +9186,80 @@
                     <a:lstStyle/>
                     <a:p>
                       <a:pPr algn="ctr" latinLnBrk="1"/>
+                      <a:r>
+                        <a:rPr lang="en-US" altLang="ko-KR" sz="2400" dirty="0">
+                          <a:solidFill>
+                            <a:schemeClr val="bg1">
+                              <a:lumMod val="85000"/>
+                            </a:schemeClr>
+                          </a:solidFill>
+                        </a:rPr>
+                        <a:t>6</a:t>
+                      </a:r>
+                      <a:endParaRPr lang="ko-KR" altLang="en-US" sz="2400" dirty="0">
+                        <a:solidFill>
+                          <a:schemeClr val="bg1">
+                            <a:lumMod val="85000"/>
+                          </a:schemeClr>
+                        </a:solidFill>
+                      </a:endParaRPr>
+                    </a:p>
+                  </a:txBody>
+                  <a:tcPr anchor="ctr">
+                    <a:lnL w="12700" cap="flat" cmpd="sng" algn="ctr">
+                      <a:solidFill>
+                        <a:schemeClr val="bg1"/>
+                      </a:solidFill>
+                      <a:prstDash val="solid"/>
+                      <a:round/>
+                      <a:headEnd type="none" w="med" len="med"/>
+                      <a:tailEnd type="none" w="med" len="med"/>
+                    </a:lnL>
+                    <a:lnR w="12700" cap="flat" cmpd="sng" algn="ctr">
+                      <a:solidFill>
+                        <a:schemeClr val="bg1"/>
+                      </a:solidFill>
+                      <a:prstDash val="solid"/>
+                      <a:round/>
+                      <a:headEnd type="none" w="med" len="med"/>
+                      <a:tailEnd type="none" w="med" len="med"/>
+                    </a:lnR>
+                    <a:lnT w="12700" cap="flat" cmpd="sng" algn="ctr">
+                      <a:solidFill>
+                        <a:schemeClr val="bg1"/>
+                      </a:solidFill>
+                      <a:prstDash val="solid"/>
+                      <a:round/>
+                      <a:headEnd type="none" w="med" len="med"/>
+                      <a:tailEnd type="none" w="med" len="med"/>
+                    </a:lnT>
+                    <a:lnB w="12700" cap="flat" cmpd="sng" algn="ctr">
+                      <a:solidFill>
+                        <a:schemeClr val="bg1"/>
+                      </a:solidFill>
+                      <a:prstDash val="solid"/>
+                      <a:round/>
+                      <a:headEnd type="none" w="med" len="med"/>
+                      <a:tailEnd type="none" w="med" len="med"/>
+                    </a:lnB>
+                  </a:tcPr>
+                </a:tc>
+                <a:tc>
+                  <a:txBody>
+                    <a:bodyPr/>
+                    <a:lstStyle/>
+                    <a:p>
+                      <a:pPr algn="ctr" latinLnBrk="1"/>
+                      <a:r>
+                        <a:rPr lang="en-US" altLang="ko-KR" sz="2400" dirty="0">
+                          <a:solidFill>
+                            <a:schemeClr val="bg1">
+                              <a:lumMod val="85000"/>
+                            </a:schemeClr>
+                          </a:solidFill>
+                        </a:rPr>
+                        <a:t>7</a:t>
+                      </a:r>
                       <a:endParaRPr lang="ko-KR" altLang="en-US" sz="2400" dirty="0">
                         <a:solidFill>
                           <a:schemeClr val="bg1">
@@ -6183,10 +9317,10 @@
       </p:graphicFrame>
       <p:sp>
         <p:nvSpPr>
-          <p:cNvPr id="16" name="TextBox 15">
+          <p:cNvPr id="14" name="TextBox 13">
             <a:extLst>
               <a:ext uri="{FF2B5EF4-FFF2-40B4-BE49-F238E27FC236}">
-                <a16:creationId xmlns:a16="http://schemas.microsoft.com/office/drawing/2014/main" id="{60B8901E-2A4A-4FE1-B573-0C4FE96BF153}"/>
+                <a16:creationId xmlns:a16="http://schemas.microsoft.com/office/drawing/2014/main" id="{085D0EC4-2E3C-40D4-B8A1-334E696EA683}"/>
               </a:ext>
             </a:extLst>
           </p:cNvPr>
@@ -6195,8 +9329,8 @@
         </p:nvSpPr>
         <p:spPr>
           <a:xfrm>
-            <a:off x="5167065" y="3503662"/>
-            <a:ext cx="1463954" cy="369332"/>
+            <a:off x="799330" y="517261"/>
+            <a:ext cx="7500608" cy="923330"/>
           </a:xfrm>
           <a:prstGeom prst="rect">
             <a:avLst/>
@@ -6210,6 +9344,16 @@
           <a:lstStyle/>
           <a:p>
             <a:r>
+              <a:rPr lang="ko-KR" altLang="en-US" dirty="0" err="1">
+                <a:solidFill>
+                  <a:schemeClr val="bg1">
+                    <a:lumMod val="95000"/>
+                  </a:schemeClr>
+                </a:solidFill>
+              </a:rPr>
+              <a:t>ㅇ</a:t>
+            </a:r>
+            <a:r>
               <a:rPr lang="ko-KR" altLang="en-US" dirty="0">
                 <a:solidFill>
                   <a:schemeClr val="bg1">
@@ -6217,17 +9361,838 @@
                   </a:schemeClr>
                 </a:solidFill>
               </a:rPr>
-              <a:t>수열 테이블</a:t>
+              <a:t> 노드 </a:t>
+            </a:r>
+            <a:r>
+              <a:rPr lang="en-US" altLang="ko-KR" dirty="0">
+                <a:solidFill>
+                  <a:schemeClr val="bg1">
+                    <a:lumMod val="95000"/>
+                  </a:schemeClr>
+                </a:solidFill>
+              </a:rPr>
+              <a:t>1</a:t>
+            </a:r>
+            <a:r>
+              <a:rPr lang="ko-KR" altLang="en-US" dirty="0">
+                <a:solidFill>
+                  <a:schemeClr val="bg1">
+                    <a:lumMod val="95000"/>
+                  </a:schemeClr>
+                </a:solidFill>
+              </a:rPr>
+              <a:t>과 노드 </a:t>
+            </a:r>
+            <a:r>
+              <a:rPr lang="en-US" altLang="ko-KR" dirty="0">
+                <a:solidFill>
+                  <a:schemeClr val="bg1">
+                    <a:lumMod val="95000"/>
+                  </a:schemeClr>
+                </a:solidFill>
+              </a:rPr>
+              <a:t>2</a:t>
+            </a:r>
+            <a:r>
+              <a:rPr lang="ko-KR" altLang="en-US" dirty="0">
+                <a:solidFill>
+                  <a:schemeClr val="bg1">
+                    <a:lumMod val="95000"/>
+                  </a:schemeClr>
+                </a:solidFill>
+              </a:rPr>
+              <a:t>가 연결되어 있다는 정보를 표현할 때</a:t>
+            </a:r>
+            <a:endParaRPr lang="en-US" altLang="ko-KR" dirty="0">
+              <a:solidFill>
+                <a:schemeClr val="bg1">
+                  <a:lumMod val="95000"/>
+                </a:schemeClr>
+              </a:solidFill>
+            </a:endParaRPr>
+          </a:p>
+          <a:p>
+            <a:endParaRPr lang="en-US" altLang="ko-KR" dirty="0">
+              <a:solidFill>
+                <a:schemeClr val="bg1">
+                  <a:lumMod val="95000"/>
+                </a:schemeClr>
+              </a:solidFill>
+            </a:endParaRPr>
+          </a:p>
+          <a:p>
+            <a:r>
+              <a:rPr lang="ko-KR" altLang="en-US" dirty="0">
+                <a:solidFill>
+                  <a:schemeClr val="bg1">
+                    <a:lumMod val="95000"/>
+                  </a:schemeClr>
+                </a:solidFill>
+              </a:rPr>
+              <a:t>    </a:t>
+            </a:r>
+            <a:r>
+              <a:rPr lang="en-US" altLang="ko-KR" dirty="0">
+                <a:solidFill>
+                  <a:schemeClr val="bg1">
+                    <a:lumMod val="95000"/>
+                  </a:schemeClr>
+                </a:solidFill>
+              </a:rPr>
+              <a:t>* </a:t>
+            </a:r>
+            <a:r>
+              <a:rPr lang="ko-KR" altLang="en-US" dirty="0">
+                <a:solidFill>
+                  <a:schemeClr val="bg1">
+                    <a:lumMod val="95000"/>
+                  </a:schemeClr>
+                </a:solidFill>
+              </a:rPr>
+              <a:t>노드 </a:t>
+            </a:r>
+            <a:r>
+              <a:rPr lang="en-US" altLang="ko-KR" dirty="0">
+                <a:solidFill>
+                  <a:schemeClr val="bg1">
+                    <a:lumMod val="95000"/>
+                  </a:schemeClr>
+                </a:solidFill>
+              </a:rPr>
+              <a:t>2</a:t>
+            </a:r>
+            <a:r>
+              <a:rPr lang="ko-KR" altLang="en-US" dirty="0">
+                <a:solidFill>
+                  <a:schemeClr val="bg1">
+                    <a:lumMod val="95000"/>
+                  </a:schemeClr>
+                </a:solidFill>
+              </a:rPr>
+              <a:t>는 노드 </a:t>
+            </a:r>
+            <a:r>
+              <a:rPr lang="en-US" altLang="ko-KR" dirty="0">
+                <a:solidFill>
+                  <a:schemeClr val="bg1">
+                    <a:lumMod val="95000"/>
+                  </a:schemeClr>
+                </a:solidFill>
+              </a:rPr>
+              <a:t>1</a:t>
+            </a:r>
+            <a:r>
+              <a:rPr lang="ko-KR" altLang="en-US" dirty="0">
+                <a:solidFill>
+                  <a:schemeClr val="bg1">
+                    <a:lumMod val="95000"/>
+                  </a:schemeClr>
+                </a:solidFill>
+              </a:rPr>
+              <a:t>보다 숫자가 크므로</a:t>
+            </a:r>
+            <a:r>
+              <a:rPr lang="en-US" altLang="ko-KR" dirty="0">
+                <a:solidFill>
+                  <a:schemeClr val="bg1">
+                    <a:lumMod val="95000"/>
+                  </a:schemeClr>
+                </a:solidFill>
+              </a:rPr>
+              <a:t>, </a:t>
+            </a:r>
+            <a:r>
+              <a:rPr lang="ko-KR" altLang="en-US" dirty="0">
+                <a:solidFill>
+                  <a:schemeClr val="bg1">
+                    <a:lumMod val="95000"/>
+                  </a:schemeClr>
+                </a:solidFill>
+              </a:rPr>
+              <a:t>노드 </a:t>
+            </a:r>
+            <a:r>
+              <a:rPr lang="en-US" altLang="ko-KR" dirty="0">
+                <a:solidFill>
+                  <a:schemeClr val="bg1">
+                    <a:lumMod val="95000"/>
+                  </a:schemeClr>
+                </a:solidFill>
+              </a:rPr>
+              <a:t>2</a:t>
+            </a:r>
+            <a:r>
+              <a:rPr lang="ko-KR" altLang="en-US" dirty="0">
+                <a:solidFill>
+                  <a:schemeClr val="bg1">
+                    <a:lumMod val="95000"/>
+                  </a:schemeClr>
+                </a:solidFill>
+              </a:rPr>
+              <a:t>에 </a:t>
+            </a:r>
+            <a:r>
+              <a:rPr lang="en-US" altLang="ko-KR" dirty="0">
+                <a:solidFill>
+                  <a:schemeClr val="bg1">
+                    <a:lumMod val="95000"/>
+                  </a:schemeClr>
+                </a:solidFill>
+              </a:rPr>
+              <a:t>1</a:t>
+            </a:r>
+            <a:r>
+              <a:rPr lang="ko-KR" altLang="en-US" dirty="0">
+                <a:solidFill>
+                  <a:schemeClr val="bg1">
+                    <a:lumMod val="95000"/>
+                  </a:schemeClr>
+                </a:solidFill>
+              </a:rPr>
+              <a:t>을 저장함</a:t>
             </a:r>
           </a:p>
         </p:txBody>
       </p:sp>
+    </p:spTree>
+    <p:extLst>
+      <p:ext uri="{BB962C8B-B14F-4D97-AF65-F5344CB8AC3E}">
+        <p14:creationId xmlns:p14="http://schemas.microsoft.com/office/powerpoint/2010/main" val="3674459388"/>
+      </p:ext>
+    </p:extLst>
+  </p:cSld>
+  <p:clrMapOvr>
+    <a:masterClrMapping/>
+  </p:clrMapOvr>
+</p:sld>
+</file>
+
+<file path=ppt/slides/slide5.xml><?xml version="1.0" encoding="utf-8"?>
+<p:sld xmlns:a="http://schemas.openxmlformats.org/drawingml/2006/main" xmlns:r="http://schemas.openxmlformats.org/officeDocument/2006/relationships" xmlns:p="http://schemas.openxmlformats.org/presentationml/2006/main">
+  <p:cSld>
+    <p:bg>
+      <p:bgPr>
+        <a:solidFill>
+          <a:schemeClr val="tx2">
+            <a:lumMod val="50000"/>
+          </a:schemeClr>
+        </a:solidFill>
+        <a:effectLst/>
+      </p:bgPr>
+    </p:bg>
+    <p:spTree>
+      <p:nvGrpSpPr>
+        <p:cNvPr id="1" name=""/>
+        <p:cNvGrpSpPr/>
+        <p:nvPr/>
+      </p:nvGrpSpPr>
+      <p:grpSpPr>
+        <a:xfrm>
+          <a:off x="0" y="0"/>
+          <a:ext cx="0" cy="0"/>
+          <a:chOff x="0" y="0"/>
+          <a:chExt cx="0" cy="0"/>
+        </a:xfrm>
+      </p:grpSpPr>
+      <p:graphicFrame>
+        <p:nvGraphicFramePr>
+          <p:cNvPr id="6" name="표 5">
+            <a:extLst>
+              <a:ext uri="{FF2B5EF4-FFF2-40B4-BE49-F238E27FC236}">
+                <a16:creationId xmlns:a16="http://schemas.microsoft.com/office/drawing/2014/main" id="{25178FBE-B363-44F8-818D-CA09E361AC6A}"/>
+              </a:ext>
+            </a:extLst>
+          </p:cNvPr>
+          <p:cNvGraphicFramePr>
+            <a:graphicFrameLocks noGrp="1"/>
+          </p:cNvGraphicFramePr>
+          <p:nvPr>
+            <p:extLst>
+              <p:ext uri="{D42A27DB-BD31-4B8C-83A1-F6EECF244321}">
+                <p14:modId xmlns:p14="http://schemas.microsoft.com/office/powerpoint/2010/main" val="1953340503"/>
+              </p:ext>
+            </p:extLst>
+          </p:nvPr>
+        </p:nvGraphicFramePr>
+        <p:xfrm>
+          <a:off x="844065" y="1813820"/>
+          <a:ext cx="9982824" cy="646331"/>
+        </p:xfrm>
+        <a:graphic>
+          <a:graphicData uri="http://schemas.openxmlformats.org/drawingml/2006/table">
+            <a:tbl>
+              <a:tblPr/>
+              <a:tblGrid>
+                <a:gridCol w="1247853">
+                  <a:extLst>
+                    <a:ext uri="{9D8B030D-6E8A-4147-A177-3AD203B41FA5}">
+                      <a16:colId xmlns:a16="http://schemas.microsoft.com/office/drawing/2014/main" val="3221884234"/>
+                    </a:ext>
+                  </a:extLst>
+                </a:gridCol>
+                <a:gridCol w="1247853">
+                  <a:extLst>
+                    <a:ext uri="{9D8B030D-6E8A-4147-A177-3AD203B41FA5}">
+                      <a16:colId xmlns:a16="http://schemas.microsoft.com/office/drawing/2014/main" val="1378666724"/>
+                    </a:ext>
+                  </a:extLst>
+                </a:gridCol>
+                <a:gridCol w="1247853">
+                  <a:extLst>
+                    <a:ext uri="{9D8B030D-6E8A-4147-A177-3AD203B41FA5}">
+                      <a16:colId xmlns:a16="http://schemas.microsoft.com/office/drawing/2014/main" val="2981916489"/>
+                    </a:ext>
+                  </a:extLst>
+                </a:gridCol>
+                <a:gridCol w="1247853">
+                  <a:extLst>
+                    <a:ext uri="{9D8B030D-6E8A-4147-A177-3AD203B41FA5}">
+                      <a16:colId xmlns:a16="http://schemas.microsoft.com/office/drawing/2014/main" val="2446702814"/>
+                    </a:ext>
+                  </a:extLst>
+                </a:gridCol>
+                <a:gridCol w="1247853">
+                  <a:extLst>
+                    <a:ext uri="{9D8B030D-6E8A-4147-A177-3AD203B41FA5}">
+                      <a16:colId xmlns:a16="http://schemas.microsoft.com/office/drawing/2014/main" val="3232487043"/>
+                    </a:ext>
+                  </a:extLst>
+                </a:gridCol>
+                <a:gridCol w="1247853">
+                  <a:extLst>
+                    <a:ext uri="{9D8B030D-6E8A-4147-A177-3AD203B41FA5}">
+                      <a16:colId xmlns:a16="http://schemas.microsoft.com/office/drawing/2014/main" val="3564761673"/>
+                    </a:ext>
+                  </a:extLst>
+                </a:gridCol>
+                <a:gridCol w="1247853">
+                  <a:extLst>
+                    <a:ext uri="{9D8B030D-6E8A-4147-A177-3AD203B41FA5}">
+                      <a16:colId xmlns:a16="http://schemas.microsoft.com/office/drawing/2014/main" val="751366682"/>
+                    </a:ext>
+                  </a:extLst>
+                </a:gridCol>
+                <a:gridCol w="1247853">
+                  <a:extLst>
+                    <a:ext uri="{9D8B030D-6E8A-4147-A177-3AD203B41FA5}">
+                      <a16:colId xmlns:a16="http://schemas.microsoft.com/office/drawing/2014/main" val="72017382"/>
+                    </a:ext>
+                  </a:extLst>
+                </a:gridCol>
+              </a:tblGrid>
+              <a:tr h="646331">
+                <a:tc>
+                  <a:txBody>
+                    <a:bodyPr/>
+                    <a:lstStyle/>
+                    <a:p>
+                      <a:pPr algn="ctr" latinLnBrk="1"/>
+                      <a:r>
+                        <a:rPr lang="en-US" altLang="ko-KR" sz="2400" dirty="0">
+                          <a:solidFill>
+                            <a:schemeClr val="bg1">
+                              <a:lumMod val="85000"/>
+                            </a:schemeClr>
+                          </a:solidFill>
+                        </a:rPr>
+                        <a:t>0</a:t>
+                      </a:r>
+                      <a:endParaRPr lang="ko-KR" altLang="en-US" sz="2400" dirty="0">
+                        <a:solidFill>
+                          <a:schemeClr val="bg1">
+                            <a:lumMod val="85000"/>
+                          </a:schemeClr>
+                        </a:solidFill>
+                      </a:endParaRPr>
+                    </a:p>
+                  </a:txBody>
+                  <a:tcPr anchor="ctr">
+                    <a:lnL w="12700" cmpd="sng">
+                      <a:solidFill>
+                        <a:schemeClr val="bg1"/>
+                      </a:solidFill>
+                      <a:prstDash val="solid"/>
+                    </a:lnL>
+                    <a:lnR w="12700" cap="flat" cmpd="sng" algn="ctr">
+                      <a:solidFill>
+                        <a:schemeClr val="bg1"/>
+                      </a:solidFill>
+                      <a:prstDash val="solid"/>
+                      <a:round/>
+                      <a:headEnd type="none" w="med" len="med"/>
+                      <a:tailEnd type="none" w="med" len="med"/>
+                    </a:lnR>
+                    <a:lnT w="12700" cmpd="sng">
+                      <a:solidFill>
+                        <a:schemeClr val="bg1"/>
+                      </a:solidFill>
+                      <a:prstDash val="solid"/>
+                    </a:lnT>
+                    <a:lnB w="12700" cmpd="sng">
+                      <a:solidFill>
+                        <a:schemeClr val="bg1"/>
+                      </a:solidFill>
+                      <a:prstDash val="solid"/>
+                    </a:lnB>
+                  </a:tcPr>
+                </a:tc>
+                <a:tc>
+                  <a:txBody>
+                    <a:bodyPr/>
+                    <a:lstStyle/>
+                    <a:p>
+                      <a:pPr algn="ctr" latinLnBrk="1"/>
+                      <a:r>
+                        <a:rPr lang="en-US" altLang="ko-KR" sz="2400" dirty="0">
+                          <a:solidFill>
+                            <a:schemeClr val="bg1">
+                              <a:lumMod val="85000"/>
+                            </a:schemeClr>
+                          </a:solidFill>
+                        </a:rPr>
+                        <a:t>1</a:t>
+                      </a:r>
+                      <a:endParaRPr lang="ko-KR" altLang="en-US" sz="2400" dirty="0">
+                        <a:solidFill>
+                          <a:schemeClr val="bg1">
+                            <a:lumMod val="85000"/>
+                          </a:schemeClr>
+                        </a:solidFill>
+                      </a:endParaRPr>
+                    </a:p>
+                  </a:txBody>
+                  <a:tcPr anchor="ctr">
+                    <a:lnL w="12700" cap="flat" cmpd="sng" algn="ctr">
+                      <a:solidFill>
+                        <a:schemeClr val="bg1"/>
+                      </a:solidFill>
+                      <a:prstDash val="solid"/>
+                      <a:round/>
+                      <a:headEnd type="none" w="med" len="med"/>
+                      <a:tailEnd type="none" w="med" len="med"/>
+                    </a:lnL>
+                    <a:lnR w="12700" cap="flat" cmpd="sng" algn="ctr">
+                      <a:solidFill>
+                        <a:schemeClr val="bg1"/>
+                      </a:solidFill>
+                      <a:prstDash val="solid"/>
+                      <a:round/>
+                      <a:headEnd type="none" w="med" len="med"/>
+                      <a:tailEnd type="none" w="med" len="med"/>
+                    </a:lnR>
+                    <a:lnT w="12700" cap="flat" cmpd="sng" algn="ctr">
+                      <a:solidFill>
+                        <a:schemeClr val="bg1"/>
+                      </a:solidFill>
+                      <a:prstDash val="solid"/>
+                      <a:round/>
+                      <a:headEnd type="none" w="med" len="med"/>
+                      <a:tailEnd type="none" w="med" len="med"/>
+                    </a:lnT>
+                    <a:lnB w="12700" cap="flat" cmpd="sng" algn="ctr">
+                      <a:solidFill>
+                        <a:schemeClr val="bg1"/>
+                      </a:solidFill>
+                      <a:prstDash val="solid"/>
+                      <a:round/>
+                      <a:headEnd type="none" w="med" len="med"/>
+                      <a:tailEnd type="none" w="med" len="med"/>
+                    </a:lnB>
+                  </a:tcPr>
+                </a:tc>
+                <a:tc>
+                  <a:txBody>
+                    <a:bodyPr/>
+                    <a:lstStyle/>
+                    <a:p>
+                      <a:pPr algn="ctr" latinLnBrk="1"/>
+                      <a:r>
+                        <a:rPr lang="en-US" altLang="ko-KR" sz="2400" b="0" dirty="0">
+                          <a:solidFill>
+                            <a:schemeClr val="bg1">
+                              <a:lumMod val="85000"/>
+                            </a:schemeClr>
+                          </a:solidFill>
+                        </a:rPr>
+                        <a:t>1</a:t>
+                      </a:r>
+                      <a:endParaRPr lang="ko-KR" altLang="en-US" sz="2400" b="0" dirty="0">
+                        <a:solidFill>
+                          <a:schemeClr val="bg1">
+                            <a:lumMod val="85000"/>
+                          </a:schemeClr>
+                        </a:solidFill>
+                      </a:endParaRPr>
+                    </a:p>
+                  </a:txBody>
+                  <a:tcPr anchor="ctr">
+                    <a:lnL w="12700" cap="flat" cmpd="sng" algn="ctr">
+                      <a:solidFill>
+                        <a:schemeClr val="bg1"/>
+                      </a:solidFill>
+                      <a:prstDash val="solid"/>
+                      <a:round/>
+                      <a:headEnd type="none" w="med" len="med"/>
+                      <a:tailEnd type="none" w="med" len="med"/>
+                    </a:lnL>
+                    <a:lnR w="12700" cap="flat" cmpd="sng" algn="ctr">
+                      <a:solidFill>
+                        <a:schemeClr val="bg1"/>
+                      </a:solidFill>
+                      <a:prstDash val="solid"/>
+                      <a:round/>
+                      <a:headEnd type="none" w="med" len="med"/>
+                      <a:tailEnd type="none" w="med" len="med"/>
+                    </a:lnR>
+                    <a:lnT w="12700" cap="flat" cmpd="sng" algn="ctr">
+                      <a:solidFill>
+                        <a:schemeClr val="bg1"/>
+                      </a:solidFill>
+                      <a:prstDash val="solid"/>
+                      <a:round/>
+                      <a:headEnd type="none" w="med" len="med"/>
+                      <a:tailEnd type="none" w="med" len="med"/>
+                    </a:lnT>
+                    <a:lnB w="12700" cap="flat" cmpd="sng" algn="ctr">
+                      <a:solidFill>
+                        <a:schemeClr val="bg1"/>
+                      </a:solidFill>
+                      <a:prstDash val="solid"/>
+                      <a:round/>
+                      <a:headEnd type="none" w="med" len="med"/>
+                      <a:tailEnd type="none" w="med" len="med"/>
+                    </a:lnB>
+                  </a:tcPr>
+                </a:tc>
+                <a:tc>
+                  <a:txBody>
+                    <a:bodyPr/>
+                    <a:lstStyle/>
+                    <a:p>
+                      <a:pPr algn="ctr" latinLnBrk="1"/>
+                      <a:r>
+                        <a:rPr lang="en-US" altLang="ko-KR" sz="2400" b="1" dirty="0">
+                          <a:solidFill>
+                            <a:srgbClr val="FF0000"/>
+                          </a:solidFill>
+                        </a:rPr>
+                        <a:t>1</a:t>
+                      </a:r>
+                      <a:endParaRPr lang="ko-KR" altLang="en-US" sz="2400" b="1" dirty="0">
+                        <a:solidFill>
+                          <a:srgbClr val="FF0000"/>
+                        </a:solidFill>
+                      </a:endParaRPr>
+                    </a:p>
+                  </a:txBody>
+                  <a:tcPr anchor="ctr">
+                    <a:lnL w="12700" cap="flat" cmpd="sng" algn="ctr">
+                      <a:solidFill>
+                        <a:schemeClr val="bg1"/>
+                      </a:solidFill>
+                      <a:prstDash val="solid"/>
+                      <a:round/>
+                      <a:headEnd type="none" w="med" len="med"/>
+                      <a:tailEnd type="none" w="med" len="med"/>
+                    </a:lnL>
+                    <a:lnR w="12700" cap="flat" cmpd="sng" algn="ctr">
+                      <a:solidFill>
+                        <a:schemeClr val="bg1"/>
+                      </a:solidFill>
+                      <a:prstDash val="solid"/>
+                      <a:round/>
+                      <a:headEnd type="none" w="med" len="med"/>
+                      <a:tailEnd type="none" w="med" len="med"/>
+                    </a:lnR>
+                    <a:lnT w="12700" cap="flat" cmpd="sng" algn="ctr">
+                      <a:solidFill>
+                        <a:schemeClr val="bg1"/>
+                      </a:solidFill>
+                      <a:prstDash val="solid"/>
+                      <a:round/>
+                      <a:headEnd type="none" w="med" len="med"/>
+                      <a:tailEnd type="none" w="med" len="med"/>
+                    </a:lnT>
+                    <a:lnB w="12700" cap="flat" cmpd="sng" algn="ctr">
+                      <a:solidFill>
+                        <a:schemeClr val="bg1"/>
+                      </a:solidFill>
+                      <a:prstDash val="solid"/>
+                      <a:round/>
+                      <a:headEnd type="none" w="med" len="med"/>
+                      <a:tailEnd type="none" w="med" len="med"/>
+                    </a:lnB>
+                  </a:tcPr>
+                </a:tc>
+                <a:tc>
+                  <a:txBody>
+                    <a:bodyPr/>
+                    <a:lstStyle/>
+                    <a:p>
+                      <a:pPr algn="ctr" latinLnBrk="1"/>
+                      <a:r>
+                        <a:rPr lang="en-US" altLang="ko-KR" sz="2400" dirty="0">
+                          <a:solidFill>
+                            <a:schemeClr val="bg1">
+                              <a:lumMod val="85000"/>
+                            </a:schemeClr>
+                          </a:solidFill>
+                        </a:rPr>
+                        <a:t>4</a:t>
+                      </a:r>
+                      <a:endParaRPr lang="ko-KR" altLang="en-US" sz="2400" dirty="0">
+                        <a:solidFill>
+                          <a:schemeClr val="bg1">
+                            <a:lumMod val="85000"/>
+                          </a:schemeClr>
+                        </a:solidFill>
+                      </a:endParaRPr>
+                    </a:p>
+                  </a:txBody>
+                  <a:tcPr anchor="ctr">
+                    <a:lnL w="12700" cap="flat" cmpd="sng" algn="ctr">
+                      <a:solidFill>
+                        <a:schemeClr val="bg1"/>
+                      </a:solidFill>
+                      <a:prstDash val="solid"/>
+                      <a:round/>
+                      <a:headEnd type="none" w="med" len="med"/>
+                      <a:tailEnd type="none" w="med" len="med"/>
+                    </a:lnL>
+                    <a:lnR w="12700" cap="flat" cmpd="sng" algn="ctr">
+                      <a:solidFill>
+                        <a:schemeClr val="bg1"/>
+                      </a:solidFill>
+                      <a:prstDash val="solid"/>
+                      <a:round/>
+                      <a:headEnd type="none" w="med" len="med"/>
+                      <a:tailEnd type="none" w="med" len="med"/>
+                    </a:lnR>
+                    <a:lnT w="12700" cap="flat" cmpd="sng" algn="ctr">
+                      <a:solidFill>
+                        <a:schemeClr val="bg1"/>
+                      </a:solidFill>
+                      <a:prstDash val="solid"/>
+                      <a:round/>
+                      <a:headEnd type="none" w="med" len="med"/>
+                      <a:tailEnd type="none" w="med" len="med"/>
+                    </a:lnT>
+                    <a:lnB w="12700" cap="flat" cmpd="sng" algn="ctr">
+                      <a:solidFill>
+                        <a:schemeClr val="bg1"/>
+                      </a:solidFill>
+                      <a:prstDash val="solid"/>
+                      <a:round/>
+                      <a:headEnd type="none" w="med" len="med"/>
+                      <a:tailEnd type="none" w="med" len="med"/>
+                    </a:lnB>
+                  </a:tcPr>
+                </a:tc>
+                <a:tc>
+                  <a:txBody>
+                    <a:bodyPr/>
+                    <a:lstStyle/>
+                    <a:p>
+                      <a:pPr algn="ctr" latinLnBrk="1"/>
+                      <a:r>
+                        <a:rPr lang="en-US" altLang="ko-KR" sz="2400" dirty="0">
+                          <a:solidFill>
+                            <a:schemeClr val="bg1">
+                              <a:lumMod val="85000"/>
+                            </a:schemeClr>
+                          </a:solidFill>
+                        </a:rPr>
+                        <a:t>5</a:t>
+                      </a:r>
+                      <a:endParaRPr lang="ko-KR" altLang="en-US" sz="2400" dirty="0">
+                        <a:solidFill>
+                          <a:schemeClr val="bg1">
+                            <a:lumMod val="85000"/>
+                          </a:schemeClr>
+                        </a:solidFill>
+                      </a:endParaRPr>
+                    </a:p>
+                  </a:txBody>
+                  <a:tcPr anchor="ctr">
+                    <a:lnL w="12700" cap="flat" cmpd="sng" algn="ctr">
+                      <a:solidFill>
+                        <a:schemeClr val="bg1"/>
+                      </a:solidFill>
+                      <a:prstDash val="solid"/>
+                      <a:round/>
+                      <a:headEnd type="none" w="med" len="med"/>
+                      <a:tailEnd type="none" w="med" len="med"/>
+                    </a:lnL>
+                    <a:lnR w="12700" cap="flat" cmpd="sng" algn="ctr">
+                      <a:solidFill>
+                        <a:schemeClr val="bg1"/>
+                      </a:solidFill>
+                      <a:prstDash val="solid"/>
+                      <a:round/>
+                      <a:headEnd type="none" w="med" len="med"/>
+                      <a:tailEnd type="none" w="med" len="med"/>
+                    </a:lnR>
+                    <a:lnT w="12700" cap="flat" cmpd="sng" algn="ctr">
+                      <a:solidFill>
+                        <a:schemeClr val="bg1"/>
+                      </a:solidFill>
+                      <a:prstDash val="solid"/>
+                      <a:round/>
+                      <a:headEnd type="none" w="med" len="med"/>
+                      <a:tailEnd type="none" w="med" len="med"/>
+                    </a:lnT>
+                    <a:lnB w="12700" cap="flat" cmpd="sng" algn="ctr">
+                      <a:solidFill>
+                        <a:schemeClr val="bg1"/>
+                      </a:solidFill>
+                      <a:prstDash val="solid"/>
+                      <a:round/>
+                      <a:headEnd type="none" w="med" len="med"/>
+                      <a:tailEnd type="none" w="med" len="med"/>
+                    </a:lnB>
+                  </a:tcPr>
+                </a:tc>
+                <a:tc>
+                  <a:txBody>
+                    <a:bodyPr/>
+                    <a:lstStyle/>
+                    <a:p>
+                      <a:pPr algn="ctr" latinLnBrk="1"/>
+                      <a:r>
+                        <a:rPr lang="en-US" altLang="ko-KR" sz="2400" dirty="0">
+                          <a:solidFill>
+                            <a:schemeClr val="bg1">
+                              <a:lumMod val="85000"/>
+                            </a:schemeClr>
+                          </a:solidFill>
+                        </a:rPr>
+                        <a:t>6</a:t>
+                      </a:r>
+                      <a:endParaRPr lang="ko-KR" altLang="en-US" sz="2400" dirty="0">
+                        <a:solidFill>
+                          <a:schemeClr val="bg1">
+                            <a:lumMod val="85000"/>
+                          </a:schemeClr>
+                        </a:solidFill>
+                      </a:endParaRPr>
+                    </a:p>
+                  </a:txBody>
+                  <a:tcPr anchor="ctr">
+                    <a:lnL w="12700" cap="flat" cmpd="sng" algn="ctr">
+                      <a:solidFill>
+                        <a:schemeClr val="bg1"/>
+                      </a:solidFill>
+                      <a:prstDash val="solid"/>
+                      <a:round/>
+                      <a:headEnd type="none" w="med" len="med"/>
+                      <a:tailEnd type="none" w="med" len="med"/>
+                    </a:lnL>
+                    <a:lnR w="12700" cap="flat" cmpd="sng" algn="ctr">
+                      <a:solidFill>
+                        <a:schemeClr val="bg1"/>
+                      </a:solidFill>
+                      <a:prstDash val="solid"/>
+                      <a:round/>
+                      <a:headEnd type="none" w="med" len="med"/>
+                      <a:tailEnd type="none" w="med" len="med"/>
+                    </a:lnR>
+                    <a:lnT w="12700" cap="flat" cmpd="sng" algn="ctr">
+                      <a:solidFill>
+                        <a:schemeClr val="bg1"/>
+                      </a:solidFill>
+                      <a:prstDash val="solid"/>
+                      <a:round/>
+                      <a:headEnd type="none" w="med" len="med"/>
+                      <a:tailEnd type="none" w="med" len="med"/>
+                    </a:lnT>
+                    <a:lnB w="12700" cap="flat" cmpd="sng" algn="ctr">
+                      <a:solidFill>
+                        <a:schemeClr val="bg1"/>
+                      </a:solidFill>
+                      <a:prstDash val="solid"/>
+                      <a:round/>
+                      <a:headEnd type="none" w="med" len="med"/>
+                      <a:tailEnd type="none" w="med" len="med"/>
+                    </a:lnB>
+                  </a:tcPr>
+                </a:tc>
+                <a:tc>
+                  <a:txBody>
+                    <a:bodyPr/>
+                    <a:lstStyle/>
+                    <a:p>
+                      <a:pPr algn="ctr" latinLnBrk="1"/>
+                      <a:r>
+                        <a:rPr lang="en-US" altLang="ko-KR" sz="2400" b="0" dirty="0">
+                          <a:solidFill>
+                            <a:schemeClr val="bg1">
+                              <a:lumMod val="85000"/>
+                            </a:schemeClr>
+                          </a:solidFill>
+                        </a:rPr>
+                        <a:t>7</a:t>
+                      </a:r>
+                      <a:endParaRPr lang="ko-KR" altLang="en-US" sz="2400" b="0" dirty="0">
+                        <a:solidFill>
+                          <a:schemeClr val="bg1">
+                            <a:lumMod val="85000"/>
+                          </a:schemeClr>
+                        </a:solidFill>
+                      </a:endParaRPr>
+                    </a:p>
+                  </a:txBody>
+                  <a:tcPr anchor="ctr">
+                    <a:lnL w="12700" cap="flat" cmpd="sng" algn="ctr">
+                      <a:solidFill>
+                        <a:schemeClr val="bg1"/>
+                      </a:solidFill>
+                      <a:prstDash val="solid"/>
+                      <a:round/>
+                      <a:headEnd type="none" w="med" len="med"/>
+                      <a:tailEnd type="none" w="med" len="med"/>
+                    </a:lnL>
+                    <a:lnR w="12700" cmpd="sng">
+                      <a:solidFill>
+                        <a:schemeClr val="bg1"/>
+                      </a:solidFill>
+                      <a:prstDash val="solid"/>
+                    </a:lnR>
+                    <a:lnT w="12700" cap="flat" cmpd="sng" algn="ctr">
+                      <a:solidFill>
+                        <a:schemeClr val="bg1"/>
+                      </a:solidFill>
+                      <a:prstDash val="solid"/>
+                      <a:round/>
+                      <a:headEnd type="none" w="med" len="med"/>
+                      <a:tailEnd type="none" w="med" len="med"/>
+                    </a:lnT>
+                    <a:lnB w="12700" cap="flat" cmpd="sng" algn="ctr">
+                      <a:solidFill>
+                        <a:schemeClr val="bg1"/>
+                      </a:solidFill>
+                      <a:prstDash val="solid"/>
+                      <a:round/>
+                      <a:headEnd type="none" w="med" len="med"/>
+                      <a:tailEnd type="none" w="med" len="med"/>
+                    </a:lnB>
+                  </a:tcPr>
+                </a:tc>
+                <a:extLst>
+                  <a:ext uri="{0D108BD9-81ED-4DB2-BD59-A6C34878D82A}">
+                    <a16:rowId xmlns:a16="http://schemas.microsoft.com/office/drawing/2014/main" val="1169592317"/>
+                  </a:ext>
+                </a:extLst>
+              </a:tr>
+            </a:tbl>
+          </a:graphicData>
+        </a:graphic>
+      </p:graphicFrame>
       <p:sp>
         <p:nvSpPr>
-          <p:cNvPr id="17" name="TextBox 16">
+          <p:cNvPr id="14" name="TextBox 13">
             <a:extLst>
               <a:ext uri="{FF2B5EF4-FFF2-40B4-BE49-F238E27FC236}">
-                <a16:creationId xmlns:a16="http://schemas.microsoft.com/office/drawing/2014/main" id="{8C5A5991-C09F-4506-B05E-18CA88A5034F}"/>
+                <a16:creationId xmlns:a16="http://schemas.microsoft.com/office/drawing/2014/main" id="{085D0EC4-2E3C-40D4-B8A1-334E696EA683}"/>
               </a:ext>
             </a:extLst>
           </p:cNvPr>
@@ -6236,8 +10201,8 @@
         </p:nvSpPr>
         <p:spPr>
           <a:xfrm>
-            <a:off x="5835029" y="4745558"/>
-            <a:ext cx="1324534" cy="369332"/>
+            <a:off x="799330" y="517261"/>
+            <a:ext cx="7500608" cy="923330"/>
           </a:xfrm>
           <a:prstGeom prst="rect">
             <a:avLst/>
@@ -6251,6 +10216,26 @@
           <a:lstStyle/>
           <a:p>
             <a:r>
+              <a:rPr lang="ko-KR" altLang="en-US" dirty="0" err="1">
+                <a:solidFill>
+                  <a:schemeClr val="bg1">
+                    <a:lumMod val="95000"/>
+                  </a:schemeClr>
+                </a:solidFill>
+              </a:rPr>
+              <a:t>ㅇ</a:t>
+            </a:r>
+            <a:r>
+              <a:rPr lang="ko-KR" altLang="en-US" dirty="0">
+                <a:solidFill>
+                  <a:schemeClr val="bg1">
+                    <a:lumMod val="95000"/>
+                  </a:schemeClr>
+                </a:solidFill>
+              </a:rPr>
+              <a:t> 노드 </a:t>
+            </a:r>
+            <a:r>
               <a:rPr lang="en-US" altLang="ko-KR" dirty="0">
                 <a:solidFill>
                   <a:schemeClr val="bg1">
@@ -6258,9 +10243,39 @@
                   </a:schemeClr>
                 </a:solidFill>
               </a:rPr>
-              <a:t>F(2) + F(3)</a:t>
-            </a:r>
-            <a:endParaRPr lang="ko-KR" altLang="en-US" dirty="0">
+              <a:t>1</a:t>
+            </a:r>
+            <a:r>
+              <a:rPr lang="ko-KR" altLang="en-US" dirty="0">
+                <a:solidFill>
+                  <a:schemeClr val="bg1">
+                    <a:lumMod val="95000"/>
+                  </a:schemeClr>
+                </a:solidFill>
+              </a:rPr>
+              <a:t>과 노드 </a:t>
+            </a:r>
+            <a:r>
+              <a:rPr lang="en-US" altLang="ko-KR" dirty="0">
+                <a:solidFill>
+                  <a:schemeClr val="bg1">
+                    <a:lumMod val="95000"/>
+                  </a:schemeClr>
+                </a:solidFill>
+              </a:rPr>
+              <a:t>3</a:t>
+            </a:r>
+            <a:r>
+              <a:rPr lang="ko-KR" altLang="en-US" dirty="0">
+                <a:solidFill>
+                  <a:schemeClr val="bg1">
+                    <a:lumMod val="95000"/>
+                  </a:schemeClr>
+                </a:solidFill>
+              </a:rPr>
+              <a:t>가 연결되어 있다는 정보를 표현할 때</a:t>
+            </a:r>
+            <a:endParaRPr lang="en-US" altLang="ko-KR" dirty="0">
               <a:solidFill>
                 <a:schemeClr val="bg1">
                   <a:lumMod val="95000"/>
@@ -6268,14 +10283,762 @@
               </a:solidFill>
             </a:endParaRPr>
           </a:p>
+          <a:p>
+            <a:endParaRPr lang="en-US" altLang="ko-KR" dirty="0">
+              <a:solidFill>
+                <a:schemeClr val="bg1">
+                  <a:lumMod val="95000"/>
+                </a:schemeClr>
+              </a:solidFill>
+            </a:endParaRPr>
+          </a:p>
+          <a:p>
+            <a:r>
+              <a:rPr lang="ko-KR" altLang="en-US" dirty="0">
+                <a:solidFill>
+                  <a:schemeClr val="bg1">
+                    <a:lumMod val="95000"/>
+                  </a:schemeClr>
+                </a:solidFill>
+              </a:rPr>
+              <a:t>  노드 </a:t>
+            </a:r>
+            <a:r>
+              <a:rPr lang="en-US" altLang="ko-KR" dirty="0">
+                <a:solidFill>
+                  <a:schemeClr val="bg1">
+                    <a:lumMod val="95000"/>
+                  </a:schemeClr>
+                </a:solidFill>
+              </a:rPr>
+              <a:t>3</a:t>
+            </a:r>
+            <a:r>
+              <a:rPr lang="ko-KR" altLang="en-US" dirty="0">
+                <a:solidFill>
+                  <a:schemeClr val="bg1">
+                    <a:lumMod val="95000"/>
+                  </a:schemeClr>
+                </a:solidFill>
+              </a:rPr>
+              <a:t>은 노드 </a:t>
+            </a:r>
+            <a:r>
+              <a:rPr lang="en-US" altLang="ko-KR" dirty="0">
+                <a:solidFill>
+                  <a:schemeClr val="bg1">
+                    <a:lumMod val="95000"/>
+                  </a:schemeClr>
+                </a:solidFill>
+              </a:rPr>
+              <a:t>1</a:t>
+            </a:r>
+            <a:r>
+              <a:rPr lang="ko-KR" altLang="en-US" dirty="0">
+                <a:solidFill>
+                  <a:schemeClr val="bg1">
+                    <a:lumMod val="95000"/>
+                  </a:schemeClr>
+                </a:solidFill>
+              </a:rPr>
+              <a:t>보다 숫자가 크므로</a:t>
+            </a:r>
+            <a:r>
+              <a:rPr lang="en-US" altLang="ko-KR" dirty="0">
+                <a:solidFill>
+                  <a:schemeClr val="bg1">
+                    <a:lumMod val="95000"/>
+                  </a:schemeClr>
+                </a:solidFill>
+              </a:rPr>
+              <a:t>, </a:t>
+            </a:r>
+            <a:r>
+              <a:rPr lang="ko-KR" altLang="en-US" dirty="0">
+                <a:solidFill>
+                  <a:schemeClr val="bg1">
+                    <a:lumMod val="95000"/>
+                  </a:schemeClr>
+                </a:solidFill>
+              </a:rPr>
+              <a:t>배열</a:t>
+            </a:r>
+            <a:r>
+              <a:rPr lang="en-US" altLang="ko-KR" dirty="0">
+                <a:solidFill>
+                  <a:schemeClr val="bg1">
+                    <a:lumMod val="95000"/>
+                  </a:schemeClr>
+                </a:solidFill>
+              </a:rPr>
+              <a:t>[3]</a:t>
+            </a:r>
+            <a:r>
+              <a:rPr lang="ko-KR" altLang="en-US" dirty="0">
+                <a:solidFill>
+                  <a:schemeClr val="bg1">
+                    <a:lumMod val="95000"/>
+                  </a:schemeClr>
+                </a:solidFill>
+              </a:rPr>
+              <a:t>에 </a:t>
+            </a:r>
+            <a:r>
+              <a:rPr lang="en-US" altLang="ko-KR" dirty="0">
+                <a:solidFill>
+                  <a:schemeClr val="bg1">
+                    <a:lumMod val="95000"/>
+                  </a:schemeClr>
+                </a:solidFill>
+              </a:rPr>
+              <a:t>1</a:t>
+            </a:r>
+            <a:r>
+              <a:rPr lang="ko-KR" altLang="en-US" dirty="0">
+                <a:solidFill>
+                  <a:schemeClr val="bg1">
+                    <a:lumMod val="95000"/>
+                  </a:schemeClr>
+                </a:solidFill>
+              </a:rPr>
+              <a:t>를 저장함</a:t>
+            </a:r>
+          </a:p>
         </p:txBody>
       </p:sp>
+    </p:spTree>
+    <p:extLst>
+      <p:ext uri="{BB962C8B-B14F-4D97-AF65-F5344CB8AC3E}">
+        <p14:creationId xmlns:p14="http://schemas.microsoft.com/office/powerpoint/2010/main" val="982193171"/>
+      </p:ext>
+    </p:extLst>
+  </p:cSld>
+  <p:clrMapOvr>
+    <a:masterClrMapping/>
+  </p:clrMapOvr>
+</p:sld>
+</file>
+
+<file path=ppt/slides/slide6.xml><?xml version="1.0" encoding="utf-8"?>
+<p:sld xmlns:a="http://schemas.openxmlformats.org/drawingml/2006/main" xmlns:r="http://schemas.openxmlformats.org/officeDocument/2006/relationships" xmlns:p="http://schemas.openxmlformats.org/presentationml/2006/main">
+  <p:cSld>
+    <p:bg>
+      <p:bgPr>
+        <a:solidFill>
+          <a:schemeClr val="tx2">
+            <a:lumMod val="50000"/>
+          </a:schemeClr>
+        </a:solidFill>
+        <a:effectLst/>
+      </p:bgPr>
+    </p:bg>
+    <p:spTree>
+      <p:nvGrpSpPr>
+        <p:cNvPr id="1" name=""/>
+        <p:cNvGrpSpPr/>
+        <p:nvPr/>
+      </p:nvGrpSpPr>
+      <p:grpSpPr>
+        <a:xfrm>
+          <a:off x="0" y="0"/>
+          <a:ext cx="0" cy="0"/>
+          <a:chOff x="0" y="0"/>
+          <a:chExt cx="0" cy="0"/>
+        </a:xfrm>
+      </p:grpSpPr>
+      <p:graphicFrame>
+        <p:nvGraphicFramePr>
+          <p:cNvPr id="6" name="표 5">
+            <a:extLst>
+              <a:ext uri="{FF2B5EF4-FFF2-40B4-BE49-F238E27FC236}">
+                <a16:creationId xmlns:a16="http://schemas.microsoft.com/office/drawing/2014/main" id="{25178FBE-B363-44F8-818D-CA09E361AC6A}"/>
+              </a:ext>
+            </a:extLst>
+          </p:cNvPr>
+          <p:cNvGraphicFramePr>
+            <a:graphicFrameLocks noGrp="1"/>
+          </p:cNvGraphicFramePr>
+          <p:nvPr/>
+        </p:nvGraphicFramePr>
+        <p:xfrm>
+          <a:off x="844065" y="1813820"/>
+          <a:ext cx="9982824" cy="646331"/>
+        </p:xfrm>
+        <a:graphic>
+          <a:graphicData uri="http://schemas.openxmlformats.org/drawingml/2006/table">
+            <a:tbl>
+              <a:tblPr/>
+              <a:tblGrid>
+                <a:gridCol w="1247853">
+                  <a:extLst>
+                    <a:ext uri="{9D8B030D-6E8A-4147-A177-3AD203B41FA5}">
+                      <a16:colId xmlns:a16="http://schemas.microsoft.com/office/drawing/2014/main" val="3221884234"/>
+                    </a:ext>
+                  </a:extLst>
+                </a:gridCol>
+                <a:gridCol w="1247853">
+                  <a:extLst>
+                    <a:ext uri="{9D8B030D-6E8A-4147-A177-3AD203B41FA5}">
+                      <a16:colId xmlns:a16="http://schemas.microsoft.com/office/drawing/2014/main" val="1378666724"/>
+                    </a:ext>
+                  </a:extLst>
+                </a:gridCol>
+                <a:gridCol w="1247853">
+                  <a:extLst>
+                    <a:ext uri="{9D8B030D-6E8A-4147-A177-3AD203B41FA5}">
+                      <a16:colId xmlns:a16="http://schemas.microsoft.com/office/drawing/2014/main" val="2981916489"/>
+                    </a:ext>
+                  </a:extLst>
+                </a:gridCol>
+                <a:gridCol w="1247853">
+                  <a:extLst>
+                    <a:ext uri="{9D8B030D-6E8A-4147-A177-3AD203B41FA5}">
+                      <a16:colId xmlns:a16="http://schemas.microsoft.com/office/drawing/2014/main" val="2446702814"/>
+                    </a:ext>
+                  </a:extLst>
+                </a:gridCol>
+                <a:gridCol w="1247853">
+                  <a:extLst>
+                    <a:ext uri="{9D8B030D-6E8A-4147-A177-3AD203B41FA5}">
+                      <a16:colId xmlns:a16="http://schemas.microsoft.com/office/drawing/2014/main" val="3232487043"/>
+                    </a:ext>
+                  </a:extLst>
+                </a:gridCol>
+                <a:gridCol w="1247853">
+                  <a:extLst>
+                    <a:ext uri="{9D8B030D-6E8A-4147-A177-3AD203B41FA5}">
+                      <a16:colId xmlns:a16="http://schemas.microsoft.com/office/drawing/2014/main" val="3564761673"/>
+                    </a:ext>
+                  </a:extLst>
+                </a:gridCol>
+                <a:gridCol w="1247853">
+                  <a:extLst>
+                    <a:ext uri="{9D8B030D-6E8A-4147-A177-3AD203B41FA5}">
+                      <a16:colId xmlns:a16="http://schemas.microsoft.com/office/drawing/2014/main" val="751366682"/>
+                    </a:ext>
+                  </a:extLst>
+                </a:gridCol>
+                <a:gridCol w="1247853">
+                  <a:extLst>
+                    <a:ext uri="{9D8B030D-6E8A-4147-A177-3AD203B41FA5}">
+                      <a16:colId xmlns:a16="http://schemas.microsoft.com/office/drawing/2014/main" val="72017382"/>
+                    </a:ext>
+                  </a:extLst>
+                </a:gridCol>
+              </a:tblGrid>
+              <a:tr h="646331">
+                <a:tc>
+                  <a:txBody>
+                    <a:bodyPr/>
+                    <a:lstStyle/>
+                    <a:p>
+                      <a:pPr algn="ctr" latinLnBrk="1"/>
+                      <a:r>
+                        <a:rPr lang="en-US" altLang="ko-KR" sz="2400" dirty="0">
+                          <a:solidFill>
+                            <a:schemeClr val="bg1">
+                              <a:lumMod val="85000"/>
+                            </a:schemeClr>
+                          </a:solidFill>
+                        </a:rPr>
+                        <a:t>0</a:t>
+                      </a:r>
+                      <a:endParaRPr lang="ko-KR" altLang="en-US" sz="2400" dirty="0">
+                        <a:solidFill>
+                          <a:schemeClr val="bg1">
+                            <a:lumMod val="85000"/>
+                          </a:schemeClr>
+                        </a:solidFill>
+                      </a:endParaRPr>
+                    </a:p>
+                  </a:txBody>
+                  <a:tcPr anchor="ctr">
+                    <a:lnL w="12700" cmpd="sng">
+                      <a:solidFill>
+                        <a:schemeClr val="bg1"/>
+                      </a:solidFill>
+                      <a:prstDash val="solid"/>
+                    </a:lnL>
+                    <a:lnR w="12700" cap="flat" cmpd="sng" algn="ctr">
+                      <a:solidFill>
+                        <a:schemeClr val="bg1"/>
+                      </a:solidFill>
+                      <a:prstDash val="solid"/>
+                      <a:round/>
+                      <a:headEnd type="none" w="med" len="med"/>
+                      <a:tailEnd type="none" w="med" len="med"/>
+                    </a:lnR>
+                    <a:lnT w="12700" cmpd="sng">
+                      <a:solidFill>
+                        <a:schemeClr val="bg1"/>
+                      </a:solidFill>
+                      <a:prstDash val="solid"/>
+                    </a:lnT>
+                    <a:lnB w="12700" cmpd="sng">
+                      <a:solidFill>
+                        <a:schemeClr val="bg1"/>
+                      </a:solidFill>
+                      <a:prstDash val="solid"/>
+                    </a:lnB>
+                  </a:tcPr>
+                </a:tc>
+                <a:tc>
+                  <a:txBody>
+                    <a:bodyPr/>
+                    <a:lstStyle/>
+                    <a:p>
+                      <a:pPr algn="ctr" latinLnBrk="1"/>
+                      <a:r>
+                        <a:rPr lang="en-US" altLang="ko-KR" sz="2400" dirty="0">
+                          <a:solidFill>
+                            <a:schemeClr val="bg1">
+                              <a:lumMod val="85000"/>
+                            </a:schemeClr>
+                          </a:solidFill>
+                        </a:rPr>
+                        <a:t>1</a:t>
+                      </a:r>
+                      <a:endParaRPr lang="ko-KR" altLang="en-US" sz="2400" dirty="0">
+                        <a:solidFill>
+                          <a:schemeClr val="bg1">
+                            <a:lumMod val="85000"/>
+                          </a:schemeClr>
+                        </a:solidFill>
+                      </a:endParaRPr>
+                    </a:p>
+                  </a:txBody>
+                  <a:tcPr anchor="ctr">
+                    <a:lnL w="12700" cap="flat" cmpd="sng" algn="ctr">
+                      <a:solidFill>
+                        <a:schemeClr val="bg1"/>
+                      </a:solidFill>
+                      <a:prstDash val="solid"/>
+                      <a:round/>
+                      <a:headEnd type="none" w="med" len="med"/>
+                      <a:tailEnd type="none" w="med" len="med"/>
+                    </a:lnL>
+                    <a:lnR w="12700" cap="flat" cmpd="sng" algn="ctr">
+                      <a:solidFill>
+                        <a:schemeClr val="bg1"/>
+                      </a:solidFill>
+                      <a:prstDash val="solid"/>
+                      <a:round/>
+                      <a:headEnd type="none" w="med" len="med"/>
+                      <a:tailEnd type="none" w="med" len="med"/>
+                    </a:lnR>
+                    <a:lnT w="12700" cap="flat" cmpd="sng" algn="ctr">
+                      <a:solidFill>
+                        <a:schemeClr val="bg1"/>
+                      </a:solidFill>
+                      <a:prstDash val="solid"/>
+                      <a:round/>
+                      <a:headEnd type="none" w="med" len="med"/>
+                      <a:tailEnd type="none" w="med" len="med"/>
+                    </a:lnT>
+                    <a:lnB w="12700" cap="flat" cmpd="sng" algn="ctr">
+                      <a:solidFill>
+                        <a:schemeClr val="bg1"/>
+                      </a:solidFill>
+                      <a:prstDash val="solid"/>
+                      <a:round/>
+                      <a:headEnd type="none" w="med" len="med"/>
+                      <a:tailEnd type="none" w="med" len="med"/>
+                    </a:lnB>
+                  </a:tcPr>
+                </a:tc>
+                <a:tc>
+                  <a:txBody>
+                    <a:bodyPr/>
+                    <a:lstStyle/>
+                    <a:p>
+                      <a:pPr algn="ctr" latinLnBrk="1"/>
+                      <a:r>
+                        <a:rPr lang="en-US" altLang="ko-KR" sz="2400" b="0" dirty="0">
+                          <a:solidFill>
+                            <a:schemeClr val="bg1">
+                              <a:lumMod val="85000"/>
+                            </a:schemeClr>
+                          </a:solidFill>
+                        </a:rPr>
+                        <a:t>1</a:t>
+                      </a:r>
+                      <a:endParaRPr lang="ko-KR" altLang="en-US" sz="2400" b="0" dirty="0">
+                        <a:solidFill>
+                          <a:schemeClr val="bg1">
+                            <a:lumMod val="85000"/>
+                          </a:schemeClr>
+                        </a:solidFill>
+                      </a:endParaRPr>
+                    </a:p>
+                  </a:txBody>
+                  <a:tcPr anchor="ctr">
+                    <a:lnL w="12700" cap="flat" cmpd="sng" algn="ctr">
+                      <a:solidFill>
+                        <a:schemeClr val="bg1"/>
+                      </a:solidFill>
+                      <a:prstDash val="solid"/>
+                      <a:round/>
+                      <a:headEnd type="none" w="med" len="med"/>
+                      <a:tailEnd type="none" w="med" len="med"/>
+                    </a:lnL>
+                    <a:lnR w="12700" cap="flat" cmpd="sng" algn="ctr">
+                      <a:solidFill>
+                        <a:schemeClr val="bg1"/>
+                      </a:solidFill>
+                      <a:prstDash val="solid"/>
+                      <a:round/>
+                      <a:headEnd type="none" w="med" len="med"/>
+                      <a:tailEnd type="none" w="med" len="med"/>
+                    </a:lnR>
+                    <a:lnT w="12700" cap="flat" cmpd="sng" algn="ctr">
+                      <a:solidFill>
+                        <a:schemeClr val="bg1"/>
+                      </a:solidFill>
+                      <a:prstDash val="solid"/>
+                      <a:round/>
+                      <a:headEnd type="none" w="med" len="med"/>
+                      <a:tailEnd type="none" w="med" len="med"/>
+                    </a:lnT>
+                    <a:lnB w="12700" cap="flat" cmpd="sng" algn="ctr">
+                      <a:solidFill>
+                        <a:schemeClr val="bg1"/>
+                      </a:solidFill>
+                      <a:prstDash val="solid"/>
+                      <a:round/>
+                      <a:headEnd type="none" w="med" len="med"/>
+                      <a:tailEnd type="none" w="med" len="med"/>
+                    </a:lnB>
+                  </a:tcPr>
+                </a:tc>
+                <a:tc>
+                  <a:txBody>
+                    <a:bodyPr/>
+                    <a:lstStyle/>
+                    <a:p>
+                      <a:pPr algn="ctr" latinLnBrk="1"/>
+                      <a:r>
+                        <a:rPr lang="en-US" altLang="ko-KR" sz="2400" b="0" dirty="0">
+                          <a:solidFill>
+                            <a:schemeClr val="bg1">
+                              <a:lumMod val="85000"/>
+                            </a:schemeClr>
+                          </a:solidFill>
+                        </a:rPr>
+                        <a:t>1</a:t>
+                      </a:r>
+                      <a:endParaRPr lang="ko-KR" altLang="en-US" sz="2400" b="0" dirty="0">
+                        <a:solidFill>
+                          <a:schemeClr val="bg1">
+                            <a:lumMod val="85000"/>
+                          </a:schemeClr>
+                        </a:solidFill>
+                      </a:endParaRPr>
+                    </a:p>
+                  </a:txBody>
+                  <a:tcPr anchor="ctr">
+                    <a:lnL w="12700" cap="flat" cmpd="sng" algn="ctr">
+                      <a:solidFill>
+                        <a:schemeClr val="bg1"/>
+                      </a:solidFill>
+                      <a:prstDash val="solid"/>
+                      <a:round/>
+                      <a:headEnd type="none" w="med" len="med"/>
+                      <a:tailEnd type="none" w="med" len="med"/>
+                    </a:lnL>
+                    <a:lnR w="12700" cap="flat" cmpd="sng" algn="ctr">
+                      <a:solidFill>
+                        <a:schemeClr val="bg1"/>
+                      </a:solidFill>
+                      <a:prstDash val="solid"/>
+                      <a:round/>
+                      <a:headEnd type="none" w="med" len="med"/>
+                      <a:tailEnd type="none" w="med" len="med"/>
+                    </a:lnR>
+                    <a:lnT w="12700" cap="flat" cmpd="sng" algn="ctr">
+                      <a:solidFill>
+                        <a:schemeClr val="bg1"/>
+                      </a:solidFill>
+                      <a:prstDash val="solid"/>
+                      <a:round/>
+                      <a:headEnd type="none" w="med" len="med"/>
+                      <a:tailEnd type="none" w="med" len="med"/>
+                    </a:lnT>
+                    <a:lnB w="12700" cap="flat" cmpd="sng" algn="ctr">
+                      <a:solidFill>
+                        <a:schemeClr val="bg1"/>
+                      </a:solidFill>
+                      <a:prstDash val="solid"/>
+                      <a:round/>
+                      <a:headEnd type="none" w="med" len="med"/>
+                      <a:tailEnd type="none" w="med" len="med"/>
+                    </a:lnB>
+                  </a:tcPr>
+                </a:tc>
+                <a:tc>
+                  <a:txBody>
+                    <a:bodyPr/>
+                    <a:lstStyle/>
+                    <a:p>
+                      <a:pPr algn="ctr" latinLnBrk="1"/>
+                      <a:r>
+                        <a:rPr lang="en-US" altLang="ko-KR" sz="2400" dirty="0">
+                          <a:solidFill>
+                            <a:schemeClr val="bg1">
+                              <a:lumMod val="85000"/>
+                            </a:schemeClr>
+                          </a:solidFill>
+                        </a:rPr>
+                        <a:t>4</a:t>
+                      </a:r>
+                      <a:endParaRPr lang="ko-KR" altLang="en-US" sz="2400" dirty="0">
+                        <a:solidFill>
+                          <a:schemeClr val="bg1">
+                            <a:lumMod val="85000"/>
+                          </a:schemeClr>
+                        </a:solidFill>
+                      </a:endParaRPr>
+                    </a:p>
+                  </a:txBody>
+                  <a:tcPr anchor="ctr">
+                    <a:lnL w="12700" cap="flat" cmpd="sng" algn="ctr">
+                      <a:solidFill>
+                        <a:schemeClr val="bg1"/>
+                      </a:solidFill>
+                      <a:prstDash val="solid"/>
+                      <a:round/>
+                      <a:headEnd type="none" w="med" len="med"/>
+                      <a:tailEnd type="none" w="med" len="med"/>
+                    </a:lnL>
+                    <a:lnR w="12700" cap="flat" cmpd="sng" algn="ctr">
+                      <a:solidFill>
+                        <a:schemeClr val="bg1"/>
+                      </a:solidFill>
+                      <a:prstDash val="solid"/>
+                      <a:round/>
+                      <a:headEnd type="none" w="med" len="med"/>
+                      <a:tailEnd type="none" w="med" len="med"/>
+                    </a:lnR>
+                    <a:lnT w="12700" cap="flat" cmpd="sng" algn="ctr">
+                      <a:solidFill>
+                        <a:schemeClr val="bg1"/>
+                      </a:solidFill>
+                      <a:prstDash val="solid"/>
+                      <a:round/>
+                      <a:headEnd type="none" w="med" len="med"/>
+                      <a:tailEnd type="none" w="med" len="med"/>
+                    </a:lnT>
+                    <a:lnB w="12700" cap="flat" cmpd="sng" algn="ctr">
+                      <a:solidFill>
+                        <a:schemeClr val="bg1"/>
+                      </a:solidFill>
+                      <a:prstDash val="solid"/>
+                      <a:round/>
+                      <a:headEnd type="none" w="med" len="med"/>
+                      <a:tailEnd type="none" w="med" len="med"/>
+                    </a:lnB>
+                  </a:tcPr>
+                </a:tc>
+                <a:tc>
+                  <a:txBody>
+                    <a:bodyPr/>
+                    <a:lstStyle/>
+                    <a:p>
+                      <a:pPr algn="ctr" latinLnBrk="1"/>
+                      <a:r>
+                        <a:rPr lang="en-US" altLang="ko-KR" sz="2400" dirty="0">
+                          <a:solidFill>
+                            <a:schemeClr val="bg1">
+                              <a:lumMod val="85000"/>
+                            </a:schemeClr>
+                          </a:solidFill>
+                        </a:rPr>
+                        <a:t>5</a:t>
+                      </a:r>
+                      <a:endParaRPr lang="ko-KR" altLang="en-US" sz="2400" dirty="0">
+                        <a:solidFill>
+                          <a:schemeClr val="bg1">
+                            <a:lumMod val="85000"/>
+                          </a:schemeClr>
+                        </a:solidFill>
+                      </a:endParaRPr>
+                    </a:p>
+                  </a:txBody>
+                  <a:tcPr anchor="ctr">
+                    <a:lnL w="12700" cap="flat" cmpd="sng" algn="ctr">
+                      <a:solidFill>
+                        <a:schemeClr val="bg1"/>
+                      </a:solidFill>
+                      <a:prstDash val="solid"/>
+                      <a:round/>
+                      <a:headEnd type="none" w="med" len="med"/>
+                      <a:tailEnd type="none" w="med" len="med"/>
+                    </a:lnL>
+                    <a:lnR w="12700" cap="flat" cmpd="sng" algn="ctr">
+                      <a:solidFill>
+                        <a:schemeClr val="bg1"/>
+                      </a:solidFill>
+                      <a:prstDash val="solid"/>
+                      <a:round/>
+                      <a:headEnd type="none" w="med" len="med"/>
+                      <a:tailEnd type="none" w="med" len="med"/>
+                    </a:lnR>
+                    <a:lnT w="12700" cap="flat" cmpd="sng" algn="ctr">
+                      <a:solidFill>
+                        <a:schemeClr val="bg1"/>
+                      </a:solidFill>
+                      <a:prstDash val="solid"/>
+                      <a:round/>
+                      <a:headEnd type="none" w="med" len="med"/>
+                      <a:tailEnd type="none" w="med" len="med"/>
+                    </a:lnT>
+                    <a:lnB w="12700" cap="flat" cmpd="sng" algn="ctr">
+                      <a:solidFill>
+                        <a:schemeClr val="bg1"/>
+                      </a:solidFill>
+                      <a:prstDash val="solid"/>
+                      <a:round/>
+                      <a:headEnd type="none" w="med" len="med"/>
+                      <a:tailEnd type="none" w="med" len="med"/>
+                    </a:lnB>
+                  </a:tcPr>
+                </a:tc>
+                <a:tc>
+                  <a:txBody>
+                    <a:bodyPr/>
+                    <a:lstStyle/>
+                    <a:p>
+                      <a:pPr algn="ctr" latinLnBrk="1"/>
+                      <a:r>
+                        <a:rPr lang="en-US" altLang="ko-KR" sz="2400" dirty="0">
+                          <a:solidFill>
+                            <a:schemeClr val="bg1">
+                              <a:lumMod val="85000"/>
+                            </a:schemeClr>
+                          </a:solidFill>
+                        </a:rPr>
+                        <a:t>6</a:t>
+                      </a:r>
+                      <a:endParaRPr lang="ko-KR" altLang="en-US" sz="2400" dirty="0">
+                        <a:solidFill>
+                          <a:schemeClr val="bg1">
+                            <a:lumMod val="85000"/>
+                          </a:schemeClr>
+                        </a:solidFill>
+                      </a:endParaRPr>
+                    </a:p>
+                  </a:txBody>
+                  <a:tcPr anchor="ctr">
+                    <a:lnL w="12700" cap="flat" cmpd="sng" algn="ctr">
+                      <a:solidFill>
+                        <a:schemeClr val="bg1"/>
+                      </a:solidFill>
+                      <a:prstDash val="solid"/>
+                      <a:round/>
+                      <a:headEnd type="none" w="med" len="med"/>
+                      <a:tailEnd type="none" w="med" len="med"/>
+                    </a:lnL>
+                    <a:lnR w="12700" cap="flat" cmpd="sng" algn="ctr">
+                      <a:solidFill>
+                        <a:schemeClr val="bg1"/>
+                      </a:solidFill>
+                      <a:prstDash val="solid"/>
+                      <a:round/>
+                      <a:headEnd type="none" w="med" len="med"/>
+                      <a:tailEnd type="none" w="med" len="med"/>
+                    </a:lnR>
+                    <a:lnT w="12700" cap="flat" cmpd="sng" algn="ctr">
+                      <a:solidFill>
+                        <a:schemeClr val="bg1"/>
+                      </a:solidFill>
+                      <a:prstDash val="solid"/>
+                      <a:round/>
+                      <a:headEnd type="none" w="med" len="med"/>
+                      <a:tailEnd type="none" w="med" len="med"/>
+                    </a:lnT>
+                    <a:lnB w="12700" cap="flat" cmpd="sng" algn="ctr">
+                      <a:solidFill>
+                        <a:schemeClr val="bg1"/>
+                      </a:solidFill>
+                      <a:prstDash val="solid"/>
+                      <a:round/>
+                      <a:headEnd type="none" w="med" len="med"/>
+                      <a:tailEnd type="none" w="med" len="med"/>
+                    </a:lnB>
+                  </a:tcPr>
+                </a:tc>
+                <a:tc>
+                  <a:txBody>
+                    <a:bodyPr/>
+                    <a:lstStyle/>
+                    <a:p>
+                      <a:pPr algn="ctr" latinLnBrk="1"/>
+                      <a:r>
+                        <a:rPr lang="en-US" altLang="ko-KR" sz="2400" b="1" dirty="0">
+                          <a:solidFill>
+                            <a:srgbClr val="FF0000"/>
+                          </a:solidFill>
+                        </a:rPr>
+                        <a:t>4</a:t>
+                      </a:r>
+                      <a:endParaRPr lang="ko-KR" altLang="en-US" sz="2400" b="1" dirty="0">
+                        <a:solidFill>
+                          <a:srgbClr val="FF0000"/>
+                        </a:solidFill>
+                      </a:endParaRPr>
+                    </a:p>
+                  </a:txBody>
+                  <a:tcPr anchor="ctr">
+                    <a:lnL w="12700" cap="flat" cmpd="sng" algn="ctr">
+                      <a:solidFill>
+                        <a:schemeClr val="bg1"/>
+                      </a:solidFill>
+                      <a:prstDash val="solid"/>
+                      <a:round/>
+                      <a:headEnd type="none" w="med" len="med"/>
+                      <a:tailEnd type="none" w="med" len="med"/>
+                    </a:lnL>
+                    <a:lnR w="12700" cmpd="sng">
+                      <a:solidFill>
+                        <a:schemeClr val="bg1"/>
+                      </a:solidFill>
+                      <a:prstDash val="solid"/>
+                    </a:lnR>
+                    <a:lnT w="12700" cap="flat" cmpd="sng" algn="ctr">
+                      <a:solidFill>
+                        <a:schemeClr val="bg1"/>
+                      </a:solidFill>
+                      <a:prstDash val="solid"/>
+                      <a:round/>
+                      <a:headEnd type="none" w="med" len="med"/>
+                      <a:tailEnd type="none" w="med" len="med"/>
+                    </a:lnT>
+                    <a:lnB w="12700" cap="flat" cmpd="sng" algn="ctr">
+                      <a:solidFill>
+                        <a:schemeClr val="bg1"/>
+                      </a:solidFill>
+                      <a:prstDash val="solid"/>
+                      <a:round/>
+                      <a:headEnd type="none" w="med" len="med"/>
+                      <a:tailEnd type="none" w="med" len="med"/>
+                    </a:lnB>
+                  </a:tcPr>
+                </a:tc>
+                <a:extLst>
+                  <a:ext uri="{0D108BD9-81ED-4DB2-BD59-A6C34878D82A}">
+                    <a16:rowId xmlns:a16="http://schemas.microsoft.com/office/drawing/2014/main" val="1169592317"/>
+                  </a:ext>
+                </a:extLst>
+              </a:tr>
+            </a:tbl>
+          </a:graphicData>
+        </a:graphic>
+      </p:graphicFrame>
       <p:sp>
         <p:nvSpPr>
-          <p:cNvPr id="18" name="TextBox 17">
+          <p:cNvPr id="14" name="TextBox 13">
             <a:extLst>
               <a:ext uri="{FF2B5EF4-FFF2-40B4-BE49-F238E27FC236}">
-                <a16:creationId xmlns:a16="http://schemas.microsoft.com/office/drawing/2014/main" id="{204AEFFD-9B57-4BD2-9654-AD09BC2BF3A3}"/>
+                <a16:creationId xmlns:a16="http://schemas.microsoft.com/office/drawing/2014/main" id="{085D0EC4-2E3C-40D4-B8A1-334E696EA683}"/>
               </a:ext>
             </a:extLst>
           </p:cNvPr>
@@ -6284,8 +11047,8 @@
         </p:nvSpPr>
         <p:spPr>
           <a:xfrm>
-            <a:off x="786360" y="3159948"/>
-            <a:ext cx="1593673" cy="369332"/>
+            <a:off x="799330" y="517261"/>
+            <a:ext cx="7500608" cy="923330"/>
           </a:xfrm>
           <a:prstGeom prst="rect">
             <a:avLst/>
@@ -6299,6 +11062,26 @@
           <a:lstStyle/>
           <a:p>
             <a:r>
+              <a:rPr lang="ko-KR" altLang="en-US" dirty="0" err="1">
+                <a:solidFill>
+                  <a:schemeClr val="bg1">
+                    <a:lumMod val="95000"/>
+                  </a:schemeClr>
+                </a:solidFill>
+              </a:rPr>
+              <a:t>ㅇ</a:t>
+            </a:r>
+            <a:r>
+              <a:rPr lang="ko-KR" altLang="en-US" dirty="0">
+                <a:solidFill>
+                  <a:schemeClr val="bg1">
+                    <a:lumMod val="95000"/>
+                  </a:schemeClr>
+                </a:solidFill>
+              </a:rPr>
+              <a:t> 노드 </a:t>
+            </a:r>
+            <a:r>
               <a:rPr lang="en-US" altLang="ko-KR" dirty="0">
                 <a:solidFill>
                   <a:schemeClr val="bg1">
@@ -6306,7 +11089,7 @@
                   </a:schemeClr>
                 </a:solidFill>
               </a:rPr>
-              <a:t>N = 4</a:t>
+              <a:t>4</a:t>
             </a:r>
             <a:r>
               <a:rPr lang="ko-KR" altLang="en-US" dirty="0">
@@ -6316,17 +11099,798 @@
                   </a:schemeClr>
                 </a:solidFill>
               </a:rPr>
-              <a:t>일 때</a:t>
+              <a:t>와 노드 </a:t>
+            </a:r>
+            <a:r>
+              <a:rPr lang="en-US" altLang="ko-KR" dirty="0">
+                <a:solidFill>
+                  <a:schemeClr val="bg1">
+                    <a:lumMod val="95000"/>
+                  </a:schemeClr>
+                </a:solidFill>
+              </a:rPr>
+              <a:t>7</a:t>
+            </a:r>
+            <a:r>
+              <a:rPr lang="ko-KR" altLang="en-US" dirty="0">
+                <a:solidFill>
+                  <a:schemeClr val="bg1">
+                    <a:lumMod val="95000"/>
+                  </a:schemeClr>
+                </a:solidFill>
+              </a:rPr>
+              <a:t>가 연결되어 있다는 정보를 표현할 때</a:t>
+            </a:r>
+            <a:endParaRPr lang="en-US" altLang="ko-KR" dirty="0">
+              <a:solidFill>
+                <a:schemeClr val="bg1">
+                  <a:lumMod val="95000"/>
+                </a:schemeClr>
+              </a:solidFill>
+            </a:endParaRPr>
+          </a:p>
+          <a:p>
+            <a:endParaRPr lang="en-US" altLang="ko-KR" dirty="0">
+              <a:solidFill>
+                <a:schemeClr val="bg1">
+                  <a:lumMod val="95000"/>
+                </a:schemeClr>
+              </a:solidFill>
+            </a:endParaRPr>
+          </a:p>
+          <a:p>
+            <a:r>
+              <a:rPr lang="ko-KR" altLang="en-US" dirty="0">
+                <a:solidFill>
+                  <a:schemeClr val="bg1">
+                    <a:lumMod val="95000"/>
+                  </a:schemeClr>
+                </a:solidFill>
+              </a:rPr>
+              <a:t>  노드 </a:t>
+            </a:r>
+            <a:r>
+              <a:rPr lang="en-US" altLang="ko-KR" dirty="0">
+                <a:solidFill>
+                  <a:schemeClr val="bg1">
+                    <a:lumMod val="95000"/>
+                  </a:schemeClr>
+                </a:solidFill>
+              </a:rPr>
+              <a:t>7</a:t>
+            </a:r>
+            <a:r>
+              <a:rPr lang="ko-KR" altLang="en-US" dirty="0">
+                <a:solidFill>
+                  <a:schemeClr val="bg1">
+                    <a:lumMod val="95000"/>
+                  </a:schemeClr>
+                </a:solidFill>
+              </a:rPr>
+              <a:t>은 노드 </a:t>
+            </a:r>
+            <a:r>
+              <a:rPr lang="en-US" altLang="ko-KR" dirty="0">
+                <a:solidFill>
+                  <a:schemeClr val="bg1">
+                    <a:lumMod val="95000"/>
+                  </a:schemeClr>
+                </a:solidFill>
+              </a:rPr>
+              <a:t>4</a:t>
+            </a:r>
+            <a:r>
+              <a:rPr lang="ko-KR" altLang="en-US" dirty="0">
+                <a:solidFill>
+                  <a:schemeClr val="bg1">
+                    <a:lumMod val="95000"/>
+                  </a:schemeClr>
+                </a:solidFill>
+              </a:rPr>
+              <a:t>보다 숫자가 크므로</a:t>
+            </a:r>
+            <a:r>
+              <a:rPr lang="en-US" altLang="ko-KR" dirty="0">
+                <a:solidFill>
+                  <a:schemeClr val="bg1">
+                    <a:lumMod val="95000"/>
+                  </a:schemeClr>
+                </a:solidFill>
+              </a:rPr>
+              <a:t>, </a:t>
+            </a:r>
+            <a:r>
+              <a:rPr lang="ko-KR" altLang="en-US" dirty="0">
+                <a:solidFill>
+                  <a:schemeClr val="bg1">
+                    <a:lumMod val="95000"/>
+                  </a:schemeClr>
+                </a:solidFill>
+              </a:rPr>
+              <a:t>노드 </a:t>
+            </a:r>
+            <a:r>
+              <a:rPr lang="en-US" altLang="ko-KR" dirty="0">
+                <a:solidFill>
+                  <a:schemeClr val="bg1">
+                    <a:lumMod val="95000"/>
+                  </a:schemeClr>
+                </a:solidFill>
+              </a:rPr>
+              <a:t>7</a:t>
+            </a:r>
+            <a:r>
+              <a:rPr lang="ko-KR" altLang="en-US" dirty="0">
+                <a:solidFill>
+                  <a:schemeClr val="bg1">
+                    <a:lumMod val="95000"/>
+                  </a:schemeClr>
+                </a:solidFill>
+              </a:rPr>
+              <a:t>에 </a:t>
+            </a:r>
+            <a:r>
+              <a:rPr lang="en-US" altLang="ko-KR" dirty="0">
+                <a:solidFill>
+                  <a:schemeClr val="bg1">
+                    <a:lumMod val="95000"/>
+                  </a:schemeClr>
+                </a:solidFill>
+              </a:rPr>
+              <a:t>4</a:t>
+            </a:r>
+            <a:r>
+              <a:rPr lang="ko-KR" altLang="en-US" dirty="0">
+                <a:solidFill>
+                  <a:schemeClr val="bg1">
+                    <a:lumMod val="95000"/>
+                  </a:schemeClr>
+                </a:solidFill>
+              </a:rPr>
+              <a:t>를 저장함</a:t>
             </a:r>
           </a:p>
         </p:txBody>
       </p:sp>
+    </p:spTree>
+    <p:extLst>
+      <p:ext uri="{BB962C8B-B14F-4D97-AF65-F5344CB8AC3E}">
+        <p14:creationId xmlns:p14="http://schemas.microsoft.com/office/powerpoint/2010/main" val="103961986"/>
+      </p:ext>
+    </p:extLst>
+  </p:cSld>
+  <p:clrMapOvr>
+    <a:masterClrMapping/>
+  </p:clrMapOvr>
+</p:sld>
+</file>
+
+<file path=ppt/slides/slide7.xml><?xml version="1.0" encoding="utf-8"?>
+<p:sld xmlns:a="http://schemas.openxmlformats.org/drawingml/2006/main" xmlns:r="http://schemas.openxmlformats.org/officeDocument/2006/relationships" xmlns:p="http://schemas.openxmlformats.org/presentationml/2006/main">
+  <p:cSld>
+    <p:bg>
+      <p:bgPr>
+        <a:solidFill>
+          <a:schemeClr val="tx2">
+            <a:lumMod val="50000"/>
+          </a:schemeClr>
+        </a:solidFill>
+        <a:effectLst/>
+      </p:bgPr>
+    </p:bg>
+    <p:spTree>
+      <p:nvGrpSpPr>
+        <p:cNvPr id="1" name=""/>
+        <p:cNvGrpSpPr/>
+        <p:nvPr/>
+      </p:nvGrpSpPr>
+      <p:grpSpPr>
+        <a:xfrm>
+          <a:off x="0" y="0"/>
+          <a:ext cx="0" cy="0"/>
+          <a:chOff x="0" y="0"/>
+          <a:chExt cx="0" cy="0"/>
+        </a:xfrm>
+      </p:grpSpPr>
+      <p:graphicFrame>
+        <p:nvGraphicFramePr>
+          <p:cNvPr id="6" name="표 5">
+            <a:extLst>
+              <a:ext uri="{FF2B5EF4-FFF2-40B4-BE49-F238E27FC236}">
+                <a16:creationId xmlns:a16="http://schemas.microsoft.com/office/drawing/2014/main" id="{25178FBE-B363-44F8-818D-CA09E361AC6A}"/>
+              </a:ext>
+            </a:extLst>
+          </p:cNvPr>
+          <p:cNvGraphicFramePr>
+            <a:graphicFrameLocks noGrp="1"/>
+          </p:cNvGraphicFramePr>
+          <p:nvPr>
+            <p:extLst>
+              <p:ext uri="{D42A27DB-BD31-4B8C-83A1-F6EECF244321}">
+                <p14:modId xmlns:p14="http://schemas.microsoft.com/office/powerpoint/2010/main" val="2628140389"/>
+              </p:ext>
+            </p:extLst>
+          </p:nvPr>
+        </p:nvGraphicFramePr>
+        <p:xfrm>
+          <a:off x="844065" y="1813820"/>
+          <a:ext cx="9982824" cy="646331"/>
+        </p:xfrm>
+        <a:graphic>
+          <a:graphicData uri="http://schemas.openxmlformats.org/drawingml/2006/table">
+            <a:tbl>
+              <a:tblPr/>
+              <a:tblGrid>
+                <a:gridCol w="1247853">
+                  <a:extLst>
+                    <a:ext uri="{9D8B030D-6E8A-4147-A177-3AD203B41FA5}">
+                      <a16:colId xmlns:a16="http://schemas.microsoft.com/office/drawing/2014/main" val="3221884234"/>
+                    </a:ext>
+                  </a:extLst>
+                </a:gridCol>
+                <a:gridCol w="1247853">
+                  <a:extLst>
+                    <a:ext uri="{9D8B030D-6E8A-4147-A177-3AD203B41FA5}">
+                      <a16:colId xmlns:a16="http://schemas.microsoft.com/office/drawing/2014/main" val="1378666724"/>
+                    </a:ext>
+                  </a:extLst>
+                </a:gridCol>
+                <a:gridCol w="1247853">
+                  <a:extLst>
+                    <a:ext uri="{9D8B030D-6E8A-4147-A177-3AD203B41FA5}">
+                      <a16:colId xmlns:a16="http://schemas.microsoft.com/office/drawing/2014/main" val="2981916489"/>
+                    </a:ext>
+                  </a:extLst>
+                </a:gridCol>
+                <a:gridCol w="1247853">
+                  <a:extLst>
+                    <a:ext uri="{9D8B030D-6E8A-4147-A177-3AD203B41FA5}">
+                      <a16:colId xmlns:a16="http://schemas.microsoft.com/office/drawing/2014/main" val="2446702814"/>
+                    </a:ext>
+                  </a:extLst>
+                </a:gridCol>
+                <a:gridCol w="1247853">
+                  <a:extLst>
+                    <a:ext uri="{9D8B030D-6E8A-4147-A177-3AD203B41FA5}">
+                      <a16:colId xmlns:a16="http://schemas.microsoft.com/office/drawing/2014/main" val="3232487043"/>
+                    </a:ext>
+                  </a:extLst>
+                </a:gridCol>
+                <a:gridCol w="1247853">
+                  <a:extLst>
+                    <a:ext uri="{9D8B030D-6E8A-4147-A177-3AD203B41FA5}">
+                      <a16:colId xmlns:a16="http://schemas.microsoft.com/office/drawing/2014/main" val="3564761673"/>
+                    </a:ext>
+                  </a:extLst>
+                </a:gridCol>
+                <a:gridCol w="1247853">
+                  <a:extLst>
+                    <a:ext uri="{9D8B030D-6E8A-4147-A177-3AD203B41FA5}">
+                      <a16:colId xmlns:a16="http://schemas.microsoft.com/office/drawing/2014/main" val="751366682"/>
+                    </a:ext>
+                  </a:extLst>
+                </a:gridCol>
+                <a:gridCol w="1247853">
+                  <a:extLst>
+                    <a:ext uri="{9D8B030D-6E8A-4147-A177-3AD203B41FA5}">
+                      <a16:colId xmlns:a16="http://schemas.microsoft.com/office/drawing/2014/main" val="72017382"/>
+                    </a:ext>
+                  </a:extLst>
+                </a:gridCol>
+              </a:tblGrid>
+              <a:tr h="646331">
+                <a:tc>
+                  <a:txBody>
+                    <a:bodyPr/>
+                    <a:lstStyle/>
+                    <a:p>
+                      <a:pPr algn="ctr" latinLnBrk="1"/>
+                      <a:r>
+                        <a:rPr lang="en-US" altLang="ko-KR" sz="2400" dirty="0">
+                          <a:solidFill>
+                            <a:schemeClr val="bg1">
+                              <a:lumMod val="85000"/>
+                            </a:schemeClr>
+                          </a:solidFill>
+                        </a:rPr>
+                        <a:t>0</a:t>
+                      </a:r>
+                      <a:endParaRPr lang="ko-KR" altLang="en-US" sz="2400" dirty="0">
+                        <a:solidFill>
+                          <a:schemeClr val="bg1">
+                            <a:lumMod val="85000"/>
+                          </a:schemeClr>
+                        </a:solidFill>
+                      </a:endParaRPr>
+                    </a:p>
+                  </a:txBody>
+                  <a:tcPr anchor="ctr">
+                    <a:lnL w="12700" cmpd="sng">
+                      <a:solidFill>
+                        <a:schemeClr val="bg1"/>
+                      </a:solidFill>
+                      <a:prstDash val="solid"/>
+                    </a:lnL>
+                    <a:lnR w="12700" cap="flat" cmpd="sng" algn="ctr">
+                      <a:solidFill>
+                        <a:schemeClr val="bg1"/>
+                      </a:solidFill>
+                      <a:prstDash val="solid"/>
+                      <a:round/>
+                      <a:headEnd type="none" w="med" len="med"/>
+                      <a:tailEnd type="none" w="med" len="med"/>
+                    </a:lnR>
+                    <a:lnT w="12700" cmpd="sng">
+                      <a:solidFill>
+                        <a:schemeClr val="bg1"/>
+                      </a:solidFill>
+                      <a:prstDash val="solid"/>
+                    </a:lnT>
+                    <a:lnB w="12700" cmpd="sng">
+                      <a:solidFill>
+                        <a:schemeClr val="bg1"/>
+                      </a:solidFill>
+                      <a:prstDash val="solid"/>
+                    </a:lnB>
+                  </a:tcPr>
+                </a:tc>
+                <a:tc>
+                  <a:txBody>
+                    <a:bodyPr/>
+                    <a:lstStyle/>
+                    <a:p>
+                      <a:pPr algn="ctr" latinLnBrk="1"/>
+                      <a:r>
+                        <a:rPr lang="en-US" altLang="ko-KR" sz="2400" dirty="0">
+                          <a:solidFill>
+                            <a:schemeClr val="bg1">
+                              <a:lumMod val="85000"/>
+                            </a:schemeClr>
+                          </a:solidFill>
+                        </a:rPr>
+                        <a:t>1</a:t>
+                      </a:r>
+                      <a:endParaRPr lang="ko-KR" altLang="en-US" sz="2400" dirty="0">
+                        <a:solidFill>
+                          <a:schemeClr val="bg1">
+                            <a:lumMod val="85000"/>
+                          </a:schemeClr>
+                        </a:solidFill>
+                      </a:endParaRPr>
+                    </a:p>
+                  </a:txBody>
+                  <a:tcPr anchor="ctr">
+                    <a:lnL w="12700" cap="flat" cmpd="sng" algn="ctr">
+                      <a:solidFill>
+                        <a:schemeClr val="bg1"/>
+                      </a:solidFill>
+                      <a:prstDash val="solid"/>
+                      <a:round/>
+                      <a:headEnd type="none" w="med" len="med"/>
+                      <a:tailEnd type="none" w="med" len="med"/>
+                    </a:lnL>
+                    <a:lnR w="12700" cap="flat" cmpd="sng" algn="ctr">
+                      <a:solidFill>
+                        <a:schemeClr val="bg1"/>
+                      </a:solidFill>
+                      <a:prstDash val="solid"/>
+                      <a:round/>
+                      <a:headEnd type="none" w="med" len="med"/>
+                      <a:tailEnd type="none" w="med" len="med"/>
+                    </a:lnR>
+                    <a:lnT w="12700" cap="flat" cmpd="sng" algn="ctr">
+                      <a:solidFill>
+                        <a:schemeClr val="bg1"/>
+                      </a:solidFill>
+                      <a:prstDash val="solid"/>
+                      <a:round/>
+                      <a:headEnd type="none" w="med" len="med"/>
+                      <a:tailEnd type="none" w="med" len="med"/>
+                    </a:lnT>
+                    <a:lnB w="12700" cap="flat" cmpd="sng" algn="ctr">
+                      <a:solidFill>
+                        <a:schemeClr val="bg1"/>
+                      </a:solidFill>
+                      <a:prstDash val="solid"/>
+                      <a:round/>
+                      <a:headEnd type="none" w="med" len="med"/>
+                      <a:tailEnd type="none" w="med" len="med"/>
+                    </a:lnB>
+                  </a:tcPr>
+                </a:tc>
+                <a:tc>
+                  <a:txBody>
+                    <a:bodyPr/>
+                    <a:lstStyle/>
+                    <a:p>
+                      <a:pPr algn="ctr" latinLnBrk="1"/>
+                      <a:r>
+                        <a:rPr lang="en-US" altLang="ko-KR" sz="2400" b="0" dirty="0">
+                          <a:solidFill>
+                            <a:schemeClr val="bg1">
+                              <a:lumMod val="85000"/>
+                            </a:schemeClr>
+                          </a:solidFill>
+                        </a:rPr>
+                        <a:t>1</a:t>
+                      </a:r>
+                      <a:endParaRPr lang="ko-KR" altLang="en-US" sz="2400" b="0" dirty="0">
+                        <a:solidFill>
+                          <a:schemeClr val="bg1">
+                            <a:lumMod val="85000"/>
+                          </a:schemeClr>
+                        </a:solidFill>
+                      </a:endParaRPr>
+                    </a:p>
+                  </a:txBody>
+                  <a:tcPr anchor="ctr">
+                    <a:lnL w="12700" cap="flat" cmpd="sng" algn="ctr">
+                      <a:solidFill>
+                        <a:schemeClr val="bg1"/>
+                      </a:solidFill>
+                      <a:prstDash val="solid"/>
+                      <a:round/>
+                      <a:headEnd type="none" w="med" len="med"/>
+                      <a:tailEnd type="none" w="med" len="med"/>
+                    </a:lnL>
+                    <a:lnR w="12700" cap="flat" cmpd="sng" algn="ctr">
+                      <a:solidFill>
+                        <a:schemeClr val="bg1"/>
+                      </a:solidFill>
+                      <a:prstDash val="solid"/>
+                      <a:round/>
+                      <a:headEnd type="none" w="med" len="med"/>
+                      <a:tailEnd type="none" w="med" len="med"/>
+                    </a:lnR>
+                    <a:lnT w="12700" cap="flat" cmpd="sng" algn="ctr">
+                      <a:solidFill>
+                        <a:schemeClr val="bg1"/>
+                      </a:solidFill>
+                      <a:prstDash val="solid"/>
+                      <a:round/>
+                      <a:headEnd type="none" w="med" len="med"/>
+                      <a:tailEnd type="none" w="med" len="med"/>
+                    </a:lnT>
+                    <a:lnB w="12700" cap="flat" cmpd="sng" algn="ctr">
+                      <a:solidFill>
+                        <a:schemeClr val="bg1"/>
+                      </a:solidFill>
+                      <a:prstDash val="solid"/>
+                      <a:round/>
+                      <a:headEnd type="none" w="med" len="med"/>
+                      <a:tailEnd type="none" w="med" len="med"/>
+                    </a:lnB>
+                  </a:tcPr>
+                </a:tc>
+                <a:tc>
+                  <a:txBody>
+                    <a:bodyPr/>
+                    <a:lstStyle/>
+                    <a:p>
+                      <a:pPr algn="ctr" latinLnBrk="1"/>
+                      <a:r>
+                        <a:rPr lang="en-US" altLang="ko-KR" sz="2400" b="0" dirty="0">
+                          <a:solidFill>
+                            <a:schemeClr val="bg1">
+                              <a:lumMod val="85000"/>
+                            </a:schemeClr>
+                          </a:solidFill>
+                        </a:rPr>
+                        <a:t>1</a:t>
+                      </a:r>
+                      <a:endParaRPr lang="ko-KR" altLang="en-US" sz="2400" b="0" dirty="0">
+                        <a:solidFill>
+                          <a:schemeClr val="bg1">
+                            <a:lumMod val="85000"/>
+                          </a:schemeClr>
+                        </a:solidFill>
+                      </a:endParaRPr>
+                    </a:p>
+                  </a:txBody>
+                  <a:tcPr anchor="ctr">
+                    <a:lnL w="12700" cap="flat" cmpd="sng" algn="ctr">
+                      <a:solidFill>
+                        <a:schemeClr val="bg1"/>
+                      </a:solidFill>
+                      <a:prstDash val="solid"/>
+                      <a:round/>
+                      <a:headEnd type="none" w="med" len="med"/>
+                      <a:tailEnd type="none" w="med" len="med"/>
+                    </a:lnL>
+                    <a:lnR w="12700" cap="flat" cmpd="sng" algn="ctr">
+                      <a:solidFill>
+                        <a:schemeClr val="bg1"/>
+                      </a:solidFill>
+                      <a:prstDash val="solid"/>
+                      <a:round/>
+                      <a:headEnd type="none" w="med" len="med"/>
+                      <a:tailEnd type="none" w="med" len="med"/>
+                    </a:lnR>
+                    <a:lnT w="12700" cap="flat" cmpd="sng" algn="ctr">
+                      <a:solidFill>
+                        <a:schemeClr val="bg1"/>
+                      </a:solidFill>
+                      <a:prstDash val="solid"/>
+                      <a:round/>
+                      <a:headEnd type="none" w="med" len="med"/>
+                      <a:tailEnd type="none" w="med" len="med"/>
+                    </a:lnT>
+                    <a:lnB w="12700" cap="flat" cmpd="sng" algn="ctr">
+                      <a:solidFill>
+                        <a:schemeClr val="bg1"/>
+                      </a:solidFill>
+                      <a:prstDash val="solid"/>
+                      <a:round/>
+                      <a:headEnd type="none" w="med" len="med"/>
+                      <a:tailEnd type="none" w="med" len="med"/>
+                    </a:lnB>
+                  </a:tcPr>
+                </a:tc>
+                <a:tc>
+                  <a:txBody>
+                    <a:bodyPr/>
+                    <a:lstStyle/>
+                    <a:p>
+                      <a:pPr algn="ctr" latinLnBrk="1"/>
+                      <a:r>
+                        <a:rPr lang="en-US" altLang="ko-KR" sz="2400" dirty="0">
+                          <a:solidFill>
+                            <a:schemeClr val="bg1">
+                              <a:lumMod val="85000"/>
+                            </a:schemeClr>
+                          </a:solidFill>
+                        </a:rPr>
+                        <a:t>4</a:t>
+                      </a:r>
+                      <a:endParaRPr lang="ko-KR" altLang="en-US" sz="2400" dirty="0">
+                        <a:solidFill>
+                          <a:schemeClr val="bg1">
+                            <a:lumMod val="85000"/>
+                          </a:schemeClr>
+                        </a:solidFill>
+                      </a:endParaRPr>
+                    </a:p>
+                  </a:txBody>
+                  <a:tcPr anchor="ctr">
+                    <a:lnL w="12700" cap="flat" cmpd="sng" algn="ctr">
+                      <a:solidFill>
+                        <a:schemeClr val="bg1"/>
+                      </a:solidFill>
+                      <a:prstDash val="solid"/>
+                      <a:round/>
+                      <a:headEnd type="none" w="med" len="med"/>
+                      <a:tailEnd type="none" w="med" len="med"/>
+                    </a:lnL>
+                    <a:lnR w="12700" cap="flat" cmpd="sng" algn="ctr">
+                      <a:solidFill>
+                        <a:schemeClr val="bg1"/>
+                      </a:solidFill>
+                      <a:prstDash val="solid"/>
+                      <a:round/>
+                      <a:headEnd type="none" w="med" len="med"/>
+                      <a:tailEnd type="none" w="med" len="med"/>
+                    </a:lnR>
+                    <a:lnT w="12700" cap="flat" cmpd="sng" algn="ctr">
+                      <a:solidFill>
+                        <a:schemeClr val="bg1"/>
+                      </a:solidFill>
+                      <a:prstDash val="solid"/>
+                      <a:round/>
+                      <a:headEnd type="none" w="med" len="med"/>
+                      <a:tailEnd type="none" w="med" len="med"/>
+                    </a:lnT>
+                    <a:lnB w="12700" cap="flat" cmpd="sng" algn="ctr">
+                      <a:solidFill>
+                        <a:schemeClr val="bg1"/>
+                      </a:solidFill>
+                      <a:prstDash val="solid"/>
+                      <a:round/>
+                      <a:headEnd type="none" w="med" len="med"/>
+                      <a:tailEnd type="none" w="med" len="med"/>
+                    </a:lnB>
+                  </a:tcPr>
+                </a:tc>
+                <a:tc>
+                  <a:txBody>
+                    <a:bodyPr/>
+                    <a:lstStyle/>
+                    <a:p>
+                      <a:pPr algn="ctr" latinLnBrk="1"/>
+                      <a:r>
+                        <a:rPr lang="en-US" altLang="ko-KR" sz="2400" dirty="0">
+                          <a:solidFill>
+                            <a:schemeClr val="bg1">
+                              <a:lumMod val="85000"/>
+                            </a:schemeClr>
+                          </a:solidFill>
+                        </a:rPr>
+                        <a:t>5</a:t>
+                      </a:r>
+                      <a:endParaRPr lang="ko-KR" altLang="en-US" sz="2400" dirty="0">
+                        <a:solidFill>
+                          <a:schemeClr val="bg1">
+                            <a:lumMod val="85000"/>
+                          </a:schemeClr>
+                        </a:solidFill>
+                      </a:endParaRPr>
+                    </a:p>
+                  </a:txBody>
+                  <a:tcPr anchor="ctr">
+                    <a:lnL w="12700" cap="flat" cmpd="sng" algn="ctr">
+                      <a:solidFill>
+                        <a:schemeClr val="bg1"/>
+                      </a:solidFill>
+                      <a:prstDash val="solid"/>
+                      <a:round/>
+                      <a:headEnd type="none" w="med" len="med"/>
+                      <a:tailEnd type="none" w="med" len="med"/>
+                    </a:lnL>
+                    <a:lnR w="12700" cap="flat" cmpd="sng" algn="ctr">
+                      <a:solidFill>
+                        <a:schemeClr val="bg1"/>
+                      </a:solidFill>
+                      <a:prstDash val="solid"/>
+                      <a:round/>
+                      <a:headEnd type="none" w="med" len="med"/>
+                      <a:tailEnd type="none" w="med" len="med"/>
+                    </a:lnR>
+                    <a:lnT w="12700" cap="flat" cmpd="sng" algn="ctr">
+                      <a:solidFill>
+                        <a:schemeClr val="bg1"/>
+                      </a:solidFill>
+                      <a:prstDash val="solid"/>
+                      <a:round/>
+                      <a:headEnd type="none" w="med" len="med"/>
+                      <a:tailEnd type="none" w="med" len="med"/>
+                    </a:lnT>
+                    <a:lnB w="12700" cap="flat" cmpd="sng" algn="ctr">
+                      <a:solidFill>
+                        <a:schemeClr val="bg1"/>
+                      </a:solidFill>
+                      <a:prstDash val="solid"/>
+                      <a:round/>
+                      <a:headEnd type="none" w="med" len="med"/>
+                      <a:tailEnd type="none" w="med" len="med"/>
+                    </a:lnB>
+                  </a:tcPr>
+                </a:tc>
+                <a:tc>
+                  <a:txBody>
+                    <a:bodyPr/>
+                    <a:lstStyle/>
+                    <a:p>
+                      <a:pPr algn="ctr" latinLnBrk="1"/>
+                      <a:r>
+                        <a:rPr lang="en-US" altLang="ko-KR" sz="2400" b="1" dirty="0">
+                          <a:solidFill>
+                            <a:srgbClr val="FF0000"/>
+                          </a:solidFill>
+                        </a:rPr>
+                        <a:t>5</a:t>
+                      </a:r>
+                      <a:endParaRPr lang="ko-KR" altLang="en-US" sz="2400" b="1" dirty="0">
+                        <a:solidFill>
+                          <a:srgbClr val="FF0000"/>
+                        </a:solidFill>
+                      </a:endParaRPr>
+                    </a:p>
+                  </a:txBody>
+                  <a:tcPr anchor="ctr">
+                    <a:lnL w="12700" cap="flat" cmpd="sng" algn="ctr">
+                      <a:solidFill>
+                        <a:schemeClr val="bg1"/>
+                      </a:solidFill>
+                      <a:prstDash val="solid"/>
+                      <a:round/>
+                      <a:headEnd type="none" w="med" len="med"/>
+                      <a:tailEnd type="none" w="med" len="med"/>
+                    </a:lnL>
+                    <a:lnR w="12700" cap="flat" cmpd="sng" algn="ctr">
+                      <a:solidFill>
+                        <a:schemeClr val="bg1"/>
+                      </a:solidFill>
+                      <a:prstDash val="solid"/>
+                      <a:round/>
+                      <a:headEnd type="none" w="med" len="med"/>
+                      <a:tailEnd type="none" w="med" len="med"/>
+                    </a:lnR>
+                    <a:lnT w="12700" cap="flat" cmpd="sng" algn="ctr">
+                      <a:solidFill>
+                        <a:schemeClr val="bg1"/>
+                      </a:solidFill>
+                      <a:prstDash val="solid"/>
+                      <a:round/>
+                      <a:headEnd type="none" w="med" len="med"/>
+                      <a:tailEnd type="none" w="med" len="med"/>
+                    </a:lnT>
+                    <a:lnB w="12700" cap="flat" cmpd="sng" algn="ctr">
+                      <a:solidFill>
+                        <a:schemeClr val="bg1"/>
+                      </a:solidFill>
+                      <a:prstDash val="solid"/>
+                      <a:round/>
+                      <a:headEnd type="none" w="med" len="med"/>
+                      <a:tailEnd type="none" w="med" len="med"/>
+                    </a:lnB>
+                  </a:tcPr>
+                </a:tc>
+                <a:tc>
+                  <a:txBody>
+                    <a:bodyPr/>
+                    <a:lstStyle/>
+                    <a:p>
+                      <a:pPr algn="ctr" latinLnBrk="1"/>
+                      <a:r>
+                        <a:rPr lang="en-US" altLang="ko-KR" sz="2400" b="0" dirty="0">
+                          <a:solidFill>
+                            <a:schemeClr val="bg1">
+                              <a:lumMod val="85000"/>
+                            </a:schemeClr>
+                          </a:solidFill>
+                        </a:rPr>
+                        <a:t>4</a:t>
+                      </a:r>
+                      <a:endParaRPr lang="ko-KR" altLang="en-US" sz="2400" b="0" dirty="0">
+                        <a:solidFill>
+                          <a:schemeClr val="bg1">
+                            <a:lumMod val="85000"/>
+                          </a:schemeClr>
+                        </a:solidFill>
+                      </a:endParaRPr>
+                    </a:p>
+                  </a:txBody>
+                  <a:tcPr anchor="ctr">
+                    <a:lnL w="12700" cap="flat" cmpd="sng" algn="ctr">
+                      <a:solidFill>
+                        <a:schemeClr val="bg1"/>
+                      </a:solidFill>
+                      <a:prstDash val="solid"/>
+                      <a:round/>
+                      <a:headEnd type="none" w="med" len="med"/>
+                      <a:tailEnd type="none" w="med" len="med"/>
+                    </a:lnL>
+                    <a:lnR w="12700" cmpd="sng">
+                      <a:solidFill>
+                        <a:schemeClr val="bg1"/>
+                      </a:solidFill>
+                      <a:prstDash val="solid"/>
+                    </a:lnR>
+                    <a:lnT w="12700" cap="flat" cmpd="sng" algn="ctr">
+                      <a:solidFill>
+                        <a:schemeClr val="bg1"/>
+                      </a:solidFill>
+                      <a:prstDash val="solid"/>
+                      <a:round/>
+                      <a:headEnd type="none" w="med" len="med"/>
+                      <a:tailEnd type="none" w="med" len="med"/>
+                    </a:lnT>
+                    <a:lnB w="12700" cap="flat" cmpd="sng" algn="ctr">
+                      <a:solidFill>
+                        <a:schemeClr val="bg1"/>
+                      </a:solidFill>
+                      <a:prstDash val="solid"/>
+                      <a:round/>
+                      <a:headEnd type="none" w="med" len="med"/>
+                      <a:tailEnd type="none" w="med" len="med"/>
+                    </a:lnB>
+                  </a:tcPr>
+                </a:tc>
+                <a:extLst>
+                  <a:ext uri="{0D108BD9-81ED-4DB2-BD59-A6C34878D82A}">
+                    <a16:rowId xmlns:a16="http://schemas.microsoft.com/office/drawing/2014/main" val="1169592317"/>
+                  </a:ext>
+                </a:extLst>
+              </a:tr>
+            </a:tbl>
+          </a:graphicData>
+        </a:graphic>
+      </p:graphicFrame>
       <p:sp>
         <p:nvSpPr>
-          <p:cNvPr id="12" name="TextBox 11">
+          <p:cNvPr id="14" name="TextBox 13">
             <a:extLst>
               <a:ext uri="{FF2B5EF4-FFF2-40B4-BE49-F238E27FC236}">
-                <a16:creationId xmlns:a16="http://schemas.microsoft.com/office/drawing/2014/main" id="{2E22E654-4220-4291-B30B-35065D8BE262}"/>
+                <a16:creationId xmlns:a16="http://schemas.microsoft.com/office/drawing/2014/main" id="{085D0EC4-2E3C-40D4-B8A1-334E696EA683}"/>
               </a:ext>
             </a:extLst>
           </p:cNvPr>
@@ -6335,8 +11899,8 @@
         </p:nvSpPr>
         <p:spPr>
           <a:xfrm>
-            <a:off x="4576917" y="2086656"/>
-            <a:ext cx="1324534" cy="369332"/>
+            <a:off x="799330" y="517261"/>
+            <a:ext cx="7500608" cy="923330"/>
           </a:xfrm>
           <a:prstGeom prst="rect">
             <a:avLst/>
@@ -6350,6 +11914,26 @@
           <a:lstStyle/>
           <a:p>
             <a:r>
+              <a:rPr lang="ko-KR" altLang="en-US" dirty="0" err="1">
+                <a:solidFill>
+                  <a:schemeClr val="bg1">
+                    <a:lumMod val="95000"/>
+                  </a:schemeClr>
+                </a:solidFill>
+              </a:rPr>
+              <a:t>ㅇ</a:t>
+            </a:r>
+            <a:r>
+              <a:rPr lang="ko-KR" altLang="en-US" dirty="0">
+                <a:solidFill>
+                  <a:schemeClr val="bg1">
+                    <a:lumMod val="95000"/>
+                  </a:schemeClr>
+                </a:solidFill>
+              </a:rPr>
+              <a:t> 노드 </a:t>
+            </a:r>
+            <a:r>
               <a:rPr lang="en-US" altLang="ko-KR" dirty="0">
                 <a:solidFill>
                   <a:schemeClr val="bg1">
@@ -6357,9 +11941,891 @@
                   </a:schemeClr>
                 </a:solidFill>
               </a:rPr>
-              <a:t>F(1) + F(2)</a:t>
-            </a:r>
-            <a:endParaRPr lang="ko-KR" altLang="en-US" dirty="0">
+              <a:t>6</a:t>
+            </a:r>
+            <a:r>
+              <a:rPr lang="ko-KR" altLang="en-US" dirty="0">
+                <a:solidFill>
+                  <a:schemeClr val="bg1">
+                    <a:lumMod val="95000"/>
+                  </a:schemeClr>
+                </a:solidFill>
+              </a:rPr>
+              <a:t>와 노드 </a:t>
+            </a:r>
+            <a:r>
+              <a:rPr lang="en-US" altLang="ko-KR" dirty="0">
+                <a:solidFill>
+                  <a:schemeClr val="bg1">
+                    <a:lumMod val="95000"/>
+                  </a:schemeClr>
+                </a:solidFill>
+              </a:rPr>
+              <a:t>5</a:t>
+            </a:r>
+            <a:r>
+              <a:rPr lang="ko-KR" altLang="en-US" dirty="0">
+                <a:solidFill>
+                  <a:schemeClr val="bg1">
+                    <a:lumMod val="95000"/>
+                  </a:schemeClr>
+                </a:solidFill>
+              </a:rPr>
+              <a:t>가 연결되어 있다는 정보를 표현할 때</a:t>
+            </a:r>
+            <a:endParaRPr lang="en-US" altLang="ko-KR" dirty="0">
+              <a:solidFill>
+                <a:schemeClr val="bg1">
+                  <a:lumMod val="95000"/>
+                </a:schemeClr>
+              </a:solidFill>
+            </a:endParaRPr>
+          </a:p>
+          <a:p>
+            <a:endParaRPr lang="en-US" altLang="ko-KR" dirty="0">
+              <a:solidFill>
+                <a:schemeClr val="bg1">
+                  <a:lumMod val="95000"/>
+                </a:schemeClr>
+              </a:solidFill>
+            </a:endParaRPr>
+          </a:p>
+          <a:p>
+            <a:r>
+              <a:rPr lang="ko-KR" altLang="en-US" dirty="0">
+                <a:solidFill>
+                  <a:schemeClr val="bg1">
+                    <a:lumMod val="95000"/>
+                  </a:schemeClr>
+                </a:solidFill>
+              </a:rPr>
+              <a:t>  노드 </a:t>
+            </a:r>
+            <a:r>
+              <a:rPr lang="en-US" altLang="ko-KR" dirty="0">
+                <a:solidFill>
+                  <a:schemeClr val="bg1">
+                    <a:lumMod val="95000"/>
+                  </a:schemeClr>
+                </a:solidFill>
+              </a:rPr>
+              <a:t>6</a:t>
+            </a:r>
+            <a:r>
+              <a:rPr lang="ko-KR" altLang="en-US" dirty="0">
+                <a:solidFill>
+                  <a:schemeClr val="bg1">
+                    <a:lumMod val="95000"/>
+                  </a:schemeClr>
+                </a:solidFill>
+              </a:rPr>
+              <a:t>은 노드 </a:t>
+            </a:r>
+            <a:r>
+              <a:rPr lang="en-US" altLang="ko-KR" dirty="0">
+                <a:solidFill>
+                  <a:schemeClr val="bg1">
+                    <a:lumMod val="95000"/>
+                  </a:schemeClr>
+                </a:solidFill>
+              </a:rPr>
+              <a:t>5</a:t>
+            </a:r>
+            <a:r>
+              <a:rPr lang="ko-KR" altLang="en-US" dirty="0">
+                <a:solidFill>
+                  <a:schemeClr val="bg1">
+                    <a:lumMod val="95000"/>
+                  </a:schemeClr>
+                </a:solidFill>
+              </a:rPr>
+              <a:t>보다 숫자가 크므로</a:t>
+            </a:r>
+            <a:r>
+              <a:rPr lang="en-US" altLang="ko-KR" dirty="0">
+                <a:solidFill>
+                  <a:schemeClr val="bg1">
+                    <a:lumMod val="95000"/>
+                  </a:schemeClr>
+                </a:solidFill>
+              </a:rPr>
+              <a:t>, </a:t>
+            </a:r>
+            <a:r>
+              <a:rPr lang="ko-KR" altLang="en-US" dirty="0">
+                <a:solidFill>
+                  <a:schemeClr val="bg1">
+                    <a:lumMod val="95000"/>
+                  </a:schemeClr>
+                </a:solidFill>
+              </a:rPr>
+              <a:t>노드 </a:t>
+            </a:r>
+            <a:r>
+              <a:rPr lang="en-US" altLang="ko-KR" dirty="0">
+                <a:solidFill>
+                  <a:schemeClr val="bg1">
+                    <a:lumMod val="95000"/>
+                  </a:schemeClr>
+                </a:solidFill>
+              </a:rPr>
+              <a:t>6</a:t>
+            </a:r>
+            <a:r>
+              <a:rPr lang="ko-KR" altLang="en-US" dirty="0">
+                <a:solidFill>
+                  <a:schemeClr val="bg1">
+                    <a:lumMod val="95000"/>
+                  </a:schemeClr>
+                </a:solidFill>
+              </a:rPr>
+              <a:t>에 </a:t>
+            </a:r>
+            <a:r>
+              <a:rPr lang="en-US" altLang="ko-KR" dirty="0">
+                <a:solidFill>
+                  <a:schemeClr val="bg1">
+                    <a:lumMod val="95000"/>
+                  </a:schemeClr>
+                </a:solidFill>
+              </a:rPr>
+              <a:t>5</a:t>
+            </a:r>
+            <a:r>
+              <a:rPr lang="ko-KR" altLang="en-US" dirty="0">
+                <a:solidFill>
+                  <a:schemeClr val="bg1">
+                    <a:lumMod val="95000"/>
+                  </a:schemeClr>
+                </a:solidFill>
+              </a:rPr>
+              <a:t>를 저장함</a:t>
+            </a:r>
+          </a:p>
+        </p:txBody>
+      </p:sp>
+    </p:spTree>
+    <p:extLst>
+      <p:ext uri="{BB962C8B-B14F-4D97-AF65-F5344CB8AC3E}">
+        <p14:creationId xmlns:p14="http://schemas.microsoft.com/office/powerpoint/2010/main" val="2796644516"/>
+      </p:ext>
+    </p:extLst>
+  </p:cSld>
+  <p:clrMapOvr>
+    <a:masterClrMapping/>
+  </p:clrMapOvr>
+</p:sld>
+</file>
+
+<file path=ppt/slides/slide8.xml><?xml version="1.0" encoding="utf-8"?>
+<p:sld xmlns:a="http://schemas.openxmlformats.org/drawingml/2006/main" xmlns:r="http://schemas.openxmlformats.org/officeDocument/2006/relationships" xmlns:p="http://schemas.openxmlformats.org/presentationml/2006/main">
+  <p:cSld>
+    <p:bg>
+      <p:bgPr>
+        <a:solidFill>
+          <a:schemeClr val="tx2">
+            <a:lumMod val="50000"/>
+          </a:schemeClr>
+        </a:solidFill>
+        <a:effectLst/>
+      </p:bgPr>
+    </p:bg>
+    <p:spTree>
+      <p:nvGrpSpPr>
+        <p:cNvPr id="1" name=""/>
+        <p:cNvGrpSpPr/>
+        <p:nvPr/>
+      </p:nvGrpSpPr>
+      <p:grpSpPr>
+        <a:xfrm>
+          <a:off x="0" y="0"/>
+          <a:ext cx="0" cy="0"/>
+          <a:chOff x="0" y="0"/>
+          <a:chExt cx="0" cy="0"/>
+        </a:xfrm>
+      </p:grpSpPr>
+      <p:graphicFrame>
+        <p:nvGraphicFramePr>
+          <p:cNvPr id="6" name="표 5">
+            <a:extLst>
+              <a:ext uri="{FF2B5EF4-FFF2-40B4-BE49-F238E27FC236}">
+                <a16:creationId xmlns:a16="http://schemas.microsoft.com/office/drawing/2014/main" id="{25178FBE-B363-44F8-818D-CA09E361AC6A}"/>
+              </a:ext>
+            </a:extLst>
+          </p:cNvPr>
+          <p:cNvGraphicFramePr>
+            <a:graphicFrameLocks noGrp="1"/>
+          </p:cNvGraphicFramePr>
+          <p:nvPr>
+            <p:extLst>
+              <p:ext uri="{D42A27DB-BD31-4B8C-83A1-F6EECF244321}">
+                <p14:modId xmlns:p14="http://schemas.microsoft.com/office/powerpoint/2010/main" val="3530855213"/>
+              </p:ext>
+            </p:extLst>
+          </p:nvPr>
+        </p:nvGraphicFramePr>
+        <p:xfrm>
+          <a:off x="844065" y="2235848"/>
+          <a:ext cx="9982824" cy="646331"/>
+        </p:xfrm>
+        <a:graphic>
+          <a:graphicData uri="http://schemas.openxmlformats.org/drawingml/2006/table">
+            <a:tbl>
+              <a:tblPr/>
+              <a:tblGrid>
+                <a:gridCol w="1247853">
+                  <a:extLst>
+                    <a:ext uri="{9D8B030D-6E8A-4147-A177-3AD203B41FA5}">
+                      <a16:colId xmlns:a16="http://schemas.microsoft.com/office/drawing/2014/main" val="3221884234"/>
+                    </a:ext>
+                  </a:extLst>
+                </a:gridCol>
+                <a:gridCol w="1247853">
+                  <a:extLst>
+                    <a:ext uri="{9D8B030D-6E8A-4147-A177-3AD203B41FA5}">
+                      <a16:colId xmlns:a16="http://schemas.microsoft.com/office/drawing/2014/main" val="1378666724"/>
+                    </a:ext>
+                  </a:extLst>
+                </a:gridCol>
+                <a:gridCol w="1247853">
+                  <a:extLst>
+                    <a:ext uri="{9D8B030D-6E8A-4147-A177-3AD203B41FA5}">
+                      <a16:colId xmlns:a16="http://schemas.microsoft.com/office/drawing/2014/main" val="2981916489"/>
+                    </a:ext>
+                  </a:extLst>
+                </a:gridCol>
+                <a:gridCol w="1247853">
+                  <a:extLst>
+                    <a:ext uri="{9D8B030D-6E8A-4147-A177-3AD203B41FA5}">
+                      <a16:colId xmlns:a16="http://schemas.microsoft.com/office/drawing/2014/main" val="2446702814"/>
+                    </a:ext>
+                  </a:extLst>
+                </a:gridCol>
+                <a:gridCol w="1247853">
+                  <a:extLst>
+                    <a:ext uri="{9D8B030D-6E8A-4147-A177-3AD203B41FA5}">
+                      <a16:colId xmlns:a16="http://schemas.microsoft.com/office/drawing/2014/main" val="3232487043"/>
+                    </a:ext>
+                  </a:extLst>
+                </a:gridCol>
+                <a:gridCol w="1247853">
+                  <a:extLst>
+                    <a:ext uri="{9D8B030D-6E8A-4147-A177-3AD203B41FA5}">
+                      <a16:colId xmlns:a16="http://schemas.microsoft.com/office/drawing/2014/main" val="3564761673"/>
+                    </a:ext>
+                  </a:extLst>
+                </a:gridCol>
+                <a:gridCol w="1247853">
+                  <a:extLst>
+                    <a:ext uri="{9D8B030D-6E8A-4147-A177-3AD203B41FA5}">
+                      <a16:colId xmlns:a16="http://schemas.microsoft.com/office/drawing/2014/main" val="751366682"/>
+                    </a:ext>
+                  </a:extLst>
+                </a:gridCol>
+                <a:gridCol w="1247853">
+                  <a:extLst>
+                    <a:ext uri="{9D8B030D-6E8A-4147-A177-3AD203B41FA5}">
+                      <a16:colId xmlns:a16="http://schemas.microsoft.com/office/drawing/2014/main" val="72017382"/>
+                    </a:ext>
+                  </a:extLst>
+                </a:gridCol>
+              </a:tblGrid>
+              <a:tr h="646331">
+                <a:tc>
+                  <a:txBody>
+                    <a:bodyPr/>
+                    <a:lstStyle/>
+                    <a:p>
+                      <a:pPr algn="ctr" latinLnBrk="1"/>
+                      <a:r>
+                        <a:rPr lang="en-US" altLang="ko-KR" sz="2400" dirty="0">
+                          <a:solidFill>
+                            <a:schemeClr val="bg1">
+                              <a:lumMod val="85000"/>
+                            </a:schemeClr>
+                          </a:solidFill>
+                        </a:rPr>
+                        <a:t>0</a:t>
+                      </a:r>
+                      <a:endParaRPr lang="ko-KR" altLang="en-US" sz="2400" dirty="0">
+                        <a:solidFill>
+                          <a:schemeClr val="bg1">
+                            <a:lumMod val="85000"/>
+                          </a:schemeClr>
+                        </a:solidFill>
+                      </a:endParaRPr>
+                    </a:p>
+                  </a:txBody>
+                  <a:tcPr anchor="ctr">
+                    <a:lnL w="12700" cmpd="sng">
+                      <a:solidFill>
+                        <a:schemeClr val="bg1"/>
+                      </a:solidFill>
+                      <a:prstDash val="solid"/>
+                    </a:lnL>
+                    <a:lnR w="12700" cap="flat" cmpd="sng" algn="ctr">
+                      <a:solidFill>
+                        <a:schemeClr val="bg1"/>
+                      </a:solidFill>
+                      <a:prstDash val="solid"/>
+                      <a:round/>
+                      <a:headEnd type="none" w="med" len="med"/>
+                      <a:tailEnd type="none" w="med" len="med"/>
+                    </a:lnR>
+                    <a:lnT w="12700" cmpd="sng">
+                      <a:solidFill>
+                        <a:schemeClr val="bg1"/>
+                      </a:solidFill>
+                      <a:prstDash val="solid"/>
+                    </a:lnT>
+                    <a:lnB w="12700" cmpd="sng">
+                      <a:solidFill>
+                        <a:schemeClr val="bg1"/>
+                      </a:solidFill>
+                      <a:prstDash val="solid"/>
+                    </a:lnB>
+                  </a:tcPr>
+                </a:tc>
+                <a:tc>
+                  <a:txBody>
+                    <a:bodyPr/>
+                    <a:lstStyle/>
+                    <a:p>
+                      <a:pPr algn="ctr" latinLnBrk="1"/>
+                      <a:r>
+                        <a:rPr lang="en-US" altLang="ko-KR" sz="2400" dirty="0">
+                          <a:solidFill>
+                            <a:schemeClr val="bg1">
+                              <a:lumMod val="85000"/>
+                            </a:schemeClr>
+                          </a:solidFill>
+                        </a:rPr>
+                        <a:t>1</a:t>
+                      </a:r>
+                      <a:endParaRPr lang="ko-KR" altLang="en-US" sz="2400" dirty="0">
+                        <a:solidFill>
+                          <a:schemeClr val="bg1">
+                            <a:lumMod val="85000"/>
+                          </a:schemeClr>
+                        </a:solidFill>
+                      </a:endParaRPr>
+                    </a:p>
+                  </a:txBody>
+                  <a:tcPr anchor="ctr">
+                    <a:lnL w="12700" cap="flat" cmpd="sng" algn="ctr">
+                      <a:solidFill>
+                        <a:schemeClr val="bg1"/>
+                      </a:solidFill>
+                      <a:prstDash val="solid"/>
+                      <a:round/>
+                      <a:headEnd type="none" w="med" len="med"/>
+                      <a:tailEnd type="none" w="med" len="med"/>
+                    </a:lnL>
+                    <a:lnR w="12700" cap="flat" cmpd="sng" algn="ctr">
+                      <a:solidFill>
+                        <a:schemeClr val="bg1"/>
+                      </a:solidFill>
+                      <a:prstDash val="solid"/>
+                      <a:round/>
+                      <a:headEnd type="none" w="med" len="med"/>
+                      <a:tailEnd type="none" w="med" len="med"/>
+                    </a:lnR>
+                    <a:lnT w="12700" cap="flat" cmpd="sng" algn="ctr">
+                      <a:solidFill>
+                        <a:schemeClr val="bg1"/>
+                      </a:solidFill>
+                      <a:prstDash val="solid"/>
+                      <a:round/>
+                      <a:headEnd type="none" w="med" len="med"/>
+                      <a:tailEnd type="none" w="med" len="med"/>
+                    </a:lnT>
+                    <a:lnB w="12700" cap="flat" cmpd="sng" algn="ctr">
+                      <a:solidFill>
+                        <a:schemeClr val="bg1"/>
+                      </a:solidFill>
+                      <a:prstDash val="solid"/>
+                      <a:round/>
+                      <a:headEnd type="none" w="med" len="med"/>
+                      <a:tailEnd type="none" w="med" len="med"/>
+                    </a:lnB>
+                  </a:tcPr>
+                </a:tc>
+                <a:tc>
+                  <a:txBody>
+                    <a:bodyPr/>
+                    <a:lstStyle/>
+                    <a:p>
+                      <a:pPr algn="ctr" latinLnBrk="1"/>
+                      <a:r>
+                        <a:rPr lang="en-US" altLang="ko-KR" sz="2400" b="0" dirty="0">
+                          <a:solidFill>
+                            <a:schemeClr val="bg1">
+                              <a:lumMod val="85000"/>
+                            </a:schemeClr>
+                          </a:solidFill>
+                        </a:rPr>
+                        <a:t>1</a:t>
+                      </a:r>
+                      <a:endParaRPr lang="ko-KR" altLang="en-US" sz="2400" b="0" dirty="0">
+                        <a:solidFill>
+                          <a:schemeClr val="bg1">
+                            <a:lumMod val="85000"/>
+                          </a:schemeClr>
+                        </a:solidFill>
+                      </a:endParaRPr>
+                    </a:p>
+                  </a:txBody>
+                  <a:tcPr anchor="ctr">
+                    <a:lnL w="12700" cap="flat" cmpd="sng" algn="ctr">
+                      <a:solidFill>
+                        <a:schemeClr val="bg1"/>
+                      </a:solidFill>
+                      <a:prstDash val="solid"/>
+                      <a:round/>
+                      <a:headEnd type="none" w="med" len="med"/>
+                      <a:tailEnd type="none" w="med" len="med"/>
+                    </a:lnL>
+                    <a:lnR w="12700" cap="flat" cmpd="sng" algn="ctr">
+                      <a:solidFill>
+                        <a:schemeClr val="bg1"/>
+                      </a:solidFill>
+                      <a:prstDash val="solid"/>
+                      <a:round/>
+                      <a:headEnd type="none" w="med" len="med"/>
+                      <a:tailEnd type="none" w="med" len="med"/>
+                    </a:lnR>
+                    <a:lnT w="12700" cap="flat" cmpd="sng" algn="ctr">
+                      <a:solidFill>
+                        <a:schemeClr val="bg1"/>
+                      </a:solidFill>
+                      <a:prstDash val="solid"/>
+                      <a:round/>
+                      <a:headEnd type="none" w="med" len="med"/>
+                      <a:tailEnd type="none" w="med" len="med"/>
+                    </a:lnT>
+                    <a:lnB w="12700" cap="flat" cmpd="sng" algn="ctr">
+                      <a:solidFill>
+                        <a:schemeClr val="bg1"/>
+                      </a:solidFill>
+                      <a:prstDash val="solid"/>
+                      <a:round/>
+                      <a:headEnd type="none" w="med" len="med"/>
+                      <a:tailEnd type="none" w="med" len="med"/>
+                    </a:lnB>
+                  </a:tcPr>
+                </a:tc>
+                <a:tc>
+                  <a:txBody>
+                    <a:bodyPr/>
+                    <a:lstStyle/>
+                    <a:p>
+                      <a:pPr algn="ctr" latinLnBrk="1"/>
+                      <a:r>
+                        <a:rPr lang="en-US" altLang="ko-KR" sz="2400" b="0" dirty="0">
+                          <a:solidFill>
+                            <a:schemeClr val="bg1">
+                              <a:lumMod val="85000"/>
+                            </a:schemeClr>
+                          </a:solidFill>
+                        </a:rPr>
+                        <a:t>1</a:t>
+                      </a:r>
+                      <a:endParaRPr lang="ko-KR" altLang="en-US" sz="2400" b="0" dirty="0">
+                        <a:solidFill>
+                          <a:schemeClr val="bg1">
+                            <a:lumMod val="85000"/>
+                          </a:schemeClr>
+                        </a:solidFill>
+                      </a:endParaRPr>
+                    </a:p>
+                  </a:txBody>
+                  <a:tcPr anchor="ctr">
+                    <a:lnL w="12700" cap="flat" cmpd="sng" algn="ctr">
+                      <a:solidFill>
+                        <a:schemeClr val="bg1"/>
+                      </a:solidFill>
+                      <a:prstDash val="solid"/>
+                      <a:round/>
+                      <a:headEnd type="none" w="med" len="med"/>
+                      <a:tailEnd type="none" w="med" len="med"/>
+                    </a:lnL>
+                    <a:lnR w="12700" cap="flat" cmpd="sng" algn="ctr">
+                      <a:solidFill>
+                        <a:schemeClr val="bg1"/>
+                      </a:solidFill>
+                      <a:prstDash val="solid"/>
+                      <a:round/>
+                      <a:headEnd type="none" w="med" len="med"/>
+                      <a:tailEnd type="none" w="med" len="med"/>
+                    </a:lnR>
+                    <a:lnT w="12700" cap="flat" cmpd="sng" algn="ctr">
+                      <a:solidFill>
+                        <a:schemeClr val="bg1"/>
+                      </a:solidFill>
+                      <a:prstDash val="solid"/>
+                      <a:round/>
+                      <a:headEnd type="none" w="med" len="med"/>
+                      <a:tailEnd type="none" w="med" len="med"/>
+                    </a:lnT>
+                    <a:lnB w="12700" cap="flat" cmpd="sng" algn="ctr">
+                      <a:solidFill>
+                        <a:schemeClr val="bg1"/>
+                      </a:solidFill>
+                      <a:prstDash val="solid"/>
+                      <a:round/>
+                      <a:headEnd type="none" w="med" len="med"/>
+                      <a:tailEnd type="none" w="med" len="med"/>
+                    </a:lnB>
+                  </a:tcPr>
+                </a:tc>
+                <a:tc>
+                  <a:txBody>
+                    <a:bodyPr/>
+                    <a:lstStyle/>
+                    <a:p>
+                      <a:pPr algn="ctr" latinLnBrk="1"/>
+                      <a:r>
+                        <a:rPr lang="en-US" altLang="ko-KR" sz="2400" b="0" dirty="0">
+                          <a:solidFill>
+                            <a:schemeClr val="bg1">
+                              <a:lumMod val="85000"/>
+                            </a:schemeClr>
+                          </a:solidFill>
+                        </a:rPr>
+                        <a:t>4</a:t>
+                      </a:r>
+                      <a:endParaRPr lang="ko-KR" altLang="en-US" sz="2400" b="0" dirty="0">
+                        <a:solidFill>
+                          <a:schemeClr val="bg1">
+                            <a:lumMod val="85000"/>
+                          </a:schemeClr>
+                        </a:solidFill>
+                      </a:endParaRPr>
+                    </a:p>
+                  </a:txBody>
+                  <a:tcPr anchor="ctr">
+                    <a:lnL w="12700" cap="flat" cmpd="sng" algn="ctr">
+                      <a:solidFill>
+                        <a:schemeClr val="bg1"/>
+                      </a:solidFill>
+                      <a:prstDash val="solid"/>
+                      <a:round/>
+                      <a:headEnd type="none" w="med" len="med"/>
+                      <a:tailEnd type="none" w="med" len="med"/>
+                    </a:lnL>
+                    <a:lnR w="12700" cap="flat" cmpd="sng" algn="ctr">
+                      <a:solidFill>
+                        <a:schemeClr val="bg1"/>
+                      </a:solidFill>
+                      <a:prstDash val="solid"/>
+                      <a:round/>
+                      <a:headEnd type="none" w="med" len="med"/>
+                      <a:tailEnd type="none" w="med" len="med"/>
+                    </a:lnR>
+                    <a:lnT w="12700" cap="flat" cmpd="sng" algn="ctr">
+                      <a:solidFill>
+                        <a:schemeClr val="bg1"/>
+                      </a:solidFill>
+                      <a:prstDash val="solid"/>
+                      <a:round/>
+                      <a:headEnd type="none" w="med" len="med"/>
+                      <a:tailEnd type="none" w="med" len="med"/>
+                    </a:lnT>
+                    <a:lnB w="12700" cap="flat" cmpd="sng" algn="ctr">
+                      <a:solidFill>
+                        <a:schemeClr val="bg1"/>
+                      </a:solidFill>
+                      <a:prstDash val="solid"/>
+                      <a:round/>
+                      <a:headEnd type="none" w="med" len="med"/>
+                      <a:tailEnd type="none" w="med" len="med"/>
+                    </a:lnB>
+                  </a:tcPr>
+                </a:tc>
+                <a:tc>
+                  <a:txBody>
+                    <a:bodyPr/>
+                    <a:lstStyle/>
+                    <a:p>
+                      <a:pPr algn="ctr" latinLnBrk="1"/>
+                      <a:r>
+                        <a:rPr lang="en-US" altLang="ko-KR" sz="2400" dirty="0">
+                          <a:solidFill>
+                            <a:schemeClr val="bg1">
+                              <a:lumMod val="85000"/>
+                            </a:schemeClr>
+                          </a:solidFill>
+                        </a:rPr>
+                        <a:t>5</a:t>
+                      </a:r>
+                      <a:endParaRPr lang="ko-KR" altLang="en-US" sz="2400" dirty="0">
+                        <a:solidFill>
+                          <a:schemeClr val="bg1">
+                            <a:lumMod val="85000"/>
+                          </a:schemeClr>
+                        </a:solidFill>
+                      </a:endParaRPr>
+                    </a:p>
+                  </a:txBody>
+                  <a:tcPr anchor="ctr">
+                    <a:lnL w="12700" cap="flat" cmpd="sng" algn="ctr">
+                      <a:solidFill>
+                        <a:schemeClr val="bg1"/>
+                      </a:solidFill>
+                      <a:prstDash val="solid"/>
+                      <a:round/>
+                      <a:headEnd type="none" w="med" len="med"/>
+                      <a:tailEnd type="none" w="med" len="med"/>
+                    </a:lnL>
+                    <a:lnR w="12700" cap="flat" cmpd="sng" algn="ctr">
+                      <a:solidFill>
+                        <a:schemeClr val="bg1"/>
+                      </a:solidFill>
+                      <a:prstDash val="solid"/>
+                      <a:round/>
+                      <a:headEnd type="none" w="med" len="med"/>
+                      <a:tailEnd type="none" w="med" len="med"/>
+                    </a:lnR>
+                    <a:lnT w="12700" cap="flat" cmpd="sng" algn="ctr">
+                      <a:solidFill>
+                        <a:schemeClr val="bg1"/>
+                      </a:solidFill>
+                      <a:prstDash val="solid"/>
+                      <a:round/>
+                      <a:headEnd type="none" w="med" len="med"/>
+                      <a:tailEnd type="none" w="med" len="med"/>
+                    </a:lnT>
+                    <a:lnB w="12700" cap="flat" cmpd="sng" algn="ctr">
+                      <a:solidFill>
+                        <a:schemeClr val="bg1"/>
+                      </a:solidFill>
+                      <a:prstDash val="solid"/>
+                      <a:round/>
+                      <a:headEnd type="none" w="med" len="med"/>
+                      <a:tailEnd type="none" w="med" len="med"/>
+                    </a:lnB>
+                  </a:tcPr>
+                </a:tc>
+                <a:tc>
+                  <a:txBody>
+                    <a:bodyPr/>
+                    <a:lstStyle/>
+                    <a:p>
+                      <a:pPr algn="ctr" latinLnBrk="1"/>
+                      <a:r>
+                        <a:rPr lang="en-US" altLang="ko-KR" sz="2400" b="1" dirty="0">
+                          <a:solidFill>
+                            <a:srgbClr val="FF0000"/>
+                          </a:solidFill>
+                        </a:rPr>
+                        <a:t>5</a:t>
+                      </a:r>
+                      <a:endParaRPr lang="ko-KR" altLang="en-US" sz="2400" b="1" dirty="0">
+                        <a:solidFill>
+                          <a:srgbClr val="FF0000"/>
+                        </a:solidFill>
+                      </a:endParaRPr>
+                    </a:p>
+                  </a:txBody>
+                  <a:tcPr anchor="ctr">
+                    <a:lnL w="12700" cap="flat" cmpd="sng" algn="ctr">
+                      <a:solidFill>
+                        <a:schemeClr val="bg1"/>
+                      </a:solidFill>
+                      <a:prstDash val="solid"/>
+                      <a:round/>
+                      <a:headEnd type="none" w="med" len="med"/>
+                      <a:tailEnd type="none" w="med" len="med"/>
+                    </a:lnL>
+                    <a:lnR w="12700" cap="flat" cmpd="sng" algn="ctr">
+                      <a:solidFill>
+                        <a:schemeClr val="bg1"/>
+                      </a:solidFill>
+                      <a:prstDash val="solid"/>
+                      <a:round/>
+                      <a:headEnd type="none" w="med" len="med"/>
+                      <a:tailEnd type="none" w="med" len="med"/>
+                    </a:lnR>
+                    <a:lnT w="12700" cap="flat" cmpd="sng" algn="ctr">
+                      <a:solidFill>
+                        <a:schemeClr val="bg1"/>
+                      </a:solidFill>
+                      <a:prstDash val="solid"/>
+                      <a:round/>
+                      <a:headEnd type="none" w="med" len="med"/>
+                      <a:tailEnd type="none" w="med" len="med"/>
+                    </a:lnT>
+                    <a:lnB w="12700" cap="flat" cmpd="sng" algn="ctr">
+                      <a:solidFill>
+                        <a:schemeClr val="bg1"/>
+                      </a:solidFill>
+                      <a:prstDash val="solid"/>
+                      <a:round/>
+                      <a:headEnd type="none" w="med" len="med"/>
+                      <a:tailEnd type="none" w="med" len="med"/>
+                    </a:lnB>
+                  </a:tcPr>
+                </a:tc>
+                <a:tc>
+                  <a:txBody>
+                    <a:bodyPr/>
+                    <a:lstStyle/>
+                    <a:p>
+                      <a:pPr algn="ctr" latinLnBrk="1"/>
+                      <a:r>
+                        <a:rPr lang="en-US" altLang="ko-KR" sz="2400" b="0" dirty="0">
+                          <a:solidFill>
+                            <a:schemeClr val="bg1">
+                              <a:lumMod val="85000"/>
+                            </a:schemeClr>
+                          </a:solidFill>
+                        </a:rPr>
+                        <a:t>4</a:t>
+                      </a:r>
+                      <a:endParaRPr lang="ko-KR" altLang="en-US" sz="2400" b="0" dirty="0">
+                        <a:solidFill>
+                          <a:schemeClr val="bg1">
+                            <a:lumMod val="85000"/>
+                          </a:schemeClr>
+                        </a:solidFill>
+                      </a:endParaRPr>
+                    </a:p>
+                  </a:txBody>
+                  <a:tcPr anchor="ctr">
+                    <a:lnL w="12700" cap="flat" cmpd="sng" algn="ctr">
+                      <a:solidFill>
+                        <a:schemeClr val="bg1"/>
+                      </a:solidFill>
+                      <a:prstDash val="solid"/>
+                      <a:round/>
+                      <a:headEnd type="none" w="med" len="med"/>
+                      <a:tailEnd type="none" w="med" len="med"/>
+                    </a:lnL>
+                    <a:lnR w="12700" cmpd="sng">
+                      <a:solidFill>
+                        <a:schemeClr val="bg1"/>
+                      </a:solidFill>
+                      <a:prstDash val="solid"/>
+                    </a:lnR>
+                    <a:lnT w="12700" cap="flat" cmpd="sng" algn="ctr">
+                      <a:solidFill>
+                        <a:schemeClr val="bg1"/>
+                      </a:solidFill>
+                      <a:prstDash val="solid"/>
+                      <a:round/>
+                      <a:headEnd type="none" w="med" len="med"/>
+                      <a:tailEnd type="none" w="med" len="med"/>
+                    </a:lnT>
+                    <a:lnB w="12700" cap="flat" cmpd="sng" algn="ctr">
+                      <a:solidFill>
+                        <a:schemeClr val="bg1"/>
+                      </a:solidFill>
+                      <a:prstDash val="solid"/>
+                      <a:round/>
+                      <a:headEnd type="none" w="med" len="med"/>
+                      <a:tailEnd type="none" w="med" len="med"/>
+                    </a:lnB>
+                  </a:tcPr>
+                </a:tc>
+                <a:extLst>
+                  <a:ext uri="{0D108BD9-81ED-4DB2-BD59-A6C34878D82A}">
+                    <a16:rowId xmlns:a16="http://schemas.microsoft.com/office/drawing/2014/main" val="1169592317"/>
+                  </a:ext>
+                </a:extLst>
+              </a:tr>
+            </a:tbl>
+          </a:graphicData>
+        </a:graphic>
+      </p:graphicFrame>
+      <p:sp>
+        <p:nvSpPr>
+          <p:cNvPr id="14" name="TextBox 13">
+            <a:extLst>
+              <a:ext uri="{FF2B5EF4-FFF2-40B4-BE49-F238E27FC236}">
+                <a16:creationId xmlns:a16="http://schemas.microsoft.com/office/drawing/2014/main" id="{085D0EC4-2E3C-40D4-B8A1-334E696EA683}"/>
+              </a:ext>
+            </a:extLst>
+          </p:cNvPr>
+          <p:cNvSpPr txBox="1"/>
+          <p:nvPr/>
+        </p:nvSpPr>
+        <p:spPr>
+          <a:xfrm>
+            <a:off x="799330" y="517261"/>
+            <a:ext cx="7500608" cy="369332"/>
+          </a:xfrm>
+          <a:prstGeom prst="rect">
+            <a:avLst/>
+          </a:prstGeom>
+          <a:noFill/>
+        </p:spPr>
+        <p:txBody>
+          <a:bodyPr wrap="square" rtlCol="0">
+            <a:spAutoFit/>
+          </a:bodyPr>
+          <a:lstStyle/>
+          <a:p>
+            <a:r>
+              <a:rPr lang="ko-KR" altLang="en-US" dirty="0" err="1">
+                <a:solidFill>
+                  <a:schemeClr val="bg1">
+                    <a:lumMod val="95000"/>
+                  </a:schemeClr>
+                </a:solidFill>
+              </a:rPr>
+              <a:t>ㅇ</a:t>
+            </a:r>
+            <a:r>
+              <a:rPr lang="ko-KR" altLang="en-US" dirty="0">
+                <a:solidFill>
+                  <a:schemeClr val="bg1">
+                    <a:lumMod val="95000"/>
+                  </a:schemeClr>
+                </a:solidFill>
+              </a:rPr>
+              <a:t> 노드 </a:t>
+            </a:r>
+            <a:r>
+              <a:rPr lang="en-US" altLang="ko-KR" dirty="0">
+                <a:solidFill>
+                  <a:schemeClr val="bg1">
+                    <a:lumMod val="95000"/>
+                  </a:schemeClr>
+                </a:solidFill>
+              </a:rPr>
+              <a:t>4</a:t>
+            </a:r>
+            <a:r>
+              <a:rPr lang="ko-KR" altLang="en-US" dirty="0">
+                <a:solidFill>
+                  <a:schemeClr val="bg1">
+                    <a:lumMod val="95000"/>
+                  </a:schemeClr>
+                </a:solidFill>
+              </a:rPr>
+              <a:t>와 노드 </a:t>
+            </a:r>
+            <a:r>
+              <a:rPr lang="en-US" altLang="ko-KR" dirty="0">
+                <a:solidFill>
+                  <a:schemeClr val="bg1">
+                    <a:lumMod val="95000"/>
+                  </a:schemeClr>
+                </a:solidFill>
+              </a:rPr>
+              <a:t>6</a:t>
+            </a:r>
+            <a:r>
+              <a:rPr lang="ko-KR" altLang="en-US" dirty="0">
+                <a:solidFill>
+                  <a:schemeClr val="bg1">
+                    <a:lumMod val="95000"/>
+                  </a:schemeClr>
+                </a:solidFill>
+              </a:rPr>
+              <a:t>이 연결되어 있다는 정보를 표현할 때</a:t>
+            </a:r>
+            <a:endParaRPr lang="en-US" altLang="ko-KR" dirty="0">
               <a:solidFill>
                 <a:schemeClr val="bg1">
                   <a:lumMod val="95000"/>
@@ -6369,10 +12835,2088 @@
           </a:p>
         </p:txBody>
       </p:sp>
+      <p:sp>
+        <p:nvSpPr>
+          <p:cNvPr id="2" name="화살표: 아래쪽 1">
+            <a:extLst>
+              <a:ext uri="{FF2B5EF4-FFF2-40B4-BE49-F238E27FC236}">
+                <a16:creationId xmlns:a16="http://schemas.microsoft.com/office/drawing/2014/main" id="{7C9322C1-7B52-496D-9816-64EA96642599}"/>
+              </a:ext>
+            </a:extLst>
+          </p:cNvPr>
+          <p:cNvSpPr/>
+          <p:nvPr/>
+        </p:nvSpPr>
+        <p:spPr>
+          <a:xfrm>
+            <a:off x="8616462" y="1512274"/>
+            <a:ext cx="726831" cy="621323"/>
+          </a:xfrm>
+          <a:prstGeom prst="downArrow">
+            <a:avLst/>
+          </a:prstGeom>
+        </p:spPr>
+        <p:style>
+          <a:lnRef idx="2">
+            <a:schemeClr val="accent1">
+              <a:shade val="50000"/>
+            </a:schemeClr>
+          </a:lnRef>
+          <a:fillRef idx="1">
+            <a:schemeClr val="accent1"/>
+          </a:fillRef>
+          <a:effectRef idx="0">
+            <a:schemeClr val="accent1"/>
+          </a:effectRef>
+          <a:fontRef idx="minor">
+            <a:schemeClr val="lt1"/>
+          </a:fontRef>
+        </p:style>
+        <p:txBody>
+          <a:bodyPr rtlCol="0" anchor="ctr"/>
+          <a:lstStyle/>
+          <a:p>
+            <a:pPr algn="ctr"/>
+            <a:endParaRPr lang="ko-KR" altLang="en-US"/>
+          </a:p>
+        </p:txBody>
+      </p:sp>
+      <p:sp>
+        <p:nvSpPr>
+          <p:cNvPr id="5" name="TextBox 4">
+            <a:extLst>
+              <a:ext uri="{FF2B5EF4-FFF2-40B4-BE49-F238E27FC236}">
+                <a16:creationId xmlns:a16="http://schemas.microsoft.com/office/drawing/2014/main" id="{39756109-61C1-4EB8-B97B-7531C68F4F69}"/>
+              </a:ext>
+            </a:extLst>
+          </p:cNvPr>
+          <p:cNvSpPr txBox="1"/>
+          <p:nvPr/>
+        </p:nvSpPr>
+        <p:spPr>
+          <a:xfrm>
+            <a:off x="6400800" y="1091689"/>
+            <a:ext cx="5545015" cy="369332"/>
+          </a:xfrm>
+          <a:prstGeom prst="rect">
+            <a:avLst/>
+          </a:prstGeom>
+          <a:noFill/>
+        </p:spPr>
+        <p:txBody>
+          <a:bodyPr wrap="square" rtlCol="0">
+            <a:spAutoFit/>
+          </a:bodyPr>
+          <a:lstStyle/>
+          <a:p>
+            <a:r>
+              <a:rPr lang="ko-KR" altLang="en-US" dirty="0">
+                <a:solidFill>
+                  <a:schemeClr val="bg1">
+                    <a:lumMod val="95000"/>
+                  </a:schemeClr>
+                </a:solidFill>
+              </a:rPr>
+              <a:t>배열</a:t>
+            </a:r>
+            <a:r>
+              <a:rPr lang="en-US" altLang="ko-KR" dirty="0">
+                <a:solidFill>
+                  <a:schemeClr val="bg1">
+                    <a:lumMod val="95000"/>
+                  </a:schemeClr>
+                </a:solidFill>
+              </a:rPr>
+              <a:t>[6]</a:t>
+            </a:r>
+            <a:r>
+              <a:rPr lang="ko-KR" altLang="en-US" dirty="0">
+                <a:solidFill>
+                  <a:schemeClr val="bg1">
+                    <a:lumMod val="95000"/>
+                  </a:schemeClr>
+                </a:solidFill>
+              </a:rPr>
+              <a:t>의 값이 </a:t>
+            </a:r>
+            <a:r>
+              <a:rPr lang="en-US" altLang="ko-KR" dirty="0">
+                <a:solidFill>
+                  <a:schemeClr val="bg1">
+                    <a:lumMod val="95000"/>
+                  </a:schemeClr>
+                </a:solidFill>
+              </a:rPr>
+              <a:t>5</a:t>
+            </a:r>
+            <a:r>
+              <a:rPr lang="ko-KR" altLang="en-US" dirty="0">
+                <a:solidFill>
+                  <a:schemeClr val="bg1">
+                    <a:lumMod val="95000"/>
+                  </a:schemeClr>
+                </a:solidFill>
+              </a:rPr>
+              <a:t>이므로</a:t>
+            </a:r>
+            <a:r>
+              <a:rPr lang="en-US" altLang="ko-KR" dirty="0">
+                <a:solidFill>
+                  <a:schemeClr val="bg1">
+                    <a:lumMod val="95000"/>
+                  </a:schemeClr>
+                </a:solidFill>
+              </a:rPr>
+              <a:t>, </a:t>
+            </a:r>
+            <a:r>
+              <a:rPr lang="ko-KR" altLang="en-US" dirty="0">
+                <a:solidFill>
+                  <a:schemeClr val="bg1">
+                    <a:lumMod val="95000"/>
+                  </a:schemeClr>
+                </a:solidFill>
+              </a:rPr>
+              <a:t>노드 </a:t>
+            </a:r>
+            <a:r>
+              <a:rPr lang="en-US" altLang="ko-KR" dirty="0">
+                <a:solidFill>
+                  <a:schemeClr val="bg1">
+                    <a:lumMod val="95000"/>
+                  </a:schemeClr>
+                </a:solidFill>
+              </a:rPr>
+              <a:t>5</a:t>
+            </a:r>
+            <a:r>
+              <a:rPr lang="ko-KR" altLang="en-US" dirty="0">
+                <a:solidFill>
+                  <a:schemeClr val="bg1">
+                    <a:lumMod val="95000"/>
+                  </a:schemeClr>
+                </a:solidFill>
+              </a:rPr>
+              <a:t>의 집합에 속해 있음</a:t>
+            </a:r>
+            <a:r>
+              <a:rPr lang="en-US" altLang="ko-KR" dirty="0">
+                <a:solidFill>
+                  <a:schemeClr val="bg1">
+                    <a:lumMod val="95000"/>
+                  </a:schemeClr>
+                </a:solidFill>
+              </a:rPr>
+              <a:t>.</a:t>
+            </a:r>
+          </a:p>
+        </p:txBody>
+      </p:sp>
+      <p:sp>
+        <p:nvSpPr>
+          <p:cNvPr id="7" name="화살표: 아래쪽 6">
+            <a:extLst>
+              <a:ext uri="{FF2B5EF4-FFF2-40B4-BE49-F238E27FC236}">
+                <a16:creationId xmlns:a16="http://schemas.microsoft.com/office/drawing/2014/main" id="{36AC980D-39B5-44C2-A6C3-6EEC8B52DF1F}"/>
+              </a:ext>
+            </a:extLst>
+          </p:cNvPr>
+          <p:cNvSpPr/>
+          <p:nvPr/>
+        </p:nvSpPr>
+        <p:spPr>
+          <a:xfrm>
+            <a:off x="5029196" y="3153506"/>
+            <a:ext cx="726831" cy="621323"/>
+          </a:xfrm>
+          <a:prstGeom prst="downArrow">
+            <a:avLst/>
+          </a:prstGeom>
+        </p:spPr>
+        <p:style>
+          <a:lnRef idx="2">
+            <a:schemeClr val="accent1">
+              <a:shade val="50000"/>
+            </a:schemeClr>
+          </a:lnRef>
+          <a:fillRef idx="1">
+            <a:schemeClr val="accent1"/>
+          </a:fillRef>
+          <a:effectRef idx="0">
+            <a:schemeClr val="accent1"/>
+          </a:effectRef>
+          <a:fontRef idx="minor">
+            <a:schemeClr val="lt1"/>
+          </a:fontRef>
+        </p:style>
+        <p:txBody>
+          <a:bodyPr rtlCol="0" anchor="ctr"/>
+          <a:lstStyle/>
+          <a:p>
+            <a:pPr algn="ctr"/>
+            <a:endParaRPr lang="ko-KR" altLang="en-US"/>
+          </a:p>
+        </p:txBody>
+      </p:sp>
+      <p:sp>
+        <p:nvSpPr>
+          <p:cNvPr id="8" name="TextBox 7">
+            <a:extLst>
+              <a:ext uri="{FF2B5EF4-FFF2-40B4-BE49-F238E27FC236}">
+                <a16:creationId xmlns:a16="http://schemas.microsoft.com/office/drawing/2014/main" id="{A22568B6-A441-43AE-8693-69627E113F95}"/>
+              </a:ext>
+            </a:extLst>
+          </p:cNvPr>
+          <p:cNvSpPr txBox="1"/>
+          <p:nvPr/>
+        </p:nvSpPr>
+        <p:spPr>
+          <a:xfrm>
+            <a:off x="2614243" y="3893506"/>
+            <a:ext cx="6295296" cy="646331"/>
+          </a:xfrm>
+          <a:prstGeom prst="rect">
+            <a:avLst/>
+          </a:prstGeom>
+          <a:noFill/>
+        </p:spPr>
+        <p:txBody>
+          <a:bodyPr wrap="square" rtlCol="0">
+            <a:spAutoFit/>
+          </a:bodyPr>
+          <a:lstStyle/>
+          <a:p>
+            <a:r>
+              <a:rPr lang="ko-KR" altLang="en-US" dirty="0">
+                <a:solidFill>
+                  <a:schemeClr val="bg1">
+                    <a:lumMod val="95000"/>
+                  </a:schemeClr>
+                </a:solidFill>
+              </a:rPr>
+              <a:t>노드 </a:t>
+            </a:r>
+            <a:r>
+              <a:rPr lang="en-US" altLang="ko-KR" dirty="0">
+                <a:solidFill>
+                  <a:schemeClr val="bg1">
+                    <a:lumMod val="95000"/>
+                  </a:schemeClr>
+                </a:solidFill>
+              </a:rPr>
+              <a:t>5</a:t>
+            </a:r>
+            <a:r>
+              <a:rPr lang="ko-KR" altLang="en-US" dirty="0">
+                <a:solidFill>
+                  <a:schemeClr val="bg1">
+                    <a:lumMod val="95000"/>
+                  </a:schemeClr>
+                </a:solidFill>
+              </a:rPr>
+              <a:t>가 소속되어 있는 집합을 찾기 위해</a:t>
+            </a:r>
+            <a:r>
+              <a:rPr lang="en-US" altLang="ko-KR" dirty="0">
+                <a:solidFill>
+                  <a:schemeClr val="bg1">
+                    <a:lumMod val="95000"/>
+                  </a:schemeClr>
+                </a:solidFill>
+              </a:rPr>
+              <a:t>,</a:t>
+            </a:r>
+          </a:p>
+          <a:p>
+            <a:r>
+              <a:rPr lang="ko-KR" altLang="en-US" dirty="0">
+                <a:solidFill>
+                  <a:schemeClr val="bg1">
+                    <a:lumMod val="95000"/>
+                  </a:schemeClr>
+                </a:solidFill>
+              </a:rPr>
+              <a:t>배열</a:t>
+            </a:r>
+            <a:r>
+              <a:rPr lang="en-US" altLang="ko-KR" dirty="0">
+                <a:solidFill>
+                  <a:schemeClr val="bg1">
+                    <a:lumMod val="95000"/>
+                  </a:schemeClr>
+                </a:solidFill>
+              </a:rPr>
+              <a:t>[</a:t>
+            </a:r>
+            <a:r>
+              <a:rPr lang="ko-KR" altLang="en-US" dirty="0">
+                <a:solidFill>
+                  <a:schemeClr val="bg1">
+                    <a:lumMod val="95000"/>
+                  </a:schemeClr>
+                </a:solidFill>
+              </a:rPr>
+              <a:t>노드</a:t>
+            </a:r>
+            <a:r>
+              <a:rPr lang="en-US" altLang="ko-KR" dirty="0">
+                <a:solidFill>
+                  <a:schemeClr val="bg1">
+                    <a:lumMod val="95000"/>
+                  </a:schemeClr>
+                </a:solidFill>
+              </a:rPr>
+              <a:t>[6]], </a:t>
+            </a:r>
+            <a:r>
+              <a:rPr lang="ko-KR" altLang="en-US" dirty="0">
+                <a:solidFill>
+                  <a:schemeClr val="bg1">
+                    <a:lumMod val="95000"/>
+                  </a:schemeClr>
+                </a:solidFill>
+              </a:rPr>
+              <a:t>즉 재귀적인 방법으로 배열</a:t>
+            </a:r>
+            <a:r>
+              <a:rPr lang="en-US" altLang="ko-KR" dirty="0">
+                <a:solidFill>
+                  <a:schemeClr val="bg1">
+                    <a:lumMod val="95000"/>
+                  </a:schemeClr>
+                </a:solidFill>
+              </a:rPr>
+              <a:t>[5]</a:t>
+            </a:r>
+            <a:r>
+              <a:rPr lang="ko-KR" altLang="en-US" dirty="0">
+                <a:solidFill>
+                  <a:schemeClr val="bg1">
+                    <a:lumMod val="95000"/>
+                  </a:schemeClr>
+                </a:solidFill>
+              </a:rPr>
+              <a:t>의 값에 접근함</a:t>
+            </a:r>
+            <a:r>
+              <a:rPr lang="en-US" altLang="ko-KR" dirty="0">
+                <a:solidFill>
+                  <a:schemeClr val="bg1">
+                    <a:lumMod val="95000"/>
+                  </a:schemeClr>
+                </a:solidFill>
+              </a:rPr>
+              <a:t>. </a:t>
+            </a:r>
+          </a:p>
+        </p:txBody>
+      </p:sp>
+      <p:graphicFrame>
+        <p:nvGraphicFramePr>
+          <p:cNvPr id="9" name="표 8">
+            <a:extLst>
+              <a:ext uri="{FF2B5EF4-FFF2-40B4-BE49-F238E27FC236}">
+                <a16:creationId xmlns:a16="http://schemas.microsoft.com/office/drawing/2014/main" id="{DFF9AE96-1BE6-4F93-ACAF-F46180AE3BE0}"/>
+              </a:ext>
+            </a:extLst>
+          </p:cNvPr>
+          <p:cNvGraphicFramePr>
+            <a:graphicFrameLocks noGrp="1"/>
+          </p:cNvGraphicFramePr>
+          <p:nvPr>
+            <p:extLst>
+              <p:ext uri="{D42A27DB-BD31-4B8C-83A1-F6EECF244321}">
+                <p14:modId xmlns:p14="http://schemas.microsoft.com/office/powerpoint/2010/main" val="1405978599"/>
+              </p:ext>
+            </p:extLst>
+          </p:nvPr>
+        </p:nvGraphicFramePr>
+        <p:xfrm>
+          <a:off x="785450" y="5658984"/>
+          <a:ext cx="9982824" cy="646331"/>
+        </p:xfrm>
+        <a:graphic>
+          <a:graphicData uri="http://schemas.openxmlformats.org/drawingml/2006/table">
+            <a:tbl>
+              <a:tblPr/>
+              <a:tblGrid>
+                <a:gridCol w="1247853">
+                  <a:extLst>
+                    <a:ext uri="{9D8B030D-6E8A-4147-A177-3AD203B41FA5}">
+                      <a16:colId xmlns:a16="http://schemas.microsoft.com/office/drawing/2014/main" val="3221884234"/>
+                    </a:ext>
+                  </a:extLst>
+                </a:gridCol>
+                <a:gridCol w="1247853">
+                  <a:extLst>
+                    <a:ext uri="{9D8B030D-6E8A-4147-A177-3AD203B41FA5}">
+                      <a16:colId xmlns:a16="http://schemas.microsoft.com/office/drawing/2014/main" val="1378666724"/>
+                    </a:ext>
+                  </a:extLst>
+                </a:gridCol>
+                <a:gridCol w="1247853">
+                  <a:extLst>
+                    <a:ext uri="{9D8B030D-6E8A-4147-A177-3AD203B41FA5}">
+                      <a16:colId xmlns:a16="http://schemas.microsoft.com/office/drawing/2014/main" val="2981916489"/>
+                    </a:ext>
+                  </a:extLst>
+                </a:gridCol>
+                <a:gridCol w="1247853">
+                  <a:extLst>
+                    <a:ext uri="{9D8B030D-6E8A-4147-A177-3AD203B41FA5}">
+                      <a16:colId xmlns:a16="http://schemas.microsoft.com/office/drawing/2014/main" val="2446702814"/>
+                    </a:ext>
+                  </a:extLst>
+                </a:gridCol>
+                <a:gridCol w="1247853">
+                  <a:extLst>
+                    <a:ext uri="{9D8B030D-6E8A-4147-A177-3AD203B41FA5}">
+                      <a16:colId xmlns:a16="http://schemas.microsoft.com/office/drawing/2014/main" val="3232487043"/>
+                    </a:ext>
+                  </a:extLst>
+                </a:gridCol>
+                <a:gridCol w="1247853">
+                  <a:extLst>
+                    <a:ext uri="{9D8B030D-6E8A-4147-A177-3AD203B41FA5}">
+                      <a16:colId xmlns:a16="http://schemas.microsoft.com/office/drawing/2014/main" val="3564761673"/>
+                    </a:ext>
+                  </a:extLst>
+                </a:gridCol>
+                <a:gridCol w="1247853">
+                  <a:extLst>
+                    <a:ext uri="{9D8B030D-6E8A-4147-A177-3AD203B41FA5}">
+                      <a16:colId xmlns:a16="http://schemas.microsoft.com/office/drawing/2014/main" val="751366682"/>
+                    </a:ext>
+                  </a:extLst>
+                </a:gridCol>
+                <a:gridCol w="1247853">
+                  <a:extLst>
+                    <a:ext uri="{9D8B030D-6E8A-4147-A177-3AD203B41FA5}">
+                      <a16:colId xmlns:a16="http://schemas.microsoft.com/office/drawing/2014/main" val="72017382"/>
+                    </a:ext>
+                  </a:extLst>
+                </a:gridCol>
+              </a:tblGrid>
+              <a:tr h="646331">
+                <a:tc>
+                  <a:txBody>
+                    <a:bodyPr/>
+                    <a:lstStyle/>
+                    <a:p>
+                      <a:pPr algn="ctr" latinLnBrk="1"/>
+                      <a:r>
+                        <a:rPr lang="en-US" altLang="ko-KR" sz="2400" dirty="0">
+                          <a:solidFill>
+                            <a:schemeClr val="bg1">
+                              <a:lumMod val="85000"/>
+                            </a:schemeClr>
+                          </a:solidFill>
+                        </a:rPr>
+                        <a:t>0</a:t>
+                      </a:r>
+                      <a:endParaRPr lang="ko-KR" altLang="en-US" sz="2400" dirty="0">
+                        <a:solidFill>
+                          <a:schemeClr val="bg1">
+                            <a:lumMod val="85000"/>
+                          </a:schemeClr>
+                        </a:solidFill>
+                      </a:endParaRPr>
+                    </a:p>
+                  </a:txBody>
+                  <a:tcPr anchor="ctr">
+                    <a:lnL w="12700" cmpd="sng">
+                      <a:solidFill>
+                        <a:schemeClr val="bg1"/>
+                      </a:solidFill>
+                      <a:prstDash val="solid"/>
+                    </a:lnL>
+                    <a:lnR w="12700" cap="flat" cmpd="sng" algn="ctr">
+                      <a:solidFill>
+                        <a:schemeClr val="bg1"/>
+                      </a:solidFill>
+                      <a:prstDash val="solid"/>
+                      <a:round/>
+                      <a:headEnd type="none" w="med" len="med"/>
+                      <a:tailEnd type="none" w="med" len="med"/>
+                    </a:lnR>
+                    <a:lnT w="12700" cmpd="sng">
+                      <a:solidFill>
+                        <a:schemeClr val="bg1"/>
+                      </a:solidFill>
+                      <a:prstDash val="solid"/>
+                    </a:lnT>
+                    <a:lnB w="12700" cmpd="sng">
+                      <a:solidFill>
+                        <a:schemeClr val="bg1"/>
+                      </a:solidFill>
+                      <a:prstDash val="solid"/>
+                    </a:lnB>
+                  </a:tcPr>
+                </a:tc>
+                <a:tc>
+                  <a:txBody>
+                    <a:bodyPr/>
+                    <a:lstStyle/>
+                    <a:p>
+                      <a:pPr algn="ctr" latinLnBrk="1"/>
+                      <a:r>
+                        <a:rPr lang="en-US" altLang="ko-KR" sz="2400" dirty="0">
+                          <a:solidFill>
+                            <a:schemeClr val="bg1">
+                              <a:lumMod val="85000"/>
+                            </a:schemeClr>
+                          </a:solidFill>
+                        </a:rPr>
+                        <a:t>1</a:t>
+                      </a:r>
+                      <a:endParaRPr lang="ko-KR" altLang="en-US" sz="2400" dirty="0">
+                        <a:solidFill>
+                          <a:schemeClr val="bg1">
+                            <a:lumMod val="85000"/>
+                          </a:schemeClr>
+                        </a:solidFill>
+                      </a:endParaRPr>
+                    </a:p>
+                  </a:txBody>
+                  <a:tcPr anchor="ctr">
+                    <a:lnL w="12700" cap="flat" cmpd="sng" algn="ctr">
+                      <a:solidFill>
+                        <a:schemeClr val="bg1"/>
+                      </a:solidFill>
+                      <a:prstDash val="solid"/>
+                      <a:round/>
+                      <a:headEnd type="none" w="med" len="med"/>
+                      <a:tailEnd type="none" w="med" len="med"/>
+                    </a:lnL>
+                    <a:lnR w="12700" cap="flat" cmpd="sng" algn="ctr">
+                      <a:solidFill>
+                        <a:schemeClr val="bg1"/>
+                      </a:solidFill>
+                      <a:prstDash val="solid"/>
+                      <a:round/>
+                      <a:headEnd type="none" w="med" len="med"/>
+                      <a:tailEnd type="none" w="med" len="med"/>
+                    </a:lnR>
+                    <a:lnT w="12700" cap="flat" cmpd="sng" algn="ctr">
+                      <a:solidFill>
+                        <a:schemeClr val="bg1"/>
+                      </a:solidFill>
+                      <a:prstDash val="solid"/>
+                      <a:round/>
+                      <a:headEnd type="none" w="med" len="med"/>
+                      <a:tailEnd type="none" w="med" len="med"/>
+                    </a:lnT>
+                    <a:lnB w="12700" cap="flat" cmpd="sng" algn="ctr">
+                      <a:solidFill>
+                        <a:schemeClr val="bg1"/>
+                      </a:solidFill>
+                      <a:prstDash val="solid"/>
+                      <a:round/>
+                      <a:headEnd type="none" w="med" len="med"/>
+                      <a:tailEnd type="none" w="med" len="med"/>
+                    </a:lnB>
+                  </a:tcPr>
+                </a:tc>
+                <a:tc>
+                  <a:txBody>
+                    <a:bodyPr/>
+                    <a:lstStyle/>
+                    <a:p>
+                      <a:pPr algn="ctr" latinLnBrk="1"/>
+                      <a:r>
+                        <a:rPr lang="en-US" altLang="ko-KR" sz="2400" b="0" dirty="0">
+                          <a:solidFill>
+                            <a:schemeClr val="bg1">
+                              <a:lumMod val="85000"/>
+                            </a:schemeClr>
+                          </a:solidFill>
+                        </a:rPr>
+                        <a:t>1</a:t>
+                      </a:r>
+                      <a:endParaRPr lang="ko-KR" altLang="en-US" sz="2400" b="0" dirty="0">
+                        <a:solidFill>
+                          <a:schemeClr val="bg1">
+                            <a:lumMod val="85000"/>
+                          </a:schemeClr>
+                        </a:solidFill>
+                      </a:endParaRPr>
+                    </a:p>
+                  </a:txBody>
+                  <a:tcPr anchor="ctr">
+                    <a:lnL w="12700" cap="flat" cmpd="sng" algn="ctr">
+                      <a:solidFill>
+                        <a:schemeClr val="bg1"/>
+                      </a:solidFill>
+                      <a:prstDash val="solid"/>
+                      <a:round/>
+                      <a:headEnd type="none" w="med" len="med"/>
+                      <a:tailEnd type="none" w="med" len="med"/>
+                    </a:lnL>
+                    <a:lnR w="12700" cap="flat" cmpd="sng" algn="ctr">
+                      <a:solidFill>
+                        <a:schemeClr val="bg1"/>
+                      </a:solidFill>
+                      <a:prstDash val="solid"/>
+                      <a:round/>
+                      <a:headEnd type="none" w="med" len="med"/>
+                      <a:tailEnd type="none" w="med" len="med"/>
+                    </a:lnR>
+                    <a:lnT w="12700" cap="flat" cmpd="sng" algn="ctr">
+                      <a:solidFill>
+                        <a:schemeClr val="bg1"/>
+                      </a:solidFill>
+                      <a:prstDash val="solid"/>
+                      <a:round/>
+                      <a:headEnd type="none" w="med" len="med"/>
+                      <a:tailEnd type="none" w="med" len="med"/>
+                    </a:lnT>
+                    <a:lnB w="12700" cap="flat" cmpd="sng" algn="ctr">
+                      <a:solidFill>
+                        <a:schemeClr val="bg1"/>
+                      </a:solidFill>
+                      <a:prstDash val="solid"/>
+                      <a:round/>
+                      <a:headEnd type="none" w="med" len="med"/>
+                      <a:tailEnd type="none" w="med" len="med"/>
+                    </a:lnB>
+                  </a:tcPr>
+                </a:tc>
+                <a:tc>
+                  <a:txBody>
+                    <a:bodyPr/>
+                    <a:lstStyle/>
+                    <a:p>
+                      <a:pPr algn="ctr" latinLnBrk="1"/>
+                      <a:r>
+                        <a:rPr lang="en-US" altLang="ko-KR" sz="2400" b="0" dirty="0">
+                          <a:solidFill>
+                            <a:schemeClr val="bg1">
+                              <a:lumMod val="85000"/>
+                            </a:schemeClr>
+                          </a:solidFill>
+                        </a:rPr>
+                        <a:t>1</a:t>
+                      </a:r>
+                      <a:endParaRPr lang="ko-KR" altLang="en-US" sz="2400" b="0" dirty="0">
+                        <a:solidFill>
+                          <a:schemeClr val="bg1">
+                            <a:lumMod val="85000"/>
+                          </a:schemeClr>
+                        </a:solidFill>
+                      </a:endParaRPr>
+                    </a:p>
+                  </a:txBody>
+                  <a:tcPr anchor="ctr">
+                    <a:lnL w="12700" cap="flat" cmpd="sng" algn="ctr">
+                      <a:solidFill>
+                        <a:schemeClr val="bg1"/>
+                      </a:solidFill>
+                      <a:prstDash val="solid"/>
+                      <a:round/>
+                      <a:headEnd type="none" w="med" len="med"/>
+                      <a:tailEnd type="none" w="med" len="med"/>
+                    </a:lnL>
+                    <a:lnR w="12700" cap="flat" cmpd="sng" algn="ctr">
+                      <a:solidFill>
+                        <a:schemeClr val="bg1"/>
+                      </a:solidFill>
+                      <a:prstDash val="solid"/>
+                      <a:round/>
+                      <a:headEnd type="none" w="med" len="med"/>
+                      <a:tailEnd type="none" w="med" len="med"/>
+                    </a:lnR>
+                    <a:lnT w="12700" cap="flat" cmpd="sng" algn="ctr">
+                      <a:solidFill>
+                        <a:schemeClr val="bg1"/>
+                      </a:solidFill>
+                      <a:prstDash val="solid"/>
+                      <a:round/>
+                      <a:headEnd type="none" w="med" len="med"/>
+                      <a:tailEnd type="none" w="med" len="med"/>
+                    </a:lnT>
+                    <a:lnB w="12700" cap="flat" cmpd="sng" algn="ctr">
+                      <a:solidFill>
+                        <a:schemeClr val="bg1"/>
+                      </a:solidFill>
+                      <a:prstDash val="solid"/>
+                      <a:round/>
+                      <a:headEnd type="none" w="med" len="med"/>
+                      <a:tailEnd type="none" w="med" len="med"/>
+                    </a:lnB>
+                  </a:tcPr>
+                </a:tc>
+                <a:tc>
+                  <a:txBody>
+                    <a:bodyPr/>
+                    <a:lstStyle/>
+                    <a:p>
+                      <a:pPr algn="ctr" latinLnBrk="1"/>
+                      <a:r>
+                        <a:rPr lang="en-US" altLang="ko-KR" sz="2400" b="0" dirty="0">
+                          <a:solidFill>
+                            <a:schemeClr val="bg1">
+                              <a:lumMod val="85000"/>
+                            </a:schemeClr>
+                          </a:solidFill>
+                        </a:rPr>
+                        <a:t>4</a:t>
+                      </a:r>
+                      <a:endParaRPr lang="ko-KR" altLang="en-US" sz="2400" b="0" dirty="0">
+                        <a:solidFill>
+                          <a:schemeClr val="bg1">
+                            <a:lumMod val="85000"/>
+                          </a:schemeClr>
+                        </a:solidFill>
+                      </a:endParaRPr>
+                    </a:p>
+                  </a:txBody>
+                  <a:tcPr anchor="ctr">
+                    <a:lnL w="12700" cap="flat" cmpd="sng" algn="ctr">
+                      <a:solidFill>
+                        <a:schemeClr val="bg1"/>
+                      </a:solidFill>
+                      <a:prstDash val="solid"/>
+                      <a:round/>
+                      <a:headEnd type="none" w="med" len="med"/>
+                      <a:tailEnd type="none" w="med" len="med"/>
+                    </a:lnL>
+                    <a:lnR w="12700" cap="flat" cmpd="sng" algn="ctr">
+                      <a:solidFill>
+                        <a:schemeClr val="bg1"/>
+                      </a:solidFill>
+                      <a:prstDash val="solid"/>
+                      <a:round/>
+                      <a:headEnd type="none" w="med" len="med"/>
+                      <a:tailEnd type="none" w="med" len="med"/>
+                    </a:lnR>
+                    <a:lnT w="12700" cap="flat" cmpd="sng" algn="ctr">
+                      <a:solidFill>
+                        <a:schemeClr val="bg1"/>
+                      </a:solidFill>
+                      <a:prstDash val="solid"/>
+                      <a:round/>
+                      <a:headEnd type="none" w="med" len="med"/>
+                      <a:tailEnd type="none" w="med" len="med"/>
+                    </a:lnT>
+                    <a:lnB w="12700" cap="flat" cmpd="sng" algn="ctr">
+                      <a:solidFill>
+                        <a:schemeClr val="bg1"/>
+                      </a:solidFill>
+                      <a:prstDash val="solid"/>
+                      <a:round/>
+                      <a:headEnd type="none" w="med" len="med"/>
+                      <a:tailEnd type="none" w="med" len="med"/>
+                    </a:lnB>
+                  </a:tcPr>
+                </a:tc>
+                <a:tc>
+                  <a:txBody>
+                    <a:bodyPr/>
+                    <a:lstStyle/>
+                    <a:p>
+                      <a:pPr algn="ctr" latinLnBrk="1"/>
+                      <a:r>
+                        <a:rPr lang="en-US" altLang="ko-KR" sz="2400" b="1" dirty="0">
+                          <a:solidFill>
+                            <a:srgbClr val="FF0000"/>
+                          </a:solidFill>
+                        </a:rPr>
+                        <a:t>5</a:t>
+                      </a:r>
+                      <a:endParaRPr lang="ko-KR" altLang="en-US" sz="2400" b="1" dirty="0">
+                        <a:solidFill>
+                          <a:srgbClr val="FF0000"/>
+                        </a:solidFill>
+                      </a:endParaRPr>
+                    </a:p>
+                  </a:txBody>
+                  <a:tcPr anchor="ctr">
+                    <a:lnL w="12700" cap="flat" cmpd="sng" algn="ctr">
+                      <a:solidFill>
+                        <a:schemeClr val="bg1"/>
+                      </a:solidFill>
+                      <a:prstDash val="solid"/>
+                      <a:round/>
+                      <a:headEnd type="none" w="med" len="med"/>
+                      <a:tailEnd type="none" w="med" len="med"/>
+                    </a:lnL>
+                    <a:lnR w="12700" cap="flat" cmpd="sng" algn="ctr">
+                      <a:solidFill>
+                        <a:schemeClr val="bg1"/>
+                      </a:solidFill>
+                      <a:prstDash val="solid"/>
+                      <a:round/>
+                      <a:headEnd type="none" w="med" len="med"/>
+                      <a:tailEnd type="none" w="med" len="med"/>
+                    </a:lnR>
+                    <a:lnT w="12700" cap="flat" cmpd="sng" algn="ctr">
+                      <a:solidFill>
+                        <a:schemeClr val="bg1"/>
+                      </a:solidFill>
+                      <a:prstDash val="solid"/>
+                      <a:round/>
+                      <a:headEnd type="none" w="med" len="med"/>
+                      <a:tailEnd type="none" w="med" len="med"/>
+                    </a:lnT>
+                    <a:lnB w="12700" cap="flat" cmpd="sng" algn="ctr">
+                      <a:solidFill>
+                        <a:schemeClr val="bg1"/>
+                      </a:solidFill>
+                      <a:prstDash val="solid"/>
+                      <a:round/>
+                      <a:headEnd type="none" w="med" len="med"/>
+                      <a:tailEnd type="none" w="med" len="med"/>
+                    </a:lnB>
+                  </a:tcPr>
+                </a:tc>
+                <a:tc>
+                  <a:txBody>
+                    <a:bodyPr/>
+                    <a:lstStyle/>
+                    <a:p>
+                      <a:pPr algn="ctr" latinLnBrk="1"/>
+                      <a:r>
+                        <a:rPr lang="en-US" altLang="ko-KR" sz="2400" b="0" dirty="0">
+                          <a:solidFill>
+                            <a:schemeClr val="bg1">
+                              <a:lumMod val="85000"/>
+                            </a:schemeClr>
+                          </a:solidFill>
+                        </a:rPr>
+                        <a:t>5</a:t>
+                      </a:r>
+                      <a:endParaRPr lang="ko-KR" altLang="en-US" sz="2400" b="0" dirty="0">
+                        <a:solidFill>
+                          <a:schemeClr val="bg1">
+                            <a:lumMod val="85000"/>
+                          </a:schemeClr>
+                        </a:solidFill>
+                      </a:endParaRPr>
+                    </a:p>
+                  </a:txBody>
+                  <a:tcPr anchor="ctr">
+                    <a:lnL w="12700" cap="flat" cmpd="sng" algn="ctr">
+                      <a:solidFill>
+                        <a:schemeClr val="bg1"/>
+                      </a:solidFill>
+                      <a:prstDash val="solid"/>
+                      <a:round/>
+                      <a:headEnd type="none" w="med" len="med"/>
+                      <a:tailEnd type="none" w="med" len="med"/>
+                    </a:lnL>
+                    <a:lnR w="12700" cap="flat" cmpd="sng" algn="ctr">
+                      <a:solidFill>
+                        <a:schemeClr val="bg1"/>
+                      </a:solidFill>
+                      <a:prstDash val="solid"/>
+                      <a:round/>
+                      <a:headEnd type="none" w="med" len="med"/>
+                      <a:tailEnd type="none" w="med" len="med"/>
+                    </a:lnR>
+                    <a:lnT w="12700" cap="flat" cmpd="sng" algn="ctr">
+                      <a:solidFill>
+                        <a:schemeClr val="bg1"/>
+                      </a:solidFill>
+                      <a:prstDash val="solid"/>
+                      <a:round/>
+                      <a:headEnd type="none" w="med" len="med"/>
+                      <a:tailEnd type="none" w="med" len="med"/>
+                    </a:lnT>
+                    <a:lnB w="12700" cap="flat" cmpd="sng" algn="ctr">
+                      <a:solidFill>
+                        <a:schemeClr val="bg1"/>
+                      </a:solidFill>
+                      <a:prstDash val="solid"/>
+                      <a:round/>
+                      <a:headEnd type="none" w="med" len="med"/>
+                      <a:tailEnd type="none" w="med" len="med"/>
+                    </a:lnB>
+                  </a:tcPr>
+                </a:tc>
+                <a:tc>
+                  <a:txBody>
+                    <a:bodyPr/>
+                    <a:lstStyle/>
+                    <a:p>
+                      <a:pPr algn="ctr" latinLnBrk="1"/>
+                      <a:r>
+                        <a:rPr lang="en-US" altLang="ko-KR" sz="2400" b="0" dirty="0">
+                          <a:solidFill>
+                            <a:schemeClr val="bg1">
+                              <a:lumMod val="85000"/>
+                            </a:schemeClr>
+                          </a:solidFill>
+                        </a:rPr>
+                        <a:t>4</a:t>
+                      </a:r>
+                      <a:endParaRPr lang="ko-KR" altLang="en-US" sz="2400" b="0" dirty="0">
+                        <a:solidFill>
+                          <a:schemeClr val="bg1">
+                            <a:lumMod val="85000"/>
+                          </a:schemeClr>
+                        </a:solidFill>
+                      </a:endParaRPr>
+                    </a:p>
+                  </a:txBody>
+                  <a:tcPr anchor="ctr">
+                    <a:lnL w="12700" cap="flat" cmpd="sng" algn="ctr">
+                      <a:solidFill>
+                        <a:schemeClr val="bg1"/>
+                      </a:solidFill>
+                      <a:prstDash val="solid"/>
+                      <a:round/>
+                      <a:headEnd type="none" w="med" len="med"/>
+                      <a:tailEnd type="none" w="med" len="med"/>
+                    </a:lnL>
+                    <a:lnR w="12700" cmpd="sng">
+                      <a:solidFill>
+                        <a:schemeClr val="bg1"/>
+                      </a:solidFill>
+                      <a:prstDash val="solid"/>
+                    </a:lnR>
+                    <a:lnT w="12700" cap="flat" cmpd="sng" algn="ctr">
+                      <a:solidFill>
+                        <a:schemeClr val="bg1"/>
+                      </a:solidFill>
+                      <a:prstDash val="solid"/>
+                      <a:round/>
+                      <a:headEnd type="none" w="med" len="med"/>
+                      <a:tailEnd type="none" w="med" len="med"/>
+                    </a:lnT>
+                    <a:lnB w="12700" cap="flat" cmpd="sng" algn="ctr">
+                      <a:solidFill>
+                        <a:schemeClr val="bg1"/>
+                      </a:solidFill>
+                      <a:prstDash val="solid"/>
+                      <a:round/>
+                      <a:headEnd type="none" w="med" len="med"/>
+                      <a:tailEnd type="none" w="med" len="med"/>
+                    </a:lnB>
+                  </a:tcPr>
+                </a:tc>
+                <a:extLst>
+                  <a:ext uri="{0D108BD9-81ED-4DB2-BD59-A6C34878D82A}">
+                    <a16:rowId xmlns:a16="http://schemas.microsoft.com/office/drawing/2014/main" val="1169592317"/>
+                  </a:ext>
+                </a:extLst>
+              </a:tr>
+            </a:tbl>
+          </a:graphicData>
+        </a:graphic>
+      </p:graphicFrame>
+      <p:sp>
+        <p:nvSpPr>
+          <p:cNvPr id="10" name="화살표: 아래쪽 9">
+            <a:extLst>
+              <a:ext uri="{FF2B5EF4-FFF2-40B4-BE49-F238E27FC236}">
+                <a16:creationId xmlns:a16="http://schemas.microsoft.com/office/drawing/2014/main" id="{0F606E01-AF20-4E65-AA78-8F5ECC2EA8F5}"/>
+              </a:ext>
+            </a:extLst>
+          </p:cNvPr>
+          <p:cNvSpPr/>
+          <p:nvPr/>
+        </p:nvSpPr>
+        <p:spPr>
+          <a:xfrm>
+            <a:off x="7057292" y="4829899"/>
+            <a:ext cx="726831" cy="621323"/>
+          </a:xfrm>
+          <a:prstGeom prst="downArrow">
+            <a:avLst/>
+          </a:prstGeom>
+        </p:spPr>
+        <p:style>
+          <a:lnRef idx="2">
+            <a:schemeClr val="accent1">
+              <a:shade val="50000"/>
+            </a:schemeClr>
+          </a:lnRef>
+          <a:fillRef idx="1">
+            <a:schemeClr val="accent1"/>
+          </a:fillRef>
+          <a:effectRef idx="0">
+            <a:schemeClr val="accent1"/>
+          </a:effectRef>
+          <a:fontRef idx="minor">
+            <a:schemeClr val="lt1"/>
+          </a:fontRef>
+        </p:style>
+        <p:txBody>
+          <a:bodyPr rtlCol="0" anchor="ctr"/>
+          <a:lstStyle/>
+          <a:p>
+            <a:pPr algn="ctr"/>
+            <a:endParaRPr lang="ko-KR" altLang="en-US"/>
+          </a:p>
+        </p:txBody>
+      </p:sp>
+      <p:sp>
+        <p:nvSpPr>
+          <p:cNvPr id="11" name="TextBox 10">
+            <a:extLst>
+              <a:ext uri="{FF2B5EF4-FFF2-40B4-BE49-F238E27FC236}">
+                <a16:creationId xmlns:a16="http://schemas.microsoft.com/office/drawing/2014/main" id="{59D23375-EF1D-43D6-9CC7-D903F1698073}"/>
+              </a:ext>
+            </a:extLst>
+          </p:cNvPr>
+          <p:cNvSpPr txBox="1"/>
+          <p:nvPr/>
+        </p:nvSpPr>
+        <p:spPr>
+          <a:xfrm>
+            <a:off x="7748950" y="4632056"/>
+            <a:ext cx="4443050" cy="923330"/>
+          </a:xfrm>
+          <a:prstGeom prst="rect">
+            <a:avLst/>
+          </a:prstGeom>
+          <a:noFill/>
+        </p:spPr>
+        <p:txBody>
+          <a:bodyPr wrap="square" rtlCol="0">
+            <a:spAutoFit/>
+          </a:bodyPr>
+          <a:lstStyle/>
+          <a:p>
+            <a:r>
+              <a:rPr lang="ko-KR" altLang="en-US" dirty="0">
+                <a:solidFill>
+                  <a:schemeClr val="bg1">
+                    <a:lumMod val="95000"/>
+                  </a:schemeClr>
+                </a:solidFill>
+              </a:rPr>
+              <a:t>배열</a:t>
+            </a:r>
+            <a:r>
+              <a:rPr lang="en-US" altLang="ko-KR" dirty="0">
+                <a:solidFill>
+                  <a:schemeClr val="bg1">
+                    <a:lumMod val="95000"/>
+                  </a:schemeClr>
+                </a:solidFill>
+              </a:rPr>
+              <a:t>[5]</a:t>
+            </a:r>
+            <a:r>
+              <a:rPr lang="ko-KR" altLang="en-US" dirty="0">
+                <a:solidFill>
+                  <a:schemeClr val="bg1">
+                    <a:lumMod val="95000"/>
+                  </a:schemeClr>
+                </a:solidFill>
+              </a:rPr>
+              <a:t>의 값은 </a:t>
+            </a:r>
+            <a:r>
+              <a:rPr lang="en-US" altLang="ko-KR" dirty="0">
+                <a:solidFill>
+                  <a:schemeClr val="bg1">
+                    <a:lumMod val="95000"/>
+                  </a:schemeClr>
+                </a:solidFill>
+              </a:rPr>
+              <a:t>5</a:t>
+            </a:r>
+            <a:r>
+              <a:rPr lang="ko-KR" altLang="en-US" dirty="0">
+                <a:solidFill>
+                  <a:schemeClr val="bg1">
+                    <a:lumMod val="95000"/>
+                  </a:schemeClr>
+                </a:solidFill>
+              </a:rPr>
+              <a:t>이므로</a:t>
+            </a:r>
+            <a:r>
+              <a:rPr lang="en-US" altLang="ko-KR" dirty="0">
+                <a:solidFill>
+                  <a:schemeClr val="bg1">
+                    <a:lumMod val="95000"/>
+                  </a:schemeClr>
+                </a:solidFill>
+              </a:rPr>
+              <a:t>, </a:t>
+            </a:r>
+            <a:r>
+              <a:rPr lang="ko-KR" altLang="en-US" dirty="0">
+                <a:solidFill>
+                  <a:schemeClr val="bg1">
+                    <a:lumMod val="95000"/>
+                  </a:schemeClr>
+                </a:solidFill>
+              </a:rPr>
+              <a:t>노드 </a:t>
+            </a:r>
+            <a:r>
+              <a:rPr lang="en-US" altLang="ko-KR" dirty="0">
+                <a:solidFill>
+                  <a:schemeClr val="bg1">
+                    <a:lumMod val="95000"/>
+                  </a:schemeClr>
+                </a:solidFill>
+              </a:rPr>
+              <a:t>5</a:t>
+            </a:r>
+            <a:r>
+              <a:rPr lang="ko-KR" altLang="en-US" dirty="0">
+                <a:solidFill>
+                  <a:schemeClr val="bg1">
+                    <a:lumMod val="95000"/>
+                  </a:schemeClr>
+                </a:solidFill>
+              </a:rPr>
+              <a:t>의 집합의</a:t>
+            </a:r>
+            <a:endParaRPr lang="en-US" altLang="ko-KR" dirty="0">
+              <a:solidFill>
+                <a:schemeClr val="bg1">
+                  <a:lumMod val="95000"/>
+                </a:schemeClr>
+              </a:solidFill>
+            </a:endParaRPr>
+          </a:p>
+          <a:p>
+            <a:r>
+              <a:rPr lang="ko-KR" altLang="en-US" dirty="0">
+                <a:solidFill>
+                  <a:schemeClr val="bg1">
+                    <a:lumMod val="95000"/>
+                  </a:schemeClr>
+                </a:solidFill>
+              </a:rPr>
+              <a:t> </a:t>
+            </a:r>
+            <a:r>
+              <a:rPr lang="ko-KR" altLang="en-US" dirty="0" err="1">
+                <a:solidFill>
+                  <a:schemeClr val="bg1">
+                    <a:lumMod val="95000"/>
+                  </a:schemeClr>
+                </a:solidFill>
+              </a:rPr>
+              <a:t>대표값은</a:t>
+            </a:r>
+            <a:r>
+              <a:rPr lang="ko-KR" altLang="en-US" dirty="0">
+                <a:solidFill>
+                  <a:schemeClr val="bg1">
+                    <a:lumMod val="95000"/>
+                  </a:schemeClr>
+                </a:solidFill>
+              </a:rPr>
+              <a:t> 노드 </a:t>
+            </a:r>
+            <a:r>
+              <a:rPr lang="en-US" altLang="ko-KR" dirty="0">
+                <a:solidFill>
+                  <a:schemeClr val="bg1">
+                    <a:lumMod val="95000"/>
+                  </a:schemeClr>
+                </a:solidFill>
+              </a:rPr>
+              <a:t>5</a:t>
+            </a:r>
+            <a:r>
+              <a:rPr lang="ko-KR" altLang="en-US" dirty="0">
+                <a:solidFill>
+                  <a:schemeClr val="bg1">
+                    <a:lumMod val="95000"/>
+                  </a:schemeClr>
+                </a:solidFill>
+              </a:rPr>
+              <a:t>가 되는 것을 알 수 </a:t>
+            </a:r>
+            <a:endParaRPr lang="en-US" altLang="ko-KR" dirty="0">
+              <a:solidFill>
+                <a:schemeClr val="bg1">
+                  <a:lumMod val="95000"/>
+                </a:schemeClr>
+              </a:solidFill>
+            </a:endParaRPr>
+          </a:p>
+          <a:p>
+            <a:r>
+              <a:rPr lang="ko-KR" altLang="en-US" dirty="0">
+                <a:solidFill>
+                  <a:schemeClr val="bg1">
+                    <a:lumMod val="95000"/>
+                  </a:schemeClr>
+                </a:solidFill>
+              </a:rPr>
+              <a:t>있습니다</a:t>
+            </a:r>
+            <a:r>
+              <a:rPr lang="en-US" altLang="ko-KR" dirty="0">
+                <a:solidFill>
+                  <a:schemeClr val="bg1">
+                    <a:lumMod val="95000"/>
+                  </a:schemeClr>
+                </a:solidFill>
+              </a:rPr>
+              <a:t>.</a:t>
+            </a:r>
+          </a:p>
+        </p:txBody>
+      </p:sp>
     </p:spTree>
     <p:extLst>
       <p:ext uri="{BB962C8B-B14F-4D97-AF65-F5344CB8AC3E}">
-        <p14:creationId xmlns:p14="http://schemas.microsoft.com/office/powerpoint/2010/main" val="1390913482"/>
+        <p14:creationId xmlns:p14="http://schemas.microsoft.com/office/powerpoint/2010/main" val="3000999043"/>
+      </p:ext>
+    </p:extLst>
+  </p:cSld>
+  <p:clrMapOvr>
+    <a:masterClrMapping/>
+  </p:clrMapOvr>
+</p:sld>
+</file>
+
+<file path=ppt/slides/slide9.xml><?xml version="1.0" encoding="utf-8"?>
+<p:sld xmlns:a="http://schemas.openxmlformats.org/drawingml/2006/main" xmlns:r="http://schemas.openxmlformats.org/officeDocument/2006/relationships" xmlns:p="http://schemas.openxmlformats.org/presentationml/2006/main">
+  <p:cSld>
+    <p:bg>
+      <p:bgPr>
+        <a:solidFill>
+          <a:schemeClr val="tx2">
+            <a:lumMod val="50000"/>
+          </a:schemeClr>
+        </a:solidFill>
+        <a:effectLst/>
+      </p:bgPr>
+    </p:bg>
+    <p:spTree>
+      <p:nvGrpSpPr>
+        <p:cNvPr id="1" name=""/>
+        <p:cNvGrpSpPr/>
+        <p:nvPr/>
+      </p:nvGrpSpPr>
+      <p:grpSpPr>
+        <a:xfrm>
+          <a:off x="0" y="0"/>
+          <a:ext cx="0" cy="0"/>
+          <a:chOff x="0" y="0"/>
+          <a:chExt cx="0" cy="0"/>
+        </a:xfrm>
+      </p:grpSpPr>
+      <p:sp>
+        <p:nvSpPr>
+          <p:cNvPr id="14" name="TextBox 13">
+            <a:extLst>
+              <a:ext uri="{FF2B5EF4-FFF2-40B4-BE49-F238E27FC236}">
+                <a16:creationId xmlns:a16="http://schemas.microsoft.com/office/drawing/2014/main" id="{085D0EC4-2E3C-40D4-B8A1-334E696EA683}"/>
+              </a:ext>
+            </a:extLst>
+          </p:cNvPr>
+          <p:cNvSpPr txBox="1"/>
+          <p:nvPr/>
+        </p:nvSpPr>
+        <p:spPr>
+          <a:xfrm>
+            <a:off x="799330" y="517261"/>
+            <a:ext cx="9458362" cy="923330"/>
+          </a:xfrm>
+          <a:prstGeom prst="rect">
+            <a:avLst/>
+          </a:prstGeom>
+          <a:noFill/>
+        </p:spPr>
+        <p:txBody>
+          <a:bodyPr wrap="square" rtlCol="0">
+            <a:spAutoFit/>
+          </a:bodyPr>
+          <a:lstStyle/>
+          <a:p>
+            <a:r>
+              <a:rPr lang="ko-KR" altLang="en-US" dirty="0" err="1">
+                <a:solidFill>
+                  <a:schemeClr val="bg1">
+                    <a:lumMod val="95000"/>
+                  </a:schemeClr>
+                </a:solidFill>
+              </a:rPr>
+              <a:t>ㅇ</a:t>
+            </a:r>
+            <a:r>
+              <a:rPr lang="ko-KR" altLang="en-US" dirty="0">
+                <a:solidFill>
+                  <a:schemeClr val="bg1">
+                    <a:lumMod val="95000"/>
+                  </a:schemeClr>
+                </a:solidFill>
+              </a:rPr>
+              <a:t> 그렇기 때문에</a:t>
+            </a:r>
+            <a:r>
+              <a:rPr lang="en-US" altLang="ko-KR" dirty="0">
+                <a:solidFill>
+                  <a:schemeClr val="bg1">
+                    <a:lumMod val="95000"/>
+                  </a:schemeClr>
+                </a:solidFill>
+              </a:rPr>
+              <a:t>, </a:t>
+            </a:r>
+            <a:r>
+              <a:rPr lang="ko-KR" altLang="en-US" dirty="0">
+                <a:solidFill>
+                  <a:schemeClr val="bg1">
+                    <a:lumMod val="95000"/>
+                  </a:schemeClr>
+                </a:solidFill>
+              </a:rPr>
+              <a:t>노드 </a:t>
+            </a:r>
+            <a:r>
+              <a:rPr lang="en-US" altLang="ko-KR" dirty="0">
+                <a:solidFill>
+                  <a:schemeClr val="bg1">
+                    <a:lumMod val="95000"/>
+                  </a:schemeClr>
+                </a:solidFill>
+              </a:rPr>
+              <a:t>4</a:t>
+            </a:r>
+            <a:r>
+              <a:rPr lang="ko-KR" altLang="en-US" dirty="0">
+                <a:solidFill>
+                  <a:schemeClr val="bg1">
+                    <a:lumMod val="95000"/>
+                  </a:schemeClr>
+                </a:solidFill>
+              </a:rPr>
+              <a:t>와 노드 </a:t>
+            </a:r>
+            <a:r>
+              <a:rPr lang="en-US" altLang="ko-KR" dirty="0">
+                <a:solidFill>
+                  <a:schemeClr val="bg1">
+                    <a:lumMod val="95000"/>
+                  </a:schemeClr>
+                </a:solidFill>
+              </a:rPr>
+              <a:t>6</a:t>
+            </a:r>
+            <a:r>
+              <a:rPr lang="ko-KR" altLang="en-US" dirty="0">
+                <a:solidFill>
+                  <a:schemeClr val="bg1">
+                    <a:lumMod val="95000"/>
+                  </a:schemeClr>
+                </a:solidFill>
+              </a:rPr>
+              <a:t>을 연결하려면 노드 </a:t>
+            </a:r>
+            <a:r>
+              <a:rPr lang="en-US" altLang="ko-KR" dirty="0">
+                <a:solidFill>
+                  <a:schemeClr val="bg1">
+                    <a:lumMod val="95000"/>
+                  </a:schemeClr>
+                </a:solidFill>
+              </a:rPr>
+              <a:t>4</a:t>
+            </a:r>
+            <a:r>
+              <a:rPr lang="ko-KR" altLang="en-US" dirty="0">
+                <a:solidFill>
+                  <a:schemeClr val="bg1">
+                    <a:lumMod val="95000"/>
+                  </a:schemeClr>
+                </a:solidFill>
+              </a:rPr>
+              <a:t>와 노드 </a:t>
+            </a:r>
+            <a:r>
+              <a:rPr lang="en-US" altLang="ko-KR" dirty="0">
+                <a:solidFill>
+                  <a:schemeClr val="bg1">
+                    <a:lumMod val="95000"/>
+                  </a:schemeClr>
+                </a:solidFill>
+              </a:rPr>
+              <a:t>5</a:t>
+            </a:r>
+            <a:r>
+              <a:rPr lang="ko-KR" altLang="en-US" dirty="0">
+                <a:solidFill>
+                  <a:schemeClr val="bg1">
+                    <a:lumMod val="95000"/>
+                  </a:schemeClr>
+                </a:solidFill>
+              </a:rPr>
+              <a:t>이 연결을 해주면 된다는 것을 알 수 있습니다</a:t>
+            </a:r>
+            <a:r>
+              <a:rPr lang="en-US" altLang="ko-KR" dirty="0">
+                <a:solidFill>
+                  <a:schemeClr val="bg1">
+                    <a:lumMod val="95000"/>
+                  </a:schemeClr>
+                </a:solidFill>
+              </a:rPr>
+              <a:t>. </a:t>
+            </a:r>
+            <a:r>
+              <a:rPr lang="ko-KR" altLang="en-US" dirty="0">
+                <a:solidFill>
+                  <a:schemeClr val="bg1">
+                    <a:lumMod val="95000"/>
+                  </a:schemeClr>
+                </a:solidFill>
+              </a:rPr>
+              <a:t>노드 </a:t>
+            </a:r>
+            <a:r>
+              <a:rPr lang="en-US" altLang="ko-KR" dirty="0">
+                <a:solidFill>
+                  <a:schemeClr val="bg1">
+                    <a:lumMod val="95000"/>
+                  </a:schemeClr>
+                </a:solidFill>
+              </a:rPr>
+              <a:t>4</a:t>
+            </a:r>
+            <a:r>
+              <a:rPr lang="ko-KR" altLang="en-US" dirty="0">
+                <a:solidFill>
+                  <a:schemeClr val="bg1">
+                    <a:lumMod val="95000"/>
+                  </a:schemeClr>
+                </a:solidFill>
+              </a:rPr>
+              <a:t>와 노드 </a:t>
+            </a:r>
+            <a:r>
+              <a:rPr lang="en-US" altLang="ko-KR" dirty="0">
+                <a:solidFill>
+                  <a:schemeClr val="bg1">
+                    <a:lumMod val="95000"/>
+                  </a:schemeClr>
+                </a:solidFill>
+              </a:rPr>
+              <a:t>5</a:t>
+            </a:r>
+            <a:r>
+              <a:rPr lang="ko-KR" altLang="en-US" dirty="0">
+                <a:solidFill>
+                  <a:schemeClr val="bg1">
+                    <a:lumMod val="95000"/>
+                  </a:schemeClr>
+                </a:solidFill>
+              </a:rPr>
+              <a:t>의 연결 방법은 지금까지 해왔던 프로세스 방식으로 진행하면 됩니다</a:t>
+            </a:r>
+            <a:r>
+              <a:rPr lang="en-US" altLang="ko-KR" dirty="0">
+                <a:solidFill>
+                  <a:schemeClr val="bg1">
+                    <a:lumMod val="95000"/>
+                  </a:schemeClr>
+                </a:solidFill>
+              </a:rPr>
+              <a:t>.</a:t>
+            </a:r>
+          </a:p>
+        </p:txBody>
+      </p:sp>
+      <p:graphicFrame>
+        <p:nvGraphicFramePr>
+          <p:cNvPr id="9" name="표 8">
+            <a:extLst>
+              <a:ext uri="{FF2B5EF4-FFF2-40B4-BE49-F238E27FC236}">
+                <a16:creationId xmlns:a16="http://schemas.microsoft.com/office/drawing/2014/main" id="{DFF9AE96-1BE6-4F93-ACAF-F46180AE3BE0}"/>
+              </a:ext>
+            </a:extLst>
+          </p:cNvPr>
+          <p:cNvGraphicFramePr>
+            <a:graphicFrameLocks noGrp="1"/>
+          </p:cNvGraphicFramePr>
+          <p:nvPr>
+            <p:extLst>
+              <p:ext uri="{D42A27DB-BD31-4B8C-83A1-F6EECF244321}">
+                <p14:modId xmlns:p14="http://schemas.microsoft.com/office/powerpoint/2010/main" val="279338610"/>
+              </p:ext>
+            </p:extLst>
+          </p:nvPr>
+        </p:nvGraphicFramePr>
+        <p:xfrm>
+          <a:off x="785450" y="1579348"/>
+          <a:ext cx="9982824" cy="646331"/>
+        </p:xfrm>
+        <a:graphic>
+          <a:graphicData uri="http://schemas.openxmlformats.org/drawingml/2006/table">
+            <a:tbl>
+              <a:tblPr/>
+              <a:tblGrid>
+                <a:gridCol w="1247853">
+                  <a:extLst>
+                    <a:ext uri="{9D8B030D-6E8A-4147-A177-3AD203B41FA5}">
+                      <a16:colId xmlns:a16="http://schemas.microsoft.com/office/drawing/2014/main" val="3221884234"/>
+                    </a:ext>
+                  </a:extLst>
+                </a:gridCol>
+                <a:gridCol w="1247853">
+                  <a:extLst>
+                    <a:ext uri="{9D8B030D-6E8A-4147-A177-3AD203B41FA5}">
+                      <a16:colId xmlns:a16="http://schemas.microsoft.com/office/drawing/2014/main" val="1378666724"/>
+                    </a:ext>
+                  </a:extLst>
+                </a:gridCol>
+                <a:gridCol w="1247853">
+                  <a:extLst>
+                    <a:ext uri="{9D8B030D-6E8A-4147-A177-3AD203B41FA5}">
+                      <a16:colId xmlns:a16="http://schemas.microsoft.com/office/drawing/2014/main" val="2981916489"/>
+                    </a:ext>
+                  </a:extLst>
+                </a:gridCol>
+                <a:gridCol w="1247853">
+                  <a:extLst>
+                    <a:ext uri="{9D8B030D-6E8A-4147-A177-3AD203B41FA5}">
+                      <a16:colId xmlns:a16="http://schemas.microsoft.com/office/drawing/2014/main" val="2446702814"/>
+                    </a:ext>
+                  </a:extLst>
+                </a:gridCol>
+                <a:gridCol w="1247853">
+                  <a:extLst>
+                    <a:ext uri="{9D8B030D-6E8A-4147-A177-3AD203B41FA5}">
+                      <a16:colId xmlns:a16="http://schemas.microsoft.com/office/drawing/2014/main" val="3232487043"/>
+                    </a:ext>
+                  </a:extLst>
+                </a:gridCol>
+                <a:gridCol w="1247853">
+                  <a:extLst>
+                    <a:ext uri="{9D8B030D-6E8A-4147-A177-3AD203B41FA5}">
+                      <a16:colId xmlns:a16="http://schemas.microsoft.com/office/drawing/2014/main" val="3564761673"/>
+                    </a:ext>
+                  </a:extLst>
+                </a:gridCol>
+                <a:gridCol w="1247853">
+                  <a:extLst>
+                    <a:ext uri="{9D8B030D-6E8A-4147-A177-3AD203B41FA5}">
+                      <a16:colId xmlns:a16="http://schemas.microsoft.com/office/drawing/2014/main" val="751366682"/>
+                    </a:ext>
+                  </a:extLst>
+                </a:gridCol>
+                <a:gridCol w="1247853">
+                  <a:extLst>
+                    <a:ext uri="{9D8B030D-6E8A-4147-A177-3AD203B41FA5}">
+                      <a16:colId xmlns:a16="http://schemas.microsoft.com/office/drawing/2014/main" val="72017382"/>
+                    </a:ext>
+                  </a:extLst>
+                </a:gridCol>
+              </a:tblGrid>
+              <a:tr h="646331">
+                <a:tc>
+                  <a:txBody>
+                    <a:bodyPr/>
+                    <a:lstStyle/>
+                    <a:p>
+                      <a:pPr algn="ctr" latinLnBrk="1"/>
+                      <a:r>
+                        <a:rPr lang="en-US" altLang="ko-KR" sz="2400" dirty="0">
+                          <a:solidFill>
+                            <a:schemeClr val="bg1">
+                              <a:lumMod val="85000"/>
+                            </a:schemeClr>
+                          </a:solidFill>
+                        </a:rPr>
+                        <a:t>0</a:t>
+                      </a:r>
+                      <a:endParaRPr lang="ko-KR" altLang="en-US" sz="2400" dirty="0">
+                        <a:solidFill>
+                          <a:schemeClr val="bg1">
+                            <a:lumMod val="85000"/>
+                          </a:schemeClr>
+                        </a:solidFill>
+                      </a:endParaRPr>
+                    </a:p>
+                  </a:txBody>
+                  <a:tcPr anchor="ctr">
+                    <a:lnL w="12700" cmpd="sng">
+                      <a:solidFill>
+                        <a:schemeClr val="bg1"/>
+                      </a:solidFill>
+                      <a:prstDash val="solid"/>
+                    </a:lnL>
+                    <a:lnR w="12700" cap="flat" cmpd="sng" algn="ctr">
+                      <a:solidFill>
+                        <a:schemeClr val="bg1"/>
+                      </a:solidFill>
+                      <a:prstDash val="solid"/>
+                      <a:round/>
+                      <a:headEnd type="none" w="med" len="med"/>
+                      <a:tailEnd type="none" w="med" len="med"/>
+                    </a:lnR>
+                    <a:lnT w="12700" cmpd="sng">
+                      <a:solidFill>
+                        <a:schemeClr val="bg1"/>
+                      </a:solidFill>
+                      <a:prstDash val="solid"/>
+                    </a:lnT>
+                    <a:lnB w="12700" cmpd="sng">
+                      <a:solidFill>
+                        <a:schemeClr val="bg1"/>
+                      </a:solidFill>
+                      <a:prstDash val="solid"/>
+                    </a:lnB>
+                  </a:tcPr>
+                </a:tc>
+                <a:tc>
+                  <a:txBody>
+                    <a:bodyPr/>
+                    <a:lstStyle/>
+                    <a:p>
+                      <a:pPr algn="ctr" latinLnBrk="1"/>
+                      <a:r>
+                        <a:rPr lang="en-US" altLang="ko-KR" sz="2400" dirty="0">
+                          <a:solidFill>
+                            <a:schemeClr val="bg1">
+                              <a:lumMod val="85000"/>
+                            </a:schemeClr>
+                          </a:solidFill>
+                        </a:rPr>
+                        <a:t>1</a:t>
+                      </a:r>
+                      <a:endParaRPr lang="ko-KR" altLang="en-US" sz="2400" dirty="0">
+                        <a:solidFill>
+                          <a:schemeClr val="bg1">
+                            <a:lumMod val="85000"/>
+                          </a:schemeClr>
+                        </a:solidFill>
+                      </a:endParaRPr>
+                    </a:p>
+                  </a:txBody>
+                  <a:tcPr anchor="ctr">
+                    <a:lnL w="12700" cap="flat" cmpd="sng" algn="ctr">
+                      <a:solidFill>
+                        <a:schemeClr val="bg1"/>
+                      </a:solidFill>
+                      <a:prstDash val="solid"/>
+                      <a:round/>
+                      <a:headEnd type="none" w="med" len="med"/>
+                      <a:tailEnd type="none" w="med" len="med"/>
+                    </a:lnL>
+                    <a:lnR w="12700" cap="flat" cmpd="sng" algn="ctr">
+                      <a:solidFill>
+                        <a:schemeClr val="bg1"/>
+                      </a:solidFill>
+                      <a:prstDash val="solid"/>
+                      <a:round/>
+                      <a:headEnd type="none" w="med" len="med"/>
+                      <a:tailEnd type="none" w="med" len="med"/>
+                    </a:lnR>
+                    <a:lnT w="12700" cap="flat" cmpd="sng" algn="ctr">
+                      <a:solidFill>
+                        <a:schemeClr val="bg1"/>
+                      </a:solidFill>
+                      <a:prstDash val="solid"/>
+                      <a:round/>
+                      <a:headEnd type="none" w="med" len="med"/>
+                      <a:tailEnd type="none" w="med" len="med"/>
+                    </a:lnT>
+                    <a:lnB w="12700" cap="flat" cmpd="sng" algn="ctr">
+                      <a:solidFill>
+                        <a:schemeClr val="bg1"/>
+                      </a:solidFill>
+                      <a:prstDash val="solid"/>
+                      <a:round/>
+                      <a:headEnd type="none" w="med" len="med"/>
+                      <a:tailEnd type="none" w="med" len="med"/>
+                    </a:lnB>
+                  </a:tcPr>
+                </a:tc>
+                <a:tc>
+                  <a:txBody>
+                    <a:bodyPr/>
+                    <a:lstStyle/>
+                    <a:p>
+                      <a:pPr algn="ctr" latinLnBrk="1"/>
+                      <a:r>
+                        <a:rPr lang="en-US" altLang="ko-KR" sz="2400" b="0" dirty="0">
+                          <a:solidFill>
+                            <a:schemeClr val="bg1">
+                              <a:lumMod val="85000"/>
+                            </a:schemeClr>
+                          </a:solidFill>
+                        </a:rPr>
+                        <a:t>1</a:t>
+                      </a:r>
+                      <a:endParaRPr lang="ko-KR" altLang="en-US" sz="2400" b="0" dirty="0">
+                        <a:solidFill>
+                          <a:schemeClr val="bg1">
+                            <a:lumMod val="85000"/>
+                          </a:schemeClr>
+                        </a:solidFill>
+                      </a:endParaRPr>
+                    </a:p>
+                  </a:txBody>
+                  <a:tcPr anchor="ctr">
+                    <a:lnL w="12700" cap="flat" cmpd="sng" algn="ctr">
+                      <a:solidFill>
+                        <a:schemeClr val="bg1"/>
+                      </a:solidFill>
+                      <a:prstDash val="solid"/>
+                      <a:round/>
+                      <a:headEnd type="none" w="med" len="med"/>
+                      <a:tailEnd type="none" w="med" len="med"/>
+                    </a:lnL>
+                    <a:lnR w="12700" cap="flat" cmpd="sng" algn="ctr">
+                      <a:solidFill>
+                        <a:schemeClr val="bg1"/>
+                      </a:solidFill>
+                      <a:prstDash val="solid"/>
+                      <a:round/>
+                      <a:headEnd type="none" w="med" len="med"/>
+                      <a:tailEnd type="none" w="med" len="med"/>
+                    </a:lnR>
+                    <a:lnT w="12700" cap="flat" cmpd="sng" algn="ctr">
+                      <a:solidFill>
+                        <a:schemeClr val="bg1"/>
+                      </a:solidFill>
+                      <a:prstDash val="solid"/>
+                      <a:round/>
+                      <a:headEnd type="none" w="med" len="med"/>
+                      <a:tailEnd type="none" w="med" len="med"/>
+                    </a:lnT>
+                    <a:lnB w="12700" cap="flat" cmpd="sng" algn="ctr">
+                      <a:solidFill>
+                        <a:schemeClr val="bg1"/>
+                      </a:solidFill>
+                      <a:prstDash val="solid"/>
+                      <a:round/>
+                      <a:headEnd type="none" w="med" len="med"/>
+                      <a:tailEnd type="none" w="med" len="med"/>
+                    </a:lnB>
+                  </a:tcPr>
+                </a:tc>
+                <a:tc>
+                  <a:txBody>
+                    <a:bodyPr/>
+                    <a:lstStyle/>
+                    <a:p>
+                      <a:pPr algn="ctr" latinLnBrk="1"/>
+                      <a:r>
+                        <a:rPr lang="en-US" altLang="ko-KR" sz="2400" b="0" dirty="0">
+                          <a:solidFill>
+                            <a:schemeClr val="bg1">
+                              <a:lumMod val="85000"/>
+                            </a:schemeClr>
+                          </a:solidFill>
+                        </a:rPr>
+                        <a:t>1</a:t>
+                      </a:r>
+                      <a:endParaRPr lang="ko-KR" altLang="en-US" sz="2400" b="0" dirty="0">
+                        <a:solidFill>
+                          <a:schemeClr val="bg1">
+                            <a:lumMod val="85000"/>
+                          </a:schemeClr>
+                        </a:solidFill>
+                      </a:endParaRPr>
+                    </a:p>
+                  </a:txBody>
+                  <a:tcPr anchor="ctr">
+                    <a:lnL w="12700" cap="flat" cmpd="sng" algn="ctr">
+                      <a:solidFill>
+                        <a:schemeClr val="bg1"/>
+                      </a:solidFill>
+                      <a:prstDash val="solid"/>
+                      <a:round/>
+                      <a:headEnd type="none" w="med" len="med"/>
+                      <a:tailEnd type="none" w="med" len="med"/>
+                    </a:lnL>
+                    <a:lnR w="12700" cap="flat" cmpd="sng" algn="ctr">
+                      <a:solidFill>
+                        <a:schemeClr val="bg1"/>
+                      </a:solidFill>
+                      <a:prstDash val="solid"/>
+                      <a:round/>
+                      <a:headEnd type="none" w="med" len="med"/>
+                      <a:tailEnd type="none" w="med" len="med"/>
+                    </a:lnR>
+                    <a:lnT w="12700" cap="flat" cmpd="sng" algn="ctr">
+                      <a:solidFill>
+                        <a:schemeClr val="bg1"/>
+                      </a:solidFill>
+                      <a:prstDash val="solid"/>
+                      <a:round/>
+                      <a:headEnd type="none" w="med" len="med"/>
+                      <a:tailEnd type="none" w="med" len="med"/>
+                    </a:lnT>
+                    <a:lnB w="12700" cap="flat" cmpd="sng" algn="ctr">
+                      <a:solidFill>
+                        <a:schemeClr val="bg1"/>
+                      </a:solidFill>
+                      <a:prstDash val="solid"/>
+                      <a:round/>
+                      <a:headEnd type="none" w="med" len="med"/>
+                      <a:tailEnd type="none" w="med" len="med"/>
+                    </a:lnB>
+                  </a:tcPr>
+                </a:tc>
+                <a:tc>
+                  <a:txBody>
+                    <a:bodyPr/>
+                    <a:lstStyle/>
+                    <a:p>
+                      <a:pPr algn="ctr" latinLnBrk="1"/>
+                      <a:r>
+                        <a:rPr lang="en-US" altLang="ko-KR" sz="2400" b="0" dirty="0">
+                          <a:solidFill>
+                            <a:schemeClr val="bg1">
+                              <a:lumMod val="85000"/>
+                            </a:schemeClr>
+                          </a:solidFill>
+                        </a:rPr>
+                        <a:t>4</a:t>
+                      </a:r>
+                      <a:endParaRPr lang="ko-KR" altLang="en-US" sz="2400" b="0" dirty="0">
+                        <a:solidFill>
+                          <a:schemeClr val="bg1">
+                            <a:lumMod val="85000"/>
+                          </a:schemeClr>
+                        </a:solidFill>
+                      </a:endParaRPr>
+                    </a:p>
+                  </a:txBody>
+                  <a:tcPr anchor="ctr">
+                    <a:lnL w="12700" cap="flat" cmpd="sng" algn="ctr">
+                      <a:solidFill>
+                        <a:schemeClr val="bg1"/>
+                      </a:solidFill>
+                      <a:prstDash val="solid"/>
+                      <a:round/>
+                      <a:headEnd type="none" w="med" len="med"/>
+                      <a:tailEnd type="none" w="med" len="med"/>
+                    </a:lnL>
+                    <a:lnR w="12700" cap="flat" cmpd="sng" algn="ctr">
+                      <a:solidFill>
+                        <a:schemeClr val="bg1"/>
+                      </a:solidFill>
+                      <a:prstDash val="solid"/>
+                      <a:round/>
+                      <a:headEnd type="none" w="med" len="med"/>
+                      <a:tailEnd type="none" w="med" len="med"/>
+                    </a:lnR>
+                    <a:lnT w="12700" cap="flat" cmpd="sng" algn="ctr">
+                      <a:solidFill>
+                        <a:schemeClr val="bg1"/>
+                      </a:solidFill>
+                      <a:prstDash val="solid"/>
+                      <a:round/>
+                      <a:headEnd type="none" w="med" len="med"/>
+                      <a:tailEnd type="none" w="med" len="med"/>
+                    </a:lnT>
+                    <a:lnB w="12700" cap="flat" cmpd="sng" algn="ctr">
+                      <a:solidFill>
+                        <a:schemeClr val="bg1"/>
+                      </a:solidFill>
+                      <a:prstDash val="solid"/>
+                      <a:round/>
+                      <a:headEnd type="none" w="med" len="med"/>
+                      <a:tailEnd type="none" w="med" len="med"/>
+                    </a:lnB>
+                  </a:tcPr>
+                </a:tc>
+                <a:tc>
+                  <a:txBody>
+                    <a:bodyPr/>
+                    <a:lstStyle/>
+                    <a:p>
+                      <a:pPr algn="ctr" latinLnBrk="1"/>
+                      <a:r>
+                        <a:rPr lang="en-US" altLang="ko-KR" sz="2400" b="1" dirty="0">
+                          <a:solidFill>
+                            <a:srgbClr val="FF0000"/>
+                          </a:solidFill>
+                        </a:rPr>
+                        <a:t>4</a:t>
+                      </a:r>
+                      <a:endParaRPr lang="ko-KR" altLang="en-US" sz="2400" b="1" dirty="0">
+                        <a:solidFill>
+                          <a:srgbClr val="FF0000"/>
+                        </a:solidFill>
+                      </a:endParaRPr>
+                    </a:p>
+                  </a:txBody>
+                  <a:tcPr anchor="ctr">
+                    <a:lnL w="12700" cap="flat" cmpd="sng" algn="ctr">
+                      <a:solidFill>
+                        <a:schemeClr val="bg1"/>
+                      </a:solidFill>
+                      <a:prstDash val="solid"/>
+                      <a:round/>
+                      <a:headEnd type="none" w="med" len="med"/>
+                      <a:tailEnd type="none" w="med" len="med"/>
+                    </a:lnL>
+                    <a:lnR w="12700" cap="flat" cmpd="sng" algn="ctr">
+                      <a:solidFill>
+                        <a:schemeClr val="bg1"/>
+                      </a:solidFill>
+                      <a:prstDash val="solid"/>
+                      <a:round/>
+                      <a:headEnd type="none" w="med" len="med"/>
+                      <a:tailEnd type="none" w="med" len="med"/>
+                    </a:lnR>
+                    <a:lnT w="12700" cap="flat" cmpd="sng" algn="ctr">
+                      <a:solidFill>
+                        <a:schemeClr val="bg1"/>
+                      </a:solidFill>
+                      <a:prstDash val="solid"/>
+                      <a:round/>
+                      <a:headEnd type="none" w="med" len="med"/>
+                      <a:tailEnd type="none" w="med" len="med"/>
+                    </a:lnT>
+                    <a:lnB w="12700" cap="flat" cmpd="sng" algn="ctr">
+                      <a:solidFill>
+                        <a:schemeClr val="bg1"/>
+                      </a:solidFill>
+                      <a:prstDash val="solid"/>
+                      <a:round/>
+                      <a:headEnd type="none" w="med" len="med"/>
+                      <a:tailEnd type="none" w="med" len="med"/>
+                    </a:lnB>
+                  </a:tcPr>
+                </a:tc>
+                <a:tc>
+                  <a:txBody>
+                    <a:bodyPr/>
+                    <a:lstStyle/>
+                    <a:p>
+                      <a:pPr algn="ctr" latinLnBrk="1"/>
+                      <a:r>
+                        <a:rPr lang="en-US" altLang="ko-KR" sz="2400" b="0" dirty="0">
+                          <a:solidFill>
+                            <a:schemeClr val="bg1">
+                              <a:lumMod val="85000"/>
+                            </a:schemeClr>
+                          </a:solidFill>
+                        </a:rPr>
+                        <a:t>5</a:t>
+                      </a:r>
+                      <a:endParaRPr lang="ko-KR" altLang="en-US" sz="2400" b="0" dirty="0">
+                        <a:solidFill>
+                          <a:schemeClr val="bg1">
+                            <a:lumMod val="85000"/>
+                          </a:schemeClr>
+                        </a:solidFill>
+                      </a:endParaRPr>
+                    </a:p>
+                  </a:txBody>
+                  <a:tcPr anchor="ctr">
+                    <a:lnL w="12700" cap="flat" cmpd="sng" algn="ctr">
+                      <a:solidFill>
+                        <a:schemeClr val="bg1"/>
+                      </a:solidFill>
+                      <a:prstDash val="solid"/>
+                      <a:round/>
+                      <a:headEnd type="none" w="med" len="med"/>
+                      <a:tailEnd type="none" w="med" len="med"/>
+                    </a:lnL>
+                    <a:lnR w="12700" cap="flat" cmpd="sng" algn="ctr">
+                      <a:solidFill>
+                        <a:schemeClr val="bg1"/>
+                      </a:solidFill>
+                      <a:prstDash val="solid"/>
+                      <a:round/>
+                      <a:headEnd type="none" w="med" len="med"/>
+                      <a:tailEnd type="none" w="med" len="med"/>
+                    </a:lnR>
+                    <a:lnT w="12700" cap="flat" cmpd="sng" algn="ctr">
+                      <a:solidFill>
+                        <a:schemeClr val="bg1"/>
+                      </a:solidFill>
+                      <a:prstDash val="solid"/>
+                      <a:round/>
+                      <a:headEnd type="none" w="med" len="med"/>
+                      <a:tailEnd type="none" w="med" len="med"/>
+                    </a:lnT>
+                    <a:lnB w="12700" cap="flat" cmpd="sng" algn="ctr">
+                      <a:solidFill>
+                        <a:schemeClr val="bg1"/>
+                      </a:solidFill>
+                      <a:prstDash val="solid"/>
+                      <a:round/>
+                      <a:headEnd type="none" w="med" len="med"/>
+                      <a:tailEnd type="none" w="med" len="med"/>
+                    </a:lnB>
+                  </a:tcPr>
+                </a:tc>
+                <a:tc>
+                  <a:txBody>
+                    <a:bodyPr/>
+                    <a:lstStyle/>
+                    <a:p>
+                      <a:pPr algn="ctr" latinLnBrk="1"/>
+                      <a:r>
+                        <a:rPr lang="en-US" altLang="ko-KR" sz="2400" b="0" dirty="0">
+                          <a:solidFill>
+                            <a:schemeClr val="bg1">
+                              <a:lumMod val="85000"/>
+                            </a:schemeClr>
+                          </a:solidFill>
+                        </a:rPr>
+                        <a:t>4</a:t>
+                      </a:r>
+                      <a:endParaRPr lang="ko-KR" altLang="en-US" sz="2400" b="0" dirty="0">
+                        <a:solidFill>
+                          <a:schemeClr val="bg1">
+                            <a:lumMod val="85000"/>
+                          </a:schemeClr>
+                        </a:solidFill>
+                      </a:endParaRPr>
+                    </a:p>
+                  </a:txBody>
+                  <a:tcPr anchor="ctr">
+                    <a:lnL w="12700" cap="flat" cmpd="sng" algn="ctr">
+                      <a:solidFill>
+                        <a:schemeClr val="bg1"/>
+                      </a:solidFill>
+                      <a:prstDash val="solid"/>
+                      <a:round/>
+                      <a:headEnd type="none" w="med" len="med"/>
+                      <a:tailEnd type="none" w="med" len="med"/>
+                    </a:lnL>
+                    <a:lnR w="12700" cmpd="sng">
+                      <a:solidFill>
+                        <a:schemeClr val="bg1"/>
+                      </a:solidFill>
+                      <a:prstDash val="solid"/>
+                    </a:lnR>
+                    <a:lnT w="12700" cap="flat" cmpd="sng" algn="ctr">
+                      <a:solidFill>
+                        <a:schemeClr val="bg1"/>
+                      </a:solidFill>
+                      <a:prstDash val="solid"/>
+                      <a:round/>
+                      <a:headEnd type="none" w="med" len="med"/>
+                      <a:tailEnd type="none" w="med" len="med"/>
+                    </a:lnT>
+                    <a:lnB w="12700" cap="flat" cmpd="sng" algn="ctr">
+                      <a:solidFill>
+                        <a:schemeClr val="bg1"/>
+                      </a:solidFill>
+                      <a:prstDash val="solid"/>
+                      <a:round/>
+                      <a:headEnd type="none" w="med" len="med"/>
+                      <a:tailEnd type="none" w="med" len="med"/>
+                    </a:lnB>
+                  </a:tcPr>
+                </a:tc>
+                <a:extLst>
+                  <a:ext uri="{0D108BD9-81ED-4DB2-BD59-A6C34878D82A}">
+                    <a16:rowId xmlns:a16="http://schemas.microsoft.com/office/drawing/2014/main" val="1169592317"/>
+                  </a:ext>
+                </a:extLst>
+              </a:tr>
+            </a:tbl>
+          </a:graphicData>
+        </a:graphic>
+      </p:graphicFrame>
+    </p:spTree>
+    <p:extLst>
+      <p:ext uri="{BB962C8B-B14F-4D97-AF65-F5344CB8AC3E}">
+        <p14:creationId xmlns:p14="http://schemas.microsoft.com/office/powerpoint/2010/main" val="2073445343"/>
       </p:ext>
     </p:extLst>
   </p:cSld>
